--- a/images.pptx
+++ b/images.pptx
@@ -3343,6 +3343,22 @@
             </a:r>
             <a:endParaRPr lang="en-US" altLang="ja-JP" dirty="0" smtClean="0"/>
           </a:p>
+          <a:p>
+            <a:pPr algn="ctr"/>
+            <a:r>
+              <a:rPr lang="en-US" altLang="ja-JP" dirty="0" smtClean="0"/>
+              <a:t>(/</a:t>
+            </a:r>
+            <a:r>
+              <a:rPr lang="en-US" altLang="ja-JP" dirty="0" err="1" smtClean="0"/>
+              <a:t>api</a:t>
+            </a:r>
+            <a:r>
+              <a:rPr lang="en-US" altLang="ja-JP" dirty="0" smtClean="0"/>
+              <a:t>-a)</a:t>
+            </a:r>
+            <a:endParaRPr lang="en-US" altLang="ja-JP" dirty="0" smtClean="0"/>
+          </a:p>
         </p:txBody>
       </p:sp>
       <p:sp>
@@ -3387,6 +3403,22 @@
               <a:rPr lang="en-US" altLang="ja-JP" dirty="0" smtClean="0"/>
               <a:t>-client</a:t>
             </a:r>
+          </a:p>
+          <a:p>
+            <a:pPr algn="ctr"/>
+            <a:r>
+              <a:rPr lang="en-US" altLang="ja-JP" dirty="0" smtClean="0"/>
+              <a:t>(/</a:t>
+            </a:r>
+            <a:r>
+              <a:rPr lang="en-US" altLang="ja-JP" dirty="0" err="1" smtClean="0"/>
+              <a:t>api</a:t>
+            </a:r>
+            <a:r>
+              <a:rPr lang="en-US" altLang="ja-JP" dirty="0" smtClean="0"/>
+              <a:t>-c)</a:t>
+            </a:r>
+            <a:endParaRPr lang="en-US" altLang="ja-JP" dirty="0" smtClean="0"/>
           </a:p>
         </p:txBody>
       </p:sp>
@@ -3764,8 +3796,8 @@
           <a:lstStyle/>
           <a:p>
             <a:r>
-              <a:rPr kumimoji="1" lang="en-US" altLang="ja-JP" smtClean="0"/>
-              <a:t>8080</a:t>
+              <a:rPr kumimoji="1" lang="en-US" altLang="ja-JP" dirty="0" smtClean="0"/>
+              <a:t>8081</a:t>
             </a:r>
             <a:endParaRPr kumimoji="1" lang="ja-JP" altLang="en-US" dirty="0"/>
           </a:p>
@@ -3795,7 +3827,7 @@
           <a:p>
             <a:r>
               <a:rPr kumimoji="1" lang="en-US" altLang="ja-JP" dirty="0" smtClean="0"/>
-              <a:t>8081</a:t>
+              <a:t>8082</a:t>
             </a:r>
             <a:endParaRPr kumimoji="1" lang="ja-JP" altLang="en-US" dirty="0"/>
           </a:p>
@@ -3824,8 +3856,8 @@
           <a:lstStyle/>
           <a:p>
             <a:r>
-              <a:rPr kumimoji="1" lang="en-US" altLang="ja-JP" smtClean="0"/>
-              <a:t>8082</a:t>
+              <a:rPr kumimoji="1" lang="en-US" altLang="ja-JP" dirty="0" smtClean="0"/>
+              <a:t>8083</a:t>
             </a:r>
             <a:endParaRPr kumimoji="1" lang="ja-JP" altLang="en-US" dirty="0"/>
           </a:p>

--- a/images.pptx
+++ b/images.pptx
@@ -3299,6 +3299,25 @@
               <a:rPr kumimoji="1" lang="en-US" altLang="ja-JP" dirty="0" err="1" smtClean="0"/>
               <a:t>pi</a:t>
             </a:r>
+            <a:r>
+              <a:rPr kumimoji="1" lang="en-US" altLang="ja-JP" dirty="0" smtClean="0"/>
+              <a:t>-resource</a:t>
+            </a:r>
+          </a:p>
+          <a:p>
+            <a:pPr algn="ctr"/>
+            <a:r>
+              <a:rPr lang="en-US" altLang="ja-JP" dirty="0" smtClean="0"/>
+              <a:t>(/</a:t>
+            </a:r>
+            <a:r>
+              <a:rPr lang="en-US" altLang="ja-JP" dirty="0" err="1" smtClean="0"/>
+              <a:t>api</a:t>
+            </a:r>
+            <a:r>
+              <a:rPr lang="en-US" altLang="ja-JP" dirty="0" smtClean="0"/>
+              <a:t>-r)</a:t>
+            </a:r>
             <a:endParaRPr kumimoji="1" lang="en-US" altLang="ja-JP" dirty="0" smtClean="0"/>
           </a:p>
         </p:txBody>

--- a/images.pptx
+++ b/images.pptx
@@ -243,7 +243,7 @@
           <a:p>
             <a:fld id="{D2D8EA25-67A6-EA48-A0F9-B2976239D8A5}" type="datetimeFigureOut">
               <a:rPr kumimoji="1" lang="ja-JP" altLang="en-US" smtClean="0"/>
-              <a:t>2016/2/20</a:t>
+              <a:t>2016/2/22</a:t>
             </a:fld>
             <a:endParaRPr kumimoji="1" lang="ja-JP" altLang="en-US"/>
           </a:p>
@@ -445,7 +445,7 @@
           <a:p>
             <a:fld id="{D2D8EA25-67A6-EA48-A0F9-B2976239D8A5}" type="datetimeFigureOut">
               <a:rPr kumimoji="1" lang="ja-JP" altLang="en-US" smtClean="0"/>
-              <a:t>2016/2/20</a:t>
+              <a:t>2016/2/22</a:t>
             </a:fld>
             <a:endParaRPr kumimoji="1" lang="ja-JP" altLang="en-US"/>
           </a:p>
@@ -657,7 +657,7 @@
           <a:p>
             <a:fld id="{D2D8EA25-67A6-EA48-A0F9-B2976239D8A5}" type="datetimeFigureOut">
               <a:rPr kumimoji="1" lang="ja-JP" altLang="en-US" smtClean="0"/>
-              <a:t>2016/2/20</a:t>
+              <a:t>2016/2/22</a:t>
             </a:fld>
             <a:endParaRPr kumimoji="1" lang="ja-JP" altLang="en-US"/>
           </a:p>
@@ -859,7 +859,7 @@
           <a:p>
             <a:fld id="{D2D8EA25-67A6-EA48-A0F9-B2976239D8A5}" type="datetimeFigureOut">
               <a:rPr kumimoji="1" lang="ja-JP" altLang="en-US" smtClean="0"/>
-              <a:t>2016/2/20</a:t>
+              <a:t>2016/2/22</a:t>
             </a:fld>
             <a:endParaRPr kumimoji="1" lang="ja-JP" altLang="en-US"/>
           </a:p>
@@ -1105,7 +1105,7 @@
           <a:p>
             <a:fld id="{D2D8EA25-67A6-EA48-A0F9-B2976239D8A5}" type="datetimeFigureOut">
               <a:rPr kumimoji="1" lang="ja-JP" altLang="en-US" smtClean="0"/>
-              <a:t>2016/2/20</a:t>
+              <a:t>2016/2/22</a:t>
             </a:fld>
             <a:endParaRPr kumimoji="1" lang="ja-JP" altLang="en-US"/>
           </a:p>
@@ -1401,7 +1401,7 @@
           <a:p>
             <a:fld id="{D2D8EA25-67A6-EA48-A0F9-B2976239D8A5}" type="datetimeFigureOut">
               <a:rPr kumimoji="1" lang="ja-JP" altLang="en-US" smtClean="0"/>
-              <a:t>2016/2/20</a:t>
+              <a:t>2016/2/22</a:t>
             </a:fld>
             <a:endParaRPr kumimoji="1" lang="ja-JP" altLang="en-US"/>
           </a:p>
@@ -1832,7 +1832,7 @@
           <a:p>
             <a:fld id="{D2D8EA25-67A6-EA48-A0F9-B2976239D8A5}" type="datetimeFigureOut">
               <a:rPr kumimoji="1" lang="ja-JP" altLang="en-US" smtClean="0"/>
-              <a:t>2016/2/20</a:t>
+              <a:t>2016/2/22</a:t>
             </a:fld>
             <a:endParaRPr kumimoji="1" lang="ja-JP" altLang="en-US"/>
           </a:p>
@@ -1950,7 +1950,7 @@
           <a:p>
             <a:fld id="{D2D8EA25-67A6-EA48-A0F9-B2976239D8A5}" type="datetimeFigureOut">
               <a:rPr kumimoji="1" lang="ja-JP" altLang="en-US" smtClean="0"/>
-              <a:t>2016/2/20</a:t>
+              <a:t>2016/2/22</a:t>
             </a:fld>
             <a:endParaRPr kumimoji="1" lang="ja-JP" altLang="en-US"/>
           </a:p>
@@ -2045,7 +2045,7 @@
           <a:p>
             <a:fld id="{D2D8EA25-67A6-EA48-A0F9-B2976239D8A5}" type="datetimeFigureOut">
               <a:rPr kumimoji="1" lang="ja-JP" altLang="en-US" smtClean="0"/>
-              <a:t>2016/2/20</a:t>
+              <a:t>2016/2/22</a:t>
             </a:fld>
             <a:endParaRPr kumimoji="1" lang="ja-JP" altLang="en-US"/>
           </a:p>
@@ -2354,7 +2354,7 @@
           <a:p>
             <a:fld id="{D2D8EA25-67A6-EA48-A0F9-B2976239D8A5}" type="datetimeFigureOut">
               <a:rPr kumimoji="1" lang="ja-JP" altLang="en-US" smtClean="0"/>
-              <a:t>2016/2/20</a:t>
+              <a:t>2016/2/22</a:t>
             </a:fld>
             <a:endParaRPr kumimoji="1" lang="ja-JP" altLang="en-US"/>
           </a:p>
@@ -2607,7 +2607,7 @@
           <a:p>
             <a:fld id="{D2D8EA25-67A6-EA48-A0F9-B2976239D8A5}" type="datetimeFigureOut">
               <a:rPr kumimoji="1" lang="ja-JP" altLang="en-US" smtClean="0"/>
-              <a:t>2016/2/20</a:t>
+              <a:t>2016/2/22</a:t>
             </a:fld>
             <a:endParaRPr kumimoji="1" lang="ja-JP" altLang="en-US"/>
           </a:p>
@@ -2852,7 +2852,7 @@
           <a:p>
             <a:fld id="{D2D8EA25-67A6-EA48-A0F9-B2976239D8A5}" type="datetimeFigureOut">
               <a:rPr kumimoji="1" lang="ja-JP" altLang="en-US" smtClean="0"/>
-              <a:t>2016/2/20</a:t>
+              <a:t>2016/2/22</a:t>
             </a:fld>
             <a:endParaRPr kumimoji="1" lang="ja-JP" altLang="en-US"/>
           </a:p>
@@ -3376,7 +3376,6 @@
               <a:rPr lang="en-US" altLang="ja-JP" dirty="0" smtClean="0"/>
               <a:t>-a)</a:t>
             </a:r>
-            <a:endParaRPr lang="en-US" altLang="ja-JP" dirty="0" smtClean="0"/>
           </a:p>
         </p:txBody>
       </p:sp>
@@ -3437,7 +3436,6 @@
               <a:rPr lang="en-US" altLang="ja-JP" dirty="0" smtClean="0"/>
               <a:t>-c)</a:t>
             </a:r>
-            <a:endParaRPr lang="en-US" altLang="ja-JP" dirty="0" smtClean="0"/>
           </a:p>
         </p:txBody>
       </p:sp>
@@ -3492,7 +3490,19 @@
             <a:pPr algn="ctr"/>
             <a:r>
               <a:rPr lang="en-US" altLang="ja-JP" dirty="0" smtClean="0"/>
-              <a:t>(/j)</a:t>
+              <a:t>(/</a:t>
+            </a:r>
+            <a:r>
+              <a:rPr lang="en-US" altLang="ja-JP" dirty="0" err="1" smtClean="0"/>
+              <a:t>scr</a:t>
+            </a:r>
+            <a:r>
+              <a:rPr lang="en-US" altLang="ja-JP" dirty="0" smtClean="0"/>
+              <a:t>-j</a:t>
+            </a:r>
+            <a:r>
+              <a:rPr lang="en-US" altLang="ja-JP" dirty="0" smtClean="0"/>
+              <a:t>)</a:t>
             </a:r>
           </a:p>
         </p:txBody>
@@ -3548,7 +3558,19 @@
             <a:pPr algn="ctr"/>
             <a:r>
               <a:rPr lang="en-US" altLang="ja-JP" dirty="0" smtClean="0"/>
-              <a:t>(/f)</a:t>
+              <a:t>(/</a:t>
+            </a:r>
+            <a:r>
+              <a:rPr lang="en-US" altLang="ja-JP" dirty="0" err="1" smtClean="0"/>
+              <a:t>scr</a:t>
+            </a:r>
+            <a:r>
+              <a:rPr lang="en-US" altLang="ja-JP" dirty="0" smtClean="0"/>
+              <a:t>-f</a:t>
+            </a:r>
+            <a:r>
+              <a:rPr lang="en-US" altLang="ja-JP" dirty="0" smtClean="0"/>
+              <a:t>)</a:t>
             </a:r>
           </a:p>
         </p:txBody>
@@ -3604,7 +3626,19 @@
             <a:pPr algn="ctr"/>
             <a:r>
               <a:rPr lang="en-US" altLang="ja-JP" dirty="0" smtClean="0"/>
-              <a:t>(/t)</a:t>
+              <a:t>(/</a:t>
+            </a:r>
+            <a:r>
+              <a:rPr lang="en-US" altLang="ja-JP" dirty="0" err="1" smtClean="0"/>
+              <a:t>scr</a:t>
+            </a:r>
+            <a:r>
+              <a:rPr lang="en-US" altLang="ja-JP" dirty="0" smtClean="0"/>
+              <a:t>-t</a:t>
+            </a:r>
+            <a:r>
+              <a:rPr lang="en-US" altLang="ja-JP" dirty="0" smtClean="0"/>
+              <a:t>)</a:t>
             </a:r>
           </a:p>
         </p:txBody>

--- a/images.pptx
+++ b/images.pptx
@@ -4,6 +4,9 @@
   <p:sldMasterIdLst>
     <p:sldMasterId id="2147483648" r:id="rId1"/>
   </p:sldMasterIdLst>
+  <p:notesMasterIdLst>
+    <p:notesMasterId r:id="rId3"/>
+  </p:notesMasterIdLst>
   <p:sldIdLst>
     <p:sldId id="256" r:id="rId2"/>
   </p:sldIdLst>
@@ -112,6 +115,472 @@
 </p:presentation>
 </file>
 
+<file path=ppt/notesMasters/notesMaster1.xml><?xml version="1.0" encoding="utf-8"?>
+<p:notesMaster xmlns:a="http://schemas.openxmlformats.org/drawingml/2006/main" xmlns:r="http://schemas.openxmlformats.org/officeDocument/2006/relationships" xmlns:p="http://schemas.openxmlformats.org/presentationml/2006/main">
+  <p:cSld>
+    <p:bg>
+      <p:bgRef idx="1001">
+        <a:schemeClr val="bg1"/>
+      </p:bgRef>
+    </p:bg>
+    <p:spTree>
+      <p:nvGrpSpPr>
+        <p:cNvPr id="1" name=""/>
+        <p:cNvGrpSpPr/>
+        <p:nvPr/>
+      </p:nvGrpSpPr>
+      <p:grpSpPr>
+        <a:xfrm>
+          <a:off x="0" y="0"/>
+          <a:ext cx="0" cy="0"/>
+          <a:chOff x="0" y="0"/>
+          <a:chExt cx="0" cy="0"/>
+        </a:xfrm>
+      </p:grpSpPr>
+      <p:sp>
+        <p:nvSpPr>
+          <p:cNvPr id="2" name="ヘッダー プレースホルダー 1"/>
+          <p:cNvSpPr>
+            <a:spLocks noGrp="1"/>
+          </p:cNvSpPr>
+          <p:nvPr>
+            <p:ph type="hdr" sz="quarter"/>
+          </p:nvPr>
+        </p:nvSpPr>
+        <p:spPr>
+          <a:xfrm>
+            <a:off x="0" y="0"/>
+            <a:ext cx="2971800" cy="458788"/>
+          </a:xfrm>
+          <a:prstGeom prst="rect">
+            <a:avLst/>
+          </a:prstGeom>
+        </p:spPr>
+        <p:txBody>
+          <a:bodyPr vert="horz" lIns="91440" tIns="45720" rIns="91440" bIns="45720" rtlCol="0"/>
+          <a:lstStyle>
+            <a:lvl1pPr algn="l">
+              <a:defRPr sz="1200"/>
+            </a:lvl1pPr>
+          </a:lstStyle>
+          <a:p>
+            <a:endParaRPr kumimoji="1" lang="ja-JP" altLang="en-US"/>
+          </a:p>
+        </p:txBody>
+      </p:sp>
+      <p:sp>
+        <p:nvSpPr>
+          <p:cNvPr id="3" name="日付プレースホルダー 2"/>
+          <p:cNvSpPr>
+            <a:spLocks noGrp="1"/>
+          </p:cNvSpPr>
+          <p:nvPr>
+            <p:ph type="dt" idx="1"/>
+          </p:nvPr>
+        </p:nvSpPr>
+        <p:spPr>
+          <a:xfrm>
+            <a:off x="3884613" y="0"/>
+            <a:ext cx="2971800" cy="458788"/>
+          </a:xfrm>
+          <a:prstGeom prst="rect">
+            <a:avLst/>
+          </a:prstGeom>
+        </p:spPr>
+        <p:txBody>
+          <a:bodyPr vert="horz" lIns="91440" tIns="45720" rIns="91440" bIns="45720" rtlCol="0"/>
+          <a:lstStyle>
+            <a:lvl1pPr algn="r">
+              <a:defRPr sz="1200"/>
+            </a:lvl1pPr>
+          </a:lstStyle>
+          <a:p>
+            <a:fld id="{BC451F63-61CF-B94D-955A-F098561CC757}" type="datetimeFigureOut">
+              <a:rPr kumimoji="1" lang="ja-JP" altLang="en-US" smtClean="0"/>
+              <a:t>2016/2/27</a:t>
+            </a:fld>
+            <a:endParaRPr kumimoji="1" lang="ja-JP" altLang="en-US"/>
+          </a:p>
+        </p:txBody>
+      </p:sp>
+      <p:sp>
+        <p:nvSpPr>
+          <p:cNvPr id="4" name="スライド イメージ プレースホルダー 3"/>
+          <p:cNvSpPr>
+            <a:spLocks noGrp="1" noRot="1" noChangeAspect="1"/>
+          </p:cNvSpPr>
+          <p:nvPr>
+            <p:ph type="sldImg" idx="2"/>
+          </p:nvPr>
+        </p:nvSpPr>
+        <p:spPr>
+          <a:xfrm>
+            <a:off x="685800" y="1143000"/>
+            <a:ext cx="5486400" cy="3086100"/>
+          </a:xfrm>
+          <a:prstGeom prst="rect">
+            <a:avLst/>
+          </a:prstGeom>
+          <a:noFill/>
+          <a:ln w="12700">
+            <a:solidFill>
+              <a:prstClr val="black"/>
+            </a:solidFill>
+          </a:ln>
+        </p:spPr>
+        <p:txBody>
+          <a:bodyPr vert="horz" lIns="91440" tIns="45720" rIns="91440" bIns="45720" rtlCol="0" anchor="ctr"/>
+          <a:lstStyle/>
+          <a:p>
+            <a:endParaRPr lang="ja-JP" altLang="en-US"/>
+          </a:p>
+        </p:txBody>
+      </p:sp>
+      <p:sp>
+        <p:nvSpPr>
+          <p:cNvPr id="5" name="ノート プレースホルダー 4"/>
+          <p:cNvSpPr>
+            <a:spLocks noGrp="1"/>
+          </p:cNvSpPr>
+          <p:nvPr>
+            <p:ph type="body" sz="quarter" idx="3"/>
+          </p:nvPr>
+        </p:nvSpPr>
+        <p:spPr>
+          <a:xfrm>
+            <a:off x="685800" y="4400550"/>
+            <a:ext cx="5486400" cy="3600450"/>
+          </a:xfrm>
+          <a:prstGeom prst="rect">
+            <a:avLst/>
+          </a:prstGeom>
+        </p:spPr>
+        <p:txBody>
+          <a:bodyPr vert="horz" lIns="91440" tIns="45720" rIns="91440" bIns="45720" rtlCol="0"/>
+          <a:lstStyle/>
+          <a:p>
+            <a:pPr lvl="0"/>
+            <a:r>
+              <a:rPr kumimoji="1" lang="ja-JP" altLang="en-US" smtClean="0"/>
+              <a:t>マスター テキストの書式設定</a:t>
+            </a:r>
+          </a:p>
+          <a:p>
+            <a:pPr lvl="1"/>
+            <a:r>
+              <a:rPr kumimoji="1" lang="ja-JP" altLang="en-US" smtClean="0"/>
+              <a:t>第 </a:t>
+            </a:r>
+            <a:r>
+              <a:rPr kumimoji="1" lang="en-US" altLang="ja-JP" smtClean="0"/>
+              <a:t>2 </a:t>
+            </a:r>
+            <a:r>
+              <a:rPr kumimoji="1" lang="ja-JP" altLang="en-US" smtClean="0"/>
+              <a:t>レベル</a:t>
+            </a:r>
+          </a:p>
+          <a:p>
+            <a:pPr lvl="2"/>
+            <a:r>
+              <a:rPr kumimoji="1" lang="ja-JP" altLang="en-US" smtClean="0"/>
+              <a:t>第 </a:t>
+            </a:r>
+            <a:r>
+              <a:rPr kumimoji="1" lang="en-US" altLang="ja-JP" smtClean="0"/>
+              <a:t>3 </a:t>
+            </a:r>
+            <a:r>
+              <a:rPr kumimoji="1" lang="ja-JP" altLang="en-US" smtClean="0"/>
+              <a:t>レベル</a:t>
+            </a:r>
+          </a:p>
+          <a:p>
+            <a:pPr lvl="3"/>
+            <a:r>
+              <a:rPr kumimoji="1" lang="ja-JP" altLang="en-US" smtClean="0"/>
+              <a:t>第 </a:t>
+            </a:r>
+            <a:r>
+              <a:rPr kumimoji="1" lang="en-US" altLang="ja-JP" smtClean="0"/>
+              <a:t>4 </a:t>
+            </a:r>
+            <a:r>
+              <a:rPr kumimoji="1" lang="ja-JP" altLang="en-US" smtClean="0"/>
+              <a:t>レベル</a:t>
+            </a:r>
+          </a:p>
+          <a:p>
+            <a:pPr lvl="4"/>
+            <a:r>
+              <a:rPr kumimoji="1" lang="ja-JP" altLang="en-US" smtClean="0"/>
+              <a:t>第 </a:t>
+            </a:r>
+            <a:r>
+              <a:rPr kumimoji="1" lang="en-US" altLang="ja-JP" smtClean="0"/>
+              <a:t>5 </a:t>
+            </a:r>
+            <a:r>
+              <a:rPr kumimoji="1" lang="ja-JP" altLang="en-US" smtClean="0"/>
+              <a:t>レベル</a:t>
+            </a:r>
+            <a:endParaRPr kumimoji="1" lang="ja-JP" altLang="en-US"/>
+          </a:p>
+        </p:txBody>
+      </p:sp>
+      <p:sp>
+        <p:nvSpPr>
+          <p:cNvPr id="6" name="フッター プレースホルダー 5"/>
+          <p:cNvSpPr>
+            <a:spLocks noGrp="1"/>
+          </p:cNvSpPr>
+          <p:nvPr>
+            <p:ph type="ftr" sz="quarter" idx="4"/>
+          </p:nvPr>
+        </p:nvSpPr>
+        <p:spPr>
+          <a:xfrm>
+            <a:off x="0" y="8685213"/>
+            <a:ext cx="2971800" cy="458787"/>
+          </a:xfrm>
+          <a:prstGeom prst="rect">
+            <a:avLst/>
+          </a:prstGeom>
+        </p:spPr>
+        <p:txBody>
+          <a:bodyPr vert="horz" lIns="91440" tIns="45720" rIns="91440" bIns="45720" rtlCol="0" anchor="b"/>
+          <a:lstStyle>
+            <a:lvl1pPr algn="l">
+              <a:defRPr sz="1200"/>
+            </a:lvl1pPr>
+          </a:lstStyle>
+          <a:p>
+            <a:endParaRPr kumimoji="1" lang="ja-JP" altLang="en-US"/>
+          </a:p>
+        </p:txBody>
+      </p:sp>
+      <p:sp>
+        <p:nvSpPr>
+          <p:cNvPr id="7" name="スライド番号プレースホルダー 6"/>
+          <p:cNvSpPr>
+            <a:spLocks noGrp="1"/>
+          </p:cNvSpPr>
+          <p:nvPr>
+            <p:ph type="sldNum" sz="quarter" idx="5"/>
+          </p:nvPr>
+        </p:nvSpPr>
+        <p:spPr>
+          <a:xfrm>
+            <a:off x="3884613" y="8685213"/>
+            <a:ext cx="2971800" cy="458787"/>
+          </a:xfrm>
+          <a:prstGeom prst="rect">
+            <a:avLst/>
+          </a:prstGeom>
+        </p:spPr>
+        <p:txBody>
+          <a:bodyPr vert="horz" lIns="91440" tIns="45720" rIns="91440" bIns="45720" rtlCol="0" anchor="b"/>
+          <a:lstStyle>
+            <a:lvl1pPr algn="r">
+              <a:defRPr sz="1200"/>
+            </a:lvl1pPr>
+          </a:lstStyle>
+          <a:p>
+            <a:fld id="{EC92BC02-17D4-5941-A042-FC73D1D0F0FC}" type="slidenum">
+              <a:rPr kumimoji="1" lang="ja-JP" altLang="en-US" smtClean="0"/>
+              <a:t>‹#›</a:t>
+            </a:fld>
+            <a:endParaRPr kumimoji="1" lang="ja-JP" altLang="en-US"/>
+          </a:p>
+        </p:txBody>
+      </p:sp>
+    </p:spTree>
+    <p:extLst>
+      <p:ext uri="{BB962C8B-B14F-4D97-AF65-F5344CB8AC3E}">
+        <p14:creationId xmlns:p14="http://schemas.microsoft.com/office/powerpoint/2010/main" val="2056997889"/>
+      </p:ext>
+    </p:extLst>
+  </p:cSld>
+  <p:clrMap bg1="lt1" tx1="dk1" bg2="lt2" tx2="dk2" accent1="accent1" accent2="accent2" accent3="accent3" accent4="accent4" accent5="accent5" accent6="accent6" hlink="hlink" folHlink="folHlink"/>
+  <p:notesStyle>
+    <a:lvl1pPr marL="0" algn="l" defTabSz="914400" rtl="0" eaLnBrk="1" latinLnBrk="0" hangingPunct="1">
+      <a:defRPr kumimoji="1" sz="1200" kern="1200">
+        <a:solidFill>
+          <a:schemeClr val="tx1"/>
+        </a:solidFill>
+        <a:latin typeface="+mn-lt"/>
+        <a:ea typeface="+mn-ea"/>
+        <a:cs typeface="+mn-cs"/>
+      </a:defRPr>
+    </a:lvl1pPr>
+    <a:lvl2pPr marL="457200" algn="l" defTabSz="914400" rtl="0" eaLnBrk="1" latinLnBrk="0" hangingPunct="1">
+      <a:defRPr kumimoji="1" sz="1200" kern="1200">
+        <a:solidFill>
+          <a:schemeClr val="tx1"/>
+        </a:solidFill>
+        <a:latin typeface="+mn-lt"/>
+        <a:ea typeface="+mn-ea"/>
+        <a:cs typeface="+mn-cs"/>
+      </a:defRPr>
+    </a:lvl2pPr>
+    <a:lvl3pPr marL="914400" algn="l" defTabSz="914400" rtl="0" eaLnBrk="1" latinLnBrk="0" hangingPunct="1">
+      <a:defRPr kumimoji="1" sz="1200" kern="1200">
+        <a:solidFill>
+          <a:schemeClr val="tx1"/>
+        </a:solidFill>
+        <a:latin typeface="+mn-lt"/>
+        <a:ea typeface="+mn-ea"/>
+        <a:cs typeface="+mn-cs"/>
+      </a:defRPr>
+    </a:lvl3pPr>
+    <a:lvl4pPr marL="1371600" algn="l" defTabSz="914400" rtl="0" eaLnBrk="1" latinLnBrk="0" hangingPunct="1">
+      <a:defRPr kumimoji="1" sz="1200" kern="1200">
+        <a:solidFill>
+          <a:schemeClr val="tx1"/>
+        </a:solidFill>
+        <a:latin typeface="+mn-lt"/>
+        <a:ea typeface="+mn-ea"/>
+        <a:cs typeface="+mn-cs"/>
+      </a:defRPr>
+    </a:lvl4pPr>
+    <a:lvl5pPr marL="1828800" algn="l" defTabSz="914400" rtl="0" eaLnBrk="1" latinLnBrk="0" hangingPunct="1">
+      <a:defRPr kumimoji="1" sz="1200" kern="1200">
+        <a:solidFill>
+          <a:schemeClr val="tx1"/>
+        </a:solidFill>
+        <a:latin typeface="+mn-lt"/>
+        <a:ea typeface="+mn-ea"/>
+        <a:cs typeface="+mn-cs"/>
+      </a:defRPr>
+    </a:lvl5pPr>
+    <a:lvl6pPr marL="2286000" algn="l" defTabSz="914400" rtl="0" eaLnBrk="1" latinLnBrk="0" hangingPunct="1">
+      <a:defRPr kumimoji="1" sz="1200" kern="1200">
+        <a:solidFill>
+          <a:schemeClr val="tx1"/>
+        </a:solidFill>
+        <a:latin typeface="+mn-lt"/>
+        <a:ea typeface="+mn-ea"/>
+        <a:cs typeface="+mn-cs"/>
+      </a:defRPr>
+    </a:lvl6pPr>
+    <a:lvl7pPr marL="2743200" algn="l" defTabSz="914400" rtl="0" eaLnBrk="1" latinLnBrk="0" hangingPunct="1">
+      <a:defRPr kumimoji="1" sz="1200" kern="1200">
+        <a:solidFill>
+          <a:schemeClr val="tx1"/>
+        </a:solidFill>
+        <a:latin typeface="+mn-lt"/>
+        <a:ea typeface="+mn-ea"/>
+        <a:cs typeface="+mn-cs"/>
+      </a:defRPr>
+    </a:lvl7pPr>
+    <a:lvl8pPr marL="3200400" algn="l" defTabSz="914400" rtl="0" eaLnBrk="1" latinLnBrk="0" hangingPunct="1">
+      <a:defRPr kumimoji="1" sz="1200" kern="1200">
+        <a:solidFill>
+          <a:schemeClr val="tx1"/>
+        </a:solidFill>
+        <a:latin typeface="+mn-lt"/>
+        <a:ea typeface="+mn-ea"/>
+        <a:cs typeface="+mn-cs"/>
+      </a:defRPr>
+    </a:lvl8pPr>
+    <a:lvl9pPr marL="3657600" algn="l" defTabSz="914400" rtl="0" eaLnBrk="1" latinLnBrk="0" hangingPunct="1">
+      <a:defRPr kumimoji="1" sz="1200" kern="1200">
+        <a:solidFill>
+          <a:schemeClr val="tx1"/>
+        </a:solidFill>
+        <a:latin typeface="+mn-lt"/>
+        <a:ea typeface="+mn-ea"/>
+        <a:cs typeface="+mn-cs"/>
+      </a:defRPr>
+    </a:lvl9pPr>
+  </p:notesStyle>
+</p:notesMaster>
+</file>
+
+<file path=ppt/notesSlides/notesSlide1.xml><?xml version="1.0" encoding="utf-8"?>
+<p:notes xmlns:a="http://schemas.openxmlformats.org/drawingml/2006/main" xmlns:r="http://schemas.openxmlformats.org/officeDocument/2006/relationships" xmlns:p="http://schemas.openxmlformats.org/presentationml/2006/main">
+  <p:cSld>
+    <p:spTree>
+      <p:nvGrpSpPr>
+        <p:cNvPr id="1" name=""/>
+        <p:cNvGrpSpPr/>
+        <p:nvPr/>
+      </p:nvGrpSpPr>
+      <p:grpSpPr>
+        <a:xfrm>
+          <a:off x="0" y="0"/>
+          <a:ext cx="0" cy="0"/>
+          <a:chOff x="0" y="0"/>
+          <a:chExt cx="0" cy="0"/>
+        </a:xfrm>
+      </p:grpSpPr>
+      <p:sp>
+        <p:nvSpPr>
+          <p:cNvPr id="2" name="スライド イメージ プレースホルダー 1"/>
+          <p:cNvSpPr>
+            <a:spLocks noGrp="1" noRot="1" noChangeAspect="1"/>
+          </p:cNvSpPr>
+          <p:nvPr>
+            <p:ph type="sldImg"/>
+          </p:nvPr>
+        </p:nvSpPr>
+        <p:spPr/>
+      </p:sp>
+      <p:sp>
+        <p:nvSpPr>
+          <p:cNvPr id="3" name="ノート プレースホルダー 2"/>
+          <p:cNvSpPr>
+            <a:spLocks noGrp="1"/>
+          </p:cNvSpPr>
+          <p:nvPr>
+            <p:ph type="body" idx="1"/>
+          </p:nvPr>
+        </p:nvSpPr>
+        <p:spPr/>
+        <p:txBody>
+          <a:bodyPr/>
+          <a:lstStyle/>
+          <a:p>
+            <a:endParaRPr kumimoji="1" lang="ja-JP" altLang="en-US" dirty="0"/>
+          </a:p>
+        </p:txBody>
+      </p:sp>
+      <p:sp>
+        <p:nvSpPr>
+          <p:cNvPr id="4" name="スライド番号プレースホルダー 3"/>
+          <p:cNvSpPr>
+            <a:spLocks noGrp="1"/>
+          </p:cNvSpPr>
+          <p:nvPr>
+            <p:ph type="sldNum" sz="quarter" idx="10"/>
+          </p:nvPr>
+        </p:nvSpPr>
+        <p:spPr/>
+        <p:txBody>
+          <a:bodyPr/>
+          <a:lstStyle/>
+          <a:p>
+            <a:fld id="{EC92BC02-17D4-5941-A042-FC73D1D0F0FC}" type="slidenum">
+              <a:rPr kumimoji="1" lang="ja-JP" altLang="en-US" smtClean="0"/>
+              <a:t>1</a:t>
+            </a:fld>
+            <a:endParaRPr kumimoji="1" lang="ja-JP" altLang="en-US"/>
+          </a:p>
+        </p:txBody>
+      </p:sp>
+    </p:spTree>
+    <p:extLst>
+      <p:ext uri="{BB962C8B-B14F-4D97-AF65-F5344CB8AC3E}">
+        <p14:creationId xmlns:p14="http://schemas.microsoft.com/office/powerpoint/2010/main" val="1771771017"/>
+      </p:ext>
+    </p:extLst>
+  </p:cSld>
+  <p:clrMapOvr>
+    <a:masterClrMapping/>
+  </p:clrMapOvr>
+</p:notes>
+</file>
+
 <file path=ppt/slideLayouts/slideLayout1.xml><?xml version="1.0" encoding="utf-8"?>
 <p:sldLayout xmlns:a="http://schemas.openxmlformats.org/drawingml/2006/main" xmlns:r="http://schemas.openxmlformats.org/officeDocument/2006/relationships" xmlns:p="http://schemas.openxmlformats.org/presentationml/2006/main" type="title" preserve="1">
   <p:cSld name="タイトル スライド">
@@ -243,7 +712,7 @@
           <a:p>
             <a:fld id="{D2D8EA25-67A6-EA48-A0F9-B2976239D8A5}" type="datetimeFigureOut">
               <a:rPr kumimoji="1" lang="ja-JP" altLang="en-US" smtClean="0"/>
-              <a:t>2016/2/22</a:t>
+              <a:t>2016/2/27</a:t>
             </a:fld>
             <a:endParaRPr kumimoji="1" lang="ja-JP" altLang="en-US"/>
           </a:p>
@@ -445,7 +914,7 @@
           <a:p>
             <a:fld id="{D2D8EA25-67A6-EA48-A0F9-B2976239D8A5}" type="datetimeFigureOut">
               <a:rPr kumimoji="1" lang="ja-JP" altLang="en-US" smtClean="0"/>
-              <a:t>2016/2/22</a:t>
+              <a:t>2016/2/27</a:t>
             </a:fld>
             <a:endParaRPr kumimoji="1" lang="ja-JP" altLang="en-US"/>
           </a:p>
@@ -657,7 +1126,7 @@
           <a:p>
             <a:fld id="{D2D8EA25-67A6-EA48-A0F9-B2976239D8A5}" type="datetimeFigureOut">
               <a:rPr kumimoji="1" lang="ja-JP" altLang="en-US" smtClean="0"/>
-              <a:t>2016/2/22</a:t>
+              <a:t>2016/2/27</a:t>
             </a:fld>
             <a:endParaRPr kumimoji="1" lang="ja-JP" altLang="en-US"/>
           </a:p>
@@ -859,7 +1328,7 @@
           <a:p>
             <a:fld id="{D2D8EA25-67A6-EA48-A0F9-B2976239D8A5}" type="datetimeFigureOut">
               <a:rPr kumimoji="1" lang="ja-JP" altLang="en-US" smtClean="0"/>
-              <a:t>2016/2/22</a:t>
+              <a:t>2016/2/27</a:t>
             </a:fld>
             <a:endParaRPr kumimoji="1" lang="ja-JP" altLang="en-US"/>
           </a:p>
@@ -1105,7 +1574,7 @@
           <a:p>
             <a:fld id="{D2D8EA25-67A6-EA48-A0F9-B2976239D8A5}" type="datetimeFigureOut">
               <a:rPr kumimoji="1" lang="ja-JP" altLang="en-US" smtClean="0"/>
-              <a:t>2016/2/22</a:t>
+              <a:t>2016/2/27</a:t>
             </a:fld>
             <a:endParaRPr kumimoji="1" lang="ja-JP" altLang="en-US"/>
           </a:p>
@@ -1401,7 +1870,7 @@
           <a:p>
             <a:fld id="{D2D8EA25-67A6-EA48-A0F9-B2976239D8A5}" type="datetimeFigureOut">
               <a:rPr kumimoji="1" lang="ja-JP" altLang="en-US" smtClean="0"/>
-              <a:t>2016/2/22</a:t>
+              <a:t>2016/2/27</a:t>
             </a:fld>
             <a:endParaRPr kumimoji="1" lang="ja-JP" altLang="en-US"/>
           </a:p>
@@ -1832,7 +2301,7 @@
           <a:p>
             <a:fld id="{D2D8EA25-67A6-EA48-A0F9-B2976239D8A5}" type="datetimeFigureOut">
               <a:rPr kumimoji="1" lang="ja-JP" altLang="en-US" smtClean="0"/>
-              <a:t>2016/2/22</a:t>
+              <a:t>2016/2/27</a:t>
             </a:fld>
             <a:endParaRPr kumimoji="1" lang="ja-JP" altLang="en-US"/>
           </a:p>
@@ -1950,7 +2419,7 @@
           <a:p>
             <a:fld id="{D2D8EA25-67A6-EA48-A0F9-B2976239D8A5}" type="datetimeFigureOut">
               <a:rPr kumimoji="1" lang="ja-JP" altLang="en-US" smtClean="0"/>
-              <a:t>2016/2/22</a:t>
+              <a:t>2016/2/27</a:t>
             </a:fld>
             <a:endParaRPr kumimoji="1" lang="ja-JP" altLang="en-US"/>
           </a:p>
@@ -2045,7 +2514,7 @@
           <a:p>
             <a:fld id="{D2D8EA25-67A6-EA48-A0F9-B2976239D8A5}" type="datetimeFigureOut">
               <a:rPr kumimoji="1" lang="ja-JP" altLang="en-US" smtClean="0"/>
-              <a:t>2016/2/22</a:t>
+              <a:t>2016/2/27</a:t>
             </a:fld>
             <a:endParaRPr kumimoji="1" lang="ja-JP" altLang="en-US"/>
           </a:p>
@@ -2354,7 +2823,7 @@
           <a:p>
             <a:fld id="{D2D8EA25-67A6-EA48-A0F9-B2976239D8A5}" type="datetimeFigureOut">
               <a:rPr kumimoji="1" lang="ja-JP" altLang="en-US" smtClean="0"/>
-              <a:t>2016/2/22</a:t>
+              <a:t>2016/2/27</a:t>
             </a:fld>
             <a:endParaRPr kumimoji="1" lang="ja-JP" altLang="en-US"/>
           </a:p>
@@ -2607,7 +3076,7 @@
           <a:p>
             <a:fld id="{D2D8EA25-67A6-EA48-A0F9-B2976239D8A5}" type="datetimeFigureOut">
               <a:rPr kumimoji="1" lang="ja-JP" altLang="en-US" smtClean="0"/>
-              <a:t>2016/2/22</a:t>
+              <a:t>2016/2/27</a:t>
             </a:fld>
             <a:endParaRPr kumimoji="1" lang="ja-JP" altLang="en-US"/>
           </a:p>
@@ -2852,7 +3321,7 @@
           <a:p>
             <a:fld id="{D2D8EA25-67A6-EA48-A0F9-B2976239D8A5}" type="datetimeFigureOut">
               <a:rPr kumimoji="1" lang="ja-JP" altLang="en-US" smtClean="0"/>
-              <a:t>2016/2/22</a:t>
+              <a:t>2016/2/27</a:t>
             </a:fld>
             <a:endParaRPr kumimoji="1" lang="ja-JP" altLang="en-US"/>
           </a:p>
@@ -3265,7 +3734,7 @@
         </p:nvSpPr>
         <p:spPr>
           <a:xfrm>
-            <a:off x="989912" y="3294986"/>
+            <a:off x="989912" y="4312992"/>
             <a:ext cx="1458936" cy="914400"/>
           </a:xfrm>
           <a:prstGeom prst="roundRect">
@@ -3330,7 +3799,7 @@
         </p:nvSpPr>
         <p:spPr>
           <a:xfrm>
-            <a:off x="3374540" y="3294986"/>
+            <a:off x="3374540" y="4312992"/>
             <a:ext cx="1458936" cy="914400"/>
           </a:xfrm>
           <a:prstGeom prst="roundRect">
@@ -3387,7 +3856,7 @@
         </p:nvSpPr>
         <p:spPr>
           <a:xfrm>
-            <a:off x="2214972" y="1640447"/>
+            <a:off x="2214972" y="2894426"/>
             <a:ext cx="1458936" cy="914400"/>
           </a:xfrm>
           <a:prstGeom prst="roundRect">
@@ -3447,7 +3916,7 @@
         </p:nvSpPr>
         <p:spPr>
           <a:xfrm>
-            <a:off x="9226191" y="1640447"/>
+            <a:off x="9226191" y="2894426"/>
             <a:ext cx="1458936" cy="914400"/>
           </a:xfrm>
           <a:prstGeom prst="roundRect">
@@ -3498,11 +3967,7 @@
             </a:r>
             <a:r>
               <a:rPr lang="en-US" altLang="ja-JP" dirty="0" smtClean="0"/>
-              <a:t>-j</a:t>
-            </a:r>
-            <a:r>
-              <a:rPr lang="en-US" altLang="ja-JP" dirty="0" smtClean="0"/>
-              <a:t>)</a:t>
+              <a:t>-j)</a:t>
             </a:r>
           </a:p>
         </p:txBody>
@@ -3515,7 +3980,7 @@
         </p:nvSpPr>
         <p:spPr>
           <a:xfrm>
-            <a:off x="7376842" y="1640447"/>
+            <a:off x="7376842" y="2894426"/>
             <a:ext cx="1458936" cy="914400"/>
           </a:xfrm>
           <a:prstGeom prst="roundRect">
@@ -3566,11 +4031,7 @@
             </a:r>
             <a:r>
               <a:rPr lang="en-US" altLang="ja-JP" dirty="0" smtClean="0"/>
-              <a:t>-f</a:t>
-            </a:r>
-            <a:r>
-              <a:rPr lang="en-US" altLang="ja-JP" dirty="0" smtClean="0"/>
-              <a:t>)</a:t>
+              <a:t>-f)</a:t>
             </a:r>
           </a:p>
         </p:txBody>
@@ -3583,7 +4044,7 @@
         </p:nvSpPr>
         <p:spPr>
           <a:xfrm>
-            <a:off x="5527493" y="1650721"/>
+            <a:off x="5527493" y="2904700"/>
             <a:ext cx="1458936" cy="914400"/>
           </a:xfrm>
           <a:prstGeom prst="roundRect">
@@ -3634,11 +4095,7 @@
             </a:r>
             <a:r>
               <a:rPr lang="en-US" altLang="ja-JP" dirty="0" smtClean="0"/>
-              <a:t>-t</a:t>
-            </a:r>
-            <a:r>
-              <a:rPr lang="en-US" altLang="ja-JP" dirty="0" smtClean="0"/>
-              <a:t>)</a:t>
+              <a:t>-t)</a:t>
             </a:r>
           </a:p>
         </p:txBody>
@@ -3651,8 +4108,8 @@
         </p:nvSpPr>
         <p:spPr>
           <a:xfrm>
-            <a:off x="631858" y="4813482"/>
-            <a:ext cx="10053269" cy="1215505"/>
+            <a:off x="631858" y="5821661"/>
+            <a:ext cx="10053269" cy="1096855"/>
           </a:xfrm>
           <a:prstGeom prst="can">
             <a:avLst/>
@@ -3687,7 +4144,19 @@
             </a:r>
             <a:r>
               <a:rPr lang="en-US" altLang="ja-JP" dirty="0" smtClean="0"/>
-              <a:t>Local Database (Published on TCP)</a:t>
+              <a:t>Local Database </a:t>
+            </a:r>
+            <a:endParaRPr lang="en-US" altLang="ja-JP" dirty="0" smtClean="0"/>
+          </a:p>
+          <a:p>
+            <a:pPr algn="ctr"/>
+            <a:r>
+              <a:rPr lang="en-US" altLang="ja-JP" dirty="0" smtClean="0"/>
+              <a:t>(</a:t>
+            </a:r>
+            <a:r>
+              <a:rPr lang="en-US" altLang="ja-JP" dirty="0" smtClean="0"/>
+              <a:t>Published on TCP)</a:t>
             </a:r>
             <a:endParaRPr kumimoji="1" lang="ja-JP" altLang="en-US" dirty="0"/>
           </a:p>
@@ -3701,7 +4170,7 @@
         </p:nvSpPr>
         <p:spPr>
           <a:xfrm>
-            <a:off x="6696688" y="6120954"/>
+            <a:off x="6696688" y="6765339"/>
             <a:ext cx="1176388" cy="629167"/>
           </a:xfrm>
           <a:prstGeom prst="rect">
@@ -3743,7 +4212,7 @@
         </p:nvSpPr>
         <p:spPr>
           <a:xfrm>
-            <a:off x="5065157" y="6131228"/>
+            <a:off x="5065157" y="6775613"/>
             <a:ext cx="1176389" cy="618893"/>
           </a:xfrm>
           <a:prstGeom prst="rect">
@@ -3785,8 +4254,8 @@
         </p:nvSpPr>
         <p:spPr>
           <a:xfrm>
-            <a:off x="60412" y="6978822"/>
-            <a:ext cx="9891904" cy="1016484"/>
+            <a:off x="60412" y="7711696"/>
+            <a:ext cx="11177859" cy="1016484"/>
           </a:xfrm>
           <a:prstGeom prst="rect">
             <a:avLst/>
@@ -3834,7 +4303,7 @@
         </p:nvSpPr>
         <p:spPr>
           <a:xfrm>
-            <a:off x="5382108" y="1327353"/>
+            <a:off x="5382108" y="2581332"/>
             <a:ext cx="697627" cy="369332"/>
           </a:xfrm>
           <a:prstGeom prst="rect">
@@ -3864,7 +4333,7 @@
         </p:nvSpPr>
         <p:spPr>
           <a:xfrm>
-            <a:off x="7234016" y="1332759"/>
+            <a:off x="7234016" y="2586738"/>
             <a:ext cx="697627" cy="369332"/>
           </a:xfrm>
           <a:prstGeom prst="rect">
@@ -3894,7 +4363,7 @@
         </p:nvSpPr>
         <p:spPr>
           <a:xfrm>
-            <a:off x="9052036" y="1339343"/>
+            <a:off x="9052036" y="2593322"/>
             <a:ext cx="697627" cy="369332"/>
           </a:xfrm>
           <a:prstGeom prst="rect">
@@ -3924,7 +4393,7 @@
         </p:nvSpPr>
         <p:spPr>
           <a:xfrm>
-            <a:off x="2090263" y="1342776"/>
+            <a:off x="2090263" y="2596755"/>
             <a:ext cx="697627" cy="369332"/>
           </a:xfrm>
           <a:prstGeom prst="rect">
@@ -3954,7 +4423,7 @@
         </p:nvSpPr>
         <p:spPr>
           <a:xfrm>
-            <a:off x="4237415" y="2972655"/>
+            <a:off x="4237415" y="4010325"/>
             <a:ext cx="697627" cy="369332"/>
           </a:xfrm>
           <a:prstGeom prst="rect">
@@ -3984,7 +4453,7 @@
         </p:nvSpPr>
         <p:spPr>
           <a:xfrm>
-            <a:off x="860186" y="3000038"/>
+            <a:off x="860186" y="4018044"/>
             <a:ext cx="697627" cy="369332"/>
           </a:xfrm>
           <a:prstGeom prst="rect">
@@ -4016,7 +4485,7 @@
         </p:nvCxnSpPr>
         <p:spPr>
           <a:xfrm>
-            <a:off x="4104008" y="4209386"/>
+            <a:off x="4104008" y="5227392"/>
             <a:ext cx="0" cy="604096"/>
           </a:xfrm>
           <a:prstGeom prst="straightConnector1">
@@ -4056,7 +4525,7 @@
         </p:nvCxnSpPr>
         <p:spPr>
           <a:xfrm>
-            <a:off x="1719380" y="4209386"/>
+            <a:off x="1719380" y="5227392"/>
             <a:ext cx="0" cy="681113"/>
           </a:xfrm>
           <a:prstGeom prst="straightConnector1">
@@ -4096,8 +4565,8 @@
         </p:nvCxnSpPr>
         <p:spPr>
           <a:xfrm>
-            <a:off x="6256961" y="2565121"/>
-            <a:ext cx="0" cy="2258635"/>
+            <a:off x="6256961" y="3819100"/>
+            <a:ext cx="0" cy="2012388"/>
           </a:xfrm>
           <a:prstGeom prst="straightConnector1">
             <a:avLst/>
@@ -4135,9 +4604,9 @@
           <p:nvPr/>
         </p:nvCxnSpPr>
         <p:spPr>
-          <a:xfrm flipH="1">
-            <a:off x="8104639" y="2554847"/>
-            <a:ext cx="1671" cy="2258635"/>
+          <a:xfrm>
+            <a:off x="8106310" y="3808826"/>
+            <a:ext cx="0" cy="2022662"/>
           </a:xfrm>
           <a:prstGeom prst="straightConnector1">
             <a:avLst/>
@@ -4175,9 +4644,9 @@
           <p:nvPr/>
         </p:nvCxnSpPr>
         <p:spPr>
-          <a:xfrm flipH="1">
-            <a:off x="9952316" y="2554847"/>
-            <a:ext cx="3343" cy="2335652"/>
+          <a:xfrm>
+            <a:off x="9955659" y="3808826"/>
+            <a:ext cx="0" cy="2099679"/>
           </a:xfrm>
           <a:prstGeom prst="straightConnector1">
             <a:avLst/>
@@ -4216,8 +4685,8 @@
         </p:nvCxnSpPr>
         <p:spPr>
           <a:xfrm>
-            <a:off x="2944440" y="2554847"/>
-            <a:ext cx="755679" cy="758462"/>
+            <a:off x="2944440" y="3808826"/>
+            <a:ext cx="502858" cy="545135"/>
           </a:xfrm>
           <a:prstGeom prst="straightConnector1">
             <a:avLst/>
@@ -4257,8 +4726,8 @@
         </p:nvCxnSpPr>
         <p:spPr>
           <a:xfrm flipH="1">
-            <a:off x="2160455" y="2554847"/>
-            <a:ext cx="783985" cy="740104"/>
+            <a:off x="2374606" y="3808826"/>
+            <a:ext cx="569834" cy="561558"/>
           </a:xfrm>
           <a:prstGeom prst="straightConnector1">
             <a:avLst/>
@@ -4339,8 +4808,8 @@
         </p:nvCxnSpPr>
         <p:spPr>
           <a:xfrm>
-            <a:off x="2944440" y="725850"/>
-            <a:ext cx="0" cy="914597"/>
+            <a:off x="2944440" y="714020"/>
+            <a:ext cx="0" cy="2180406"/>
           </a:xfrm>
           <a:prstGeom prst="straightConnector1">
             <a:avLst/>
@@ -4373,13 +4842,15 @@
       <p:cxnSp>
         <p:nvCxnSpPr>
           <p:cNvPr id="66" name="直線矢印コネクタ 65"/>
-          <p:cNvCxnSpPr/>
+          <p:cNvCxnSpPr>
+            <a:endCxn id="5" idx="0"/>
+          </p:cNvCxnSpPr>
           <p:nvPr/>
         </p:nvCxnSpPr>
         <p:spPr>
-          <a:xfrm flipH="1">
-            <a:off x="4076133" y="716171"/>
-            <a:ext cx="10314" cy="2589543"/>
+          <a:xfrm>
+            <a:off x="4086447" y="725999"/>
+            <a:ext cx="17561" cy="3586993"/>
           </a:xfrm>
           <a:prstGeom prst="straightConnector1">
             <a:avLst/>
@@ -4419,8 +4890,8 @@
         </p:nvCxnSpPr>
         <p:spPr>
           <a:xfrm>
-            <a:off x="6256961" y="722454"/>
-            <a:ext cx="0" cy="928267"/>
+            <a:off x="6256961" y="725999"/>
+            <a:ext cx="0" cy="2178701"/>
           </a:xfrm>
           <a:prstGeom prst="straightConnector1">
             <a:avLst/>
@@ -4460,8 +4931,8 @@
         </p:nvCxnSpPr>
         <p:spPr>
           <a:xfrm>
-            <a:off x="8102968" y="725850"/>
-            <a:ext cx="3342" cy="914597"/>
+            <a:off x="8106310" y="725999"/>
+            <a:ext cx="0" cy="2168427"/>
           </a:xfrm>
           <a:prstGeom prst="straightConnector1">
             <a:avLst/>
@@ -4494,13 +4965,15 @@
       <p:cxnSp>
         <p:nvCxnSpPr>
           <p:cNvPr id="88" name="直線矢印コネクタ 87"/>
-          <p:cNvCxnSpPr/>
+          <p:cNvCxnSpPr>
+            <a:endCxn id="7" idx="0"/>
+          </p:cNvCxnSpPr>
           <p:nvPr/>
         </p:nvCxnSpPr>
         <p:spPr>
           <a:xfrm>
-            <a:off x="9952316" y="725850"/>
-            <a:ext cx="1" cy="953942"/>
+            <a:off x="9955659" y="714020"/>
+            <a:ext cx="0" cy="2180406"/>
           </a:xfrm>
           <a:prstGeom prst="straightConnector1">
             <a:avLst/>
@@ -4538,7 +5011,7 @@
         </p:nvSpPr>
         <p:spPr>
           <a:xfrm>
-            <a:off x="475335" y="946175"/>
+            <a:off x="711312" y="2377132"/>
             <a:ext cx="1234633" cy="369332"/>
           </a:xfrm>
           <a:prstGeom prst="rect">
@@ -4555,8 +5028,9 @@
             <a:r>
               <a:rPr lang="en-US" altLang="ja-JP" dirty="0" err="1" smtClean="0">
                 <a:solidFill>
-                  <a:schemeClr val="bg1">
-                    <a:lumMod val="50000"/>
+                  <a:schemeClr val="tx1">
+                    <a:lumMod val="75000"/>
+                    <a:lumOff val="25000"/>
                   </a:schemeClr>
                 </a:solidFill>
               </a:rPr>
@@ -4565,8 +5039,9 @@
             <a:r>
               <a:rPr lang="en-US" altLang="ja-JP" dirty="0" smtClean="0">
                 <a:solidFill>
-                  <a:schemeClr val="bg1">
-                    <a:lumMod val="50000"/>
+                  <a:schemeClr val="tx1">
+                    <a:lumMod val="75000"/>
+                    <a:lumOff val="25000"/>
                   </a:schemeClr>
                 </a:solidFill>
               </a:rPr>
@@ -4575,8 +5050,9 @@
             <a:r>
               <a:rPr kumimoji="1" lang="en-US" altLang="ja-JP" dirty="0" smtClean="0">
                 <a:solidFill>
-                  <a:schemeClr val="bg1">
-                    <a:lumMod val="50000"/>
+                  <a:schemeClr val="tx1">
+                    <a:lumMod val="75000"/>
+                    <a:lumOff val="25000"/>
                   </a:schemeClr>
                 </a:solidFill>
               </a:rPr>
@@ -4584,8 +5060,9 @@
             </a:r>
             <a:endParaRPr kumimoji="1" lang="ja-JP" altLang="en-US" dirty="0">
               <a:solidFill>
-                <a:schemeClr val="bg1">
-                  <a:lumMod val="50000"/>
+                <a:schemeClr val="tx1">
+                  <a:lumMod val="75000"/>
+                  <a:lumOff val="25000"/>
                 </a:schemeClr>
               </a:solidFill>
             </a:endParaRPr>
@@ -4600,7 +5077,7 @@
         </p:nvSpPr>
         <p:spPr>
           <a:xfrm>
-            <a:off x="2616948" y="2855473"/>
+            <a:off x="2616948" y="4030796"/>
             <a:ext cx="638316" cy="646331"/>
           </a:xfrm>
           <a:prstGeom prst="rect">
@@ -4654,7 +5131,7 @@
         </p:nvSpPr>
         <p:spPr>
           <a:xfrm>
-            <a:off x="3352837" y="6131228"/>
+            <a:off x="3352837" y="6775613"/>
             <a:ext cx="1176389" cy="618893"/>
           </a:xfrm>
           <a:prstGeom prst="rect">
@@ -4704,7 +5181,7 @@
         </p:nvSpPr>
         <p:spPr>
           <a:xfrm>
-            <a:off x="128162" y="6283355"/>
+            <a:off x="14612" y="7195214"/>
             <a:ext cx="3066377" cy="369332"/>
           </a:xfrm>
           <a:prstGeom prst="rect">
@@ -4749,12 +5226,12 @@
         </p:nvCxnSpPr>
         <p:spPr>
           <a:xfrm rot="10800000" flipV="1">
-            <a:off x="631858" y="2097647"/>
-            <a:ext cx="1583114" cy="3323588"/>
+            <a:off x="631858" y="3351625"/>
+            <a:ext cx="1583114" cy="3018463"/>
           </a:xfrm>
           <a:prstGeom prst="bentConnector3">
             <a:avLst>
-              <a:gd name="adj1" fmla="val 114440"/>
+              <a:gd name="adj1" fmla="val 122514"/>
             </a:avLst>
           </a:prstGeom>
           <a:ln w="38100">
@@ -4789,7 +5266,7 @@
         </p:nvSpPr>
         <p:spPr>
           <a:xfrm>
-            <a:off x="10332455" y="4604981"/>
+            <a:off x="10332455" y="5141212"/>
             <a:ext cx="1458936" cy="914400"/>
           </a:xfrm>
           <a:prstGeom prst="roundRect">
@@ -4845,7 +5322,7 @@
         </p:nvSpPr>
         <p:spPr>
           <a:xfrm>
-            <a:off x="5317987" y="4801492"/>
+            <a:off x="5317987" y="5809670"/>
             <a:ext cx="825867" cy="369332"/>
           </a:xfrm>
           <a:prstGeom prst="rect">
@@ -4877,8 +5354,8 @@
         </p:nvCxnSpPr>
         <p:spPr>
           <a:xfrm>
-            <a:off x="11061923" y="720641"/>
-            <a:ext cx="0" cy="3884340"/>
+            <a:off x="11061923" y="714020"/>
+            <a:ext cx="0" cy="4427192"/>
           </a:xfrm>
           <a:prstGeom prst="straightConnector1">
             <a:avLst/>
@@ -4916,7 +5393,7 @@
         </p:nvSpPr>
         <p:spPr>
           <a:xfrm>
-            <a:off x="11148005" y="4256197"/>
+            <a:off x="11167670" y="4831756"/>
             <a:ext cx="825867" cy="369332"/>
           </a:xfrm>
           <a:prstGeom prst="rect">
@@ -4946,7 +5423,7 @@
         </p:nvSpPr>
         <p:spPr>
           <a:xfrm>
-            <a:off x="660136" y="1411806"/>
+            <a:off x="660136" y="2665785"/>
             <a:ext cx="1375698" cy="461665"/>
           </a:xfrm>
           <a:prstGeom prst="rect">
@@ -4962,10 +5439,11 @@
           <a:p>
             <a:pPr algn="ctr"/>
             <a:r>
-              <a:rPr lang="en-US" altLang="ja-JP" sz="1200" smtClean="0">
+              <a:rPr lang="en-US" altLang="ja-JP" sz="1200" dirty="0" smtClean="0">
                 <a:solidFill>
-                  <a:schemeClr val="bg1">
-                    <a:lumMod val="50000"/>
+                  <a:schemeClr val="tx1">
+                    <a:lumMod val="75000"/>
+                    <a:lumOff val="25000"/>
                   </a:schemeClr>
                 </a:solidFill>
               </a:rPr>
@@ -4977,8 +5455,9 @@
             <a:r>
               <a:rPr lang="en-US" altLang="ja-JP" sz="1200" dirty="0" smtClean="0">
                 <a:solidFill>
-                  <a:schemeClr val="bg1">
-                    <a:lumMod val="50000"/>
+                  <a:schemeClr val="tx1">
+                    <a:lumMod val="75000"/>
+                    <a:lumOff val="25000"/>
                   </a:schemeClr>
                 </a:solidFill>
               </a:rPr>
@@ -4986,8 +5465,9 @@
             </a:r>
             <a:endParaRPr kumimoji="1" lang="ja-JP" altLang="en-US" sz="1200" dirty="0">
               <a:solidFill>
-                <a:schemeClr val="bg1">
-                  <a:lumMod val="50000"/>
+                <a:schemeClr val="tx1">
+                  <a:lumMod val="75000"/>
+                  <a:lumOff val="25000"/>
                 </a:schemeClr>
               </a:solidFill>
             </a:endParaRPr>
@@ -5002,8 +5482,8 @@
         </p:nvSpPr>
         <p:spPr>
           <a:xfrm>
-            <a:off x="1448611" y="7208137"/>
-            <a:ext cx="1458936" cy="594722"/>
+            <a:off x="1379787" y="7950843"/>
+            <a:ext cx="1117436" cy="594722"/>
           </a:xfrm>
           <a:prstGeom prst="roundRect">
             <a:avLst/>
@@ -5043,8 +5523,8 @@
         </p:nvSpPr>
         <p:spPr>
           <a:xfrm>
-            <a:off x="3231776" y="7211744"/>
-            <a:ext cx="1208960" cy="591116"/>
+            <a:off x="2658863" y="7954450"/>
+            <a:ext cx="939885" cy="591116"/>
           </a:xfrm>
           <a:prstGeom prst="can">
             <a:avLst/>
@@ -5085,8 +5565,8 @@
         </p:nvSpPr>
         <p:spPr>
           <a:xfrm>
-            <a:off x="4764965" y="7208138"/>
-            <a:ext cx="1053413" cy="594722"/>
+            <a:off x="3828639" y="7950844"/>
+            <a:ext cx="811805" cy="594722"/>
           </a:xfrm>
           <a:prstGeom prst="rect">
             <a:avLst/>
@@ -5127,7 +5607,7 @@
         </p:nvCxnSpPr>
         <p:spPr>
           <a:xfrm>
-            <a:off x="6328108" y="7729157"/>
+            <a:off x="7922308" y="8469985"/>
             <a:ext cx="817620" cy="0"/>
           </a:xfrm>
           <a:prstGeom prst="straightConnector1">
@@ -5166,7 +5646,7 @@
         </p:nvSpPr>
         <p:spPr>
           <a:xfrm>
-            <a:off x="6409782" y="7236061"/>
+            <a:off x="8003982" y="7976889"/>
             <a:ext cx="671979" cy="461665"/>
           </a:xfrm>
           <a:prstGeom prst="rect">
@@ -5202,7 +5682,7 @@
         </p:nvCxnSpPr>
         <p:spPr>
           <a:xfrm>
-            <a:off x="8957274" y="7717070"/>
+            <a:off x="9953601" y="8469621"/>
             <a:ext cx="817620" cy="0"/>
           </a:xfrm>
           <a:prstGeom prst="straightConnector1">
@@ -5240,7 +5720,7 @@
         </p:nvSpPr>
         <p:spPr>
           <a:xfrm>
-            <a:off x="9015502" y="7349660"/>
+            <a:off x="10011829" y="8102211"/>
             <a:ext cx="569387" cy="276999"/>
           </a:xfrm>
           <a:prstGeom prst="rect">
@@ -5270,7 +5750,7 @@
         </p:nvCxnSpPr>
         <p:spPr>
           <a:xfrm>
-            <a:off x="7603775" y="7717170"/>
+            <a:off x="8951792" y="8469721"/>
             <a:ext cx="817620" cy="0"/>
           </a:xfrm>
           <a:prstGeom prst="straightConnector1">
@@ -5309,7 +5789,7 @@
         </p:nvSpPr>
         <p:spPr>
           <a:xfrm>
-            <a:off x="7685449" y="7235797"/>
+            <a:off x="9033466" y="7988348"/>
             <a:ext cx="692818" cy="461665"/>
           </a:xfrm>
           <a:prstGeom prst="rect">
@@ -5345,8 +5825,8 @@
         </p:nvSpPr>
         <p:spPr>
           <a:xfrm>
-            <a:off x="631858" y="1315508"/>
-            <a:ext cx="4614474" cy="3254780"/>
+            <a:off x="631858" y="2332869"/>
+            <a:ext cx="4614474" cy="3133440"/>
           </a:xfrm>
           <a:prstGeom prst="rect">
             <a:avLst/>
@@ -5392,7 +5872,7 @@
         </p:nvSpPr>
         <p:spPr>
           <a:xfrm>
-            <a:off x="103278" y="7025298"/>
+            <a:off x="38757" y="7711533"/>
             <a:ext cx="1037463" cy="369332"/>
           </a:xfrm>
           <a:prstGeom prst="rect">
@@ -5420,6 +5900,1047 @@
               <a:solidFill>
                 <a:schemeClr val="bg1">
                   <a:lumMod val="50000"/>
+                </a:schemeClr>
+              </a:solidFill>
+            </a:endParaRPr>
+          </a:p>
+        </p:txBody>
+      </p:sp>
+      <p:sp>
+        <p:nvSpPr>
+          <p:cNvPr id="52" name="角丸四角形 51"/>
+          <p:cNvSpPr/>
+          <p:nvPr/>
+        </p:nvSpPr>
+        <p:spPr>
+          <a:xfrm>
+            <a:off x="622009" y="1446284"/>
+            <a:ext cx="10825867" cy="478037"/>
+          </a:xfrm>
+          <a:prstGeom prst="roundRect">
+            <a:avLst/>
+          </a:prstGeom>
+          <a:solidFill>
+            <a:srgbClr val="182BA2"/>
+          </a:solidFill>
+        </p:spPr>
+        <p:style>
+          <a:lnRef idx="1">
+            <a:schemeClr val="accent1"/>
+          </a:lnRef>
+          <a:fillRef idx="1002">
+            <a:schemeClr val="dk2"/>
+          </a:fillRef>
+          <a:effectRef idx="1">
+            <a:schemeClr val="accent1"/>
+          </a:effectRef>
+          <a:fontRef idx="minor">
+            <a:schemeClr val="dk1"/>
+          </a:fontRef>
+        </p:style>
+        <p:txBody>
+          <a:bodyPr rtlCol="0" anchor="ctr"/>
+          <a:lstStyle/>
+          <a:p>
+            <a:pPr algn="ctr"/>
+            <a:r>
+              <a:rPr lang="en-US" altLang="ja-JP" b="1" smtClean="0">
+                <a:solidFill>
+                  <a:schemeClr val="bg1"/>
+                </a:solidFill>
+              </a:rPr>
+              <a:t>Apache</a:t>
+            </a:r>
+            <a:endParaRPr lang="en-US" altLang="ja-JP" b="1" dirty="0" smtClean="0">
+              <a:solidFill>
+                <a:schemeClr val="bg1"/>
+              </a:solidFill>
+            </a:endParaRPr>
+          </a:p>
+        </p:txBody>
+      </p:sp>
+      <p:pic>
+        <p:nvPicPr>
+          <p:cNvPr id="1026" name="Picture 2" descr="https://httpd.apache.org/docs/current/ja/images/feather.png"/>
+          <p:cNvPicPr>
+            <a:picLocks noChangeAspect="1" noChangeArrowheads="1"/>
+          </p:cNvPicPr>
+          <p:nvPr/>
+        </p:nvPicPr>
+        <p:blipFill>
+          <a:blip r:embed="rId3">
+            <a:extLst>
+              <a:ext uri="{28A0092B-C50C-407E-A947-70E740481C1C}">
+                <a14:useLocalDpi xmlns:a14="http://schemas.microsoft.com/office/drawing/2010/main" val="0"/>
+              </a:ext>
+            </a:extLst>
+          </a:blip>
+          <a:srcRect/>
+          <a:stretch>
+            <a:fillRect/>
+          </a:stretch>
+        </p:blipFill>
+        <p:spPr bwMode="auto">
+          <a:xfrm>
+            <a:off x="6496681" y="1514716"/>
+            <a:ext cx="1208719" cy="341171"/>
+          </a:xfrm>
+          <a:prstGeom prst="rect">
+            <a:avLst/>
+          </a:prstGeom>
+          <a:noFill/>
+          <a:extLst>
+            <a:ext uri="{909E8E84-426E-40DD-AFC4-6F175D3DCCD1}">
+              <a14:hiddenFill xmlns:a14="http://schemas.microsoft.com/office/drawing/2010/main">
+                <a:solidFill>
+                  <a:srgbClr val="FFFFFF"/>
+                </a:solidFill>
+              </a14:hiddenFill>
+            </a:ext>
+          </a:extLst>
+        </p:spPr>
+      </p:pic>
+      <p:pic>
+        <p:nvPicPr>
+          <p:cNvPr id="1030" name="Picture 6" descr="omcat Home">
+            <a:hlinkClick r:id="rId4"/>
+          </p:cNvPr>
+          <p:cNvPicPr>
+            <a:picLocks noChangeAspect="1" noChangeArrowheads="1"/>
+          </p:cNvPicPr>
+          <p:nvPr/>
+        </p:nvPicPr>
+        <p:blipFill>
+          <a:blip r:embed="rId5">
+            <a:extLst>
+              <a:ext uri="{28A0092B-C50C-407E-A947-70E740481C1C}">
+                <a14:useLocalDpi xmlns:a14="http://schemas.microsoft.com/office/drawing/2010/main" val="0"/>
+              </a:ext>
+            </a:extLst>
+          </a:blip>
+          <a:srcRect/>
+          <a:stretch>
+            <a:fillRect/>
+          </a:stretch>
+        </p:blipFill>
+        <p:spPr bwMode="auto">
+          <a:xfrm>
+            <a:off x="2088856" y="4946921"/>
+            <a:ext cx="475335" cy="338999"/>
+          </a:xfrm>
+          <a:prstGeom prst="rect">
+            <a:avLst/>
+          </a:prstGeom>
+          <a:noFill/>
+          <a:extLst>
+            <a:ext uri="{909E8E84-426E-40DD-AFC4-6F175D3DCCD1}">
+              <a14:hiddenFill xmlns:a14="http://schemas.microsoft.com/office/drawing/2010/main">
+                <a:solidFill>
+                  <a:srgbClr val="FFFFFF"/>
+                </a:solidFill>
+              </a14:hiddenFill>
+            </a:ext>
+          </a:extLst>
+        </p:spPr>
+      </p:pic>
+      <p:pic>
+        <p:nvPicPr>
+          <p:cNvPr id="62" name="Picture 6" descr="omcat Home">
+            <a:hlinkClick r:id="rId4"/>
+          </p:cNvPr>
+          <p:cNvPicPr>
+            <a:picLocks noChangeAspect="1" noChangeArrowheads="1"/>
+          </p:cNvPicPr>
+          <p:nvPr/>
+        </p:nvPicPr>
+        <p:blipFill>
+          <a:blip r:embed="rId5">
+            <a:extLst>
+              <a:ext uri="{28A0092B-C50C-407E-A947-70E740481C1C}">
+                <a14:useLocalDpi xmlns:a14="http://schemas.microsoft.com/office/drawing/2010/main" val="0"/>
+              </a:ext>
+            </a:extLst>
+          </a:blip>
+          <a:srcRect/>
+          <a:stretch>
+            <a:fillRect/>
+          </a:stretch>
+        </p:blipFill>
+        <p:spPr bwMode="auto">
+          <a:xfrm>
+            <a:off x="4456523" y="4949447"/>
+            <a:ext cx="475335" cy="338999"/>
+          </a:xfrm>
+          <a:prstGeom prst="rect">
+            <a:avLst/>
+          </a:prstGeom>
+          <a:noFill/>
+          <a:extLst>
+            <a:ext uri="{909E8E84-426E-40DD-AFC4-6F175D3DCCD1}">
+              <a14:hiddenFill xmlns:a14="http://schemas.microsoft.com/office/drawing/2010/main">
+                <a:solidFill>
+                  <a:srgbClr val="FFFFFF"/>
+                </a:solidFill>
+              </a14:hiddenFill>
+            </a:ext>
+          </a:extLst>
+        </p:spPr>
+      </p:pic>
+      <p:pic>
+        <p:nvPicPr>
+          <p:cNvPr id="64" name="Picture 6" descr="omcat Home">
+            <a:hlinkClick r:id="rId4"/>
+          </p:cNvPr>
+          <p:cNvPicPr>
+            <a:picLocks noChangeAspect="1" noChangeArrowheads="1"/>
+          </p:cNvPicPr>
+          <p:nvPr/>
+        </p:nvPicPr>
+        <p:blipFill>
+          <a:blip r:embed="rId5">
+            <a:extLst>
+              <a:ext uri="{28A0092B-C50C-407E-A947-70E740481C1C}">
+                <a14:useLocalDpi xmlns:a14="http://schemas.microsoft.com/office/drawing/2010/main" val="0"/>
+              </a:ext>
+            </a:extLst>
+          </a:blip>
+          <a:srcRect/>
+          <a:stretch>
+            <a:fillRect/>
+          </a:stretch>
+        </p:blipFill>
+        <p:spPr bwMode="auto">
+          <a:xfrm>
+            <a:off x="3296821" y="3542899"/>
+            <a:ext cx="475335" cy="338999"/>
+          </a:xfrm>
+          <a:prstGeom prst="rect">
+            <a:avLst/>
+          </a:prstGeom>
+          <a:noFill/>
+          <a:extLst>
+            <a:ext uri="{909E8E84-426E-40DD-AFC4-6F175D3DCCD1}">
+              <a14:hiddenFill xmlns:a14="http://schemas.microsoft.com/office/drawing/2010/main">
+                <a:solidFill>
+                  <a:srgbClr val="FFFFFF"/>
+                </a:solidFill>
+              </a14:hiddenFill>
+            </a:ext>
+          </a:extLst>
+        </p:spPr>
+      </p:pic>
+      <p:pic>
+        <p:nvPicPr>
+          <p:cNvPr id="65" name="Picture 6" descr="omcat Home">
+            <a:hlinkClick r:id="rId4"/>
+          </p:cNvPr>
+          <p:cNvPicPr>
+            <a:picLocks noChangeAspect="1" noChangeArrowheads="1"/>
+          </p:cNvPicPr>
+          <p:nvPr/>
+        </p:nvPicPr>
+        <p:blipFill>
+          <a:blip r:embed="rId5">
+            <a:extLst>
+              <a:ext uri="{28A0092B-C50C-407E-A947-70E740481C1C}">
+                <a14:useLocalDpi xmlns:a14="http://schemas.microsoft.com/office/drawing/2010/main" val="0"/>
+              </a:ext>
+            </a:extLst>
+          </a:blip>
+          <a:srcRect/>
+          <a:stretch>
+            <a:fillRect/>
+          </a:stretch>
+        </p:blipFill>
+        <p:spPr bwMode="auto">
+          <a:xfrm>
+            <a:off x="6631041" y="3548670"/>
+            <a:ext cx="475335" cy="338999"/>
+          </a:xfrm>
+          <a:prstGeom prst="rect">
+            <a:avLst/>
+          </a:prstGeom>
+          <a:noFill/>
+          <a:extLst>
+            <a:ext uri="{909E8E84-426E-40DD-AFC4-6F175D3DCCD1}">
+              <a14:hiddenFill xmlns:a14="http://schemas.microsoft.com/office/drawing/2010/main">
+                <a:solidFill>
+                  <a:srgbClr val="FFFFFF"/>
+                </a:solidFill>
+              </a14:hiddenFill>
+            </a:ext>
+          </a:extLst>
+        </p:spPr>
+      </p:pic>
+      <p:pic>
+        <p:nvPicPr>
+          <p:cNvPr id="67" name="Picture 6" descr="omcat Home">
+            <a:hlinkClick r:id="rId4"/>
+          </p:cNvPr>
+          <p:cNvPicPr>
+            <a:picLocks noChangeAspect="1" noChangeArrowheads="1"/>
+          </p:cNvPicPr>
+          <p:nvPr/>
+        </p:nvPicPr>
+        <p:blipFill>
+          <a:blip r:embed="rId5">
+            <a:extLst>
+              <a:ext uri="{28A0092B-C50C-407E-A947-70E740481C1C}">
+                <a14:useLocalDpi xmlns:a14="http://schemas.microsoft.com/office/drawing/2010/main" val="0"/>
+              </a:ext>
+            </a:extLst>
+          </a:blip>
+          <a:srcRect/>
+          <a:stretch>
+            <a:fillRect/>
+          </a:stretch>
+        </p:blipFill>
+        <p:spPr bwMode="auto">
+          <a:xfrm>
+            <a:off x="8471947" y="3539157"/>
+            <a:ext cx="475335" cy="338999"/>
+          </a:xfrm>
+          <a:prstGeom prst="rect">
+            <a:avLst/>
+          </a:prstGeom>
+          <a:noFill/>
+          <a:extLst>
+            <a:ext uri="{909E8E84-426E-40DD-AFC4-6F175D3DCCD1}">
+              <a14:hiddenFill xmlns:a14="http://schemas.microsoft.com/office/drawing/2010/main">
+                <a:solidFill>
+                  <a:srgbClr val="FFFFFF"/>
+                </a:solidFill>
+              </a14:hiddenFill>
+            </a:ext>
+          </a:extLst>
+        </p:spPr>
+      </p:pic>
+      <p:pic>
+        <p:nvPicPr>
+          <p:cNvPr id="68" name="Picture 6" descr="omcat Home">
+            <a:hlinkClick r:id="rId4"/>
+          </p:cNvPr>
+          <p:cNvPicPr>
+            <a:picLocks noChangeAspect="1" noChangeArrowheads="1"/>
+          </p:cNvPicPr>
+          <p:nvPr/>
+        </p:nvPicPr>
+        <p:blipFill>
+          <a:blip r:embed="rId5">
+            <a:extLst>
+              <a:ext uri="{28A0092B-C50C-407E-A947-70E740481C1C}">
+                <a14:useLocalDpi xmlns:a14="http://schemas.microsoft.com/office/drawing/2010/main" val="0"/>
+              </a:ext>
+            </a:extLst>
+          </a:blip>
+          <a:srcRect/>
+          <a:stretch>
+            <a:fillRect/>
+          </a:stretch>
+        </p:blipFill>
+        <p:spPr bwMode="auto">
+          <a:xfrm>
+            <a:off x="10311447" y="3550880"/>
+            <a:ext cx="475335" cy="338999"/>
+          </a:xfrm>
+          <a:prstGeom prst="rect">
+            <a:avLst/>
+          </a:prstGeom>
+          <a:noFill/>
+          <a:extLst>
+            <a:ext uri="{909E8E84-426E-40DD-AFC4-6F175D3DCCD1}">
+              <a14:hiddenFill xmlns:a14="http://schemas.microsoft.com/office/drawing/2010/main">
+                <a:solidFill>
+                  <a:srgbClr val="FFFFFF"/>
+                </a:solidFill>
+              </a14:hiddenFill>
+            </a:ext>
+          </a:extLst>
+        </p:spPr>
+      </p:pic>
+      <p:pic>
+        <p:nvPicPr>
+          <p:cNvPr id="70" name="Picture 6" descr="omcat Home">
+            <a:hlinkClick r:id="rId4"/>
+          </p:cNvPr>
+          <p:cNvPicPr>
+            <a:picLocks noChangeAspect="1" noChangeArrowheads="1"/>
+          </p:cNvPicPr>
+          <p:nvPr/>
+        </p:nvPicPr>
+        <p:blipFill>
+          <a:blip r:embed="rId5">
+            <a:extLst>
+              <a:ext uri="{28A0092B-C50C-407E-A947-70E740481C1C}">
+                <a14:useLocalDpi xmlns:a14="http://schemas.microsoft.com/office/drawing/2010/main" val="0"/>
+              </a:ext>
+            </a:extLst>
+          </a:blip>
+          <a:srcRect/>
+          <a:stretch>
+            <a:fillRect/>
+          </a:stretch>
+        </p:blipFill>
+        <p:spPr bwMode="auto">
+          <a:xfrm>
+            <a:off x="11447876" y="5787965"/>
+            <a:ext cx="475335" cy="338999"/>
+          </a:xfrm>
+          <a:prstGeom prst="rect">
+            <a:avLst/>
+          </a:prstGeom>
+          <a:noFill/>
+          <a:extLst>
+            <a:ext uri="{909E8E84-426E-40DD-AFC4-6F175D3DCCD1}">
+              <a14:hiddenFill xmlns:a14="http://schemas.microsoft.com/office/drawing/2010/main">
+                <a:solidFill>
+                  <a:srgbClr val="FFFFFF"/>
+                </a:solidFill>
+              </a14:hiddenFill>
+            </a:ext>
+          </a:extLst>
+        </p:spPr>
+      </p:pic>
+      <p:sp>
+        <p:nvSpPr>
+          <p:cNvPr id="71" name="テキスト ボックス 70"/>
+          <p:cNvSpPr txBox="1"/>
+          <p:nvPr/>
+        </p:nvSpPr>
+        <p:spPr>
+          <a:xfrm>
+            <a:off x="11150413" y="1145384"/>
+            <a:ext cx="441146" cy="369332"/>
+          </a:xfrm>
+          <a:prstGeom prst="rect">
+            <a:avLst/>
+          </a:prstGeom>
+          <a:noFill/>
+        </p:spPr>
+        <p:txBody>
+          <a:bodyPr wrap="none" rtlCol="0">
+            <a:spAutoFit/>
+          </a:bodyPr>
+          <a:lstStyle/>
+          <a:p>
+            <a:r>
+              <a:rPr kumimoji="1" lang="en-US" altLang="ja-JP" smtClean="0"/>
+              <a:t>80</a:t>
+            </a:r>
+            <a:endParaRPr kumimoji="1" lang="ja-JP" altLang="en-US" dirty="0"/>
+          </a:p>
+        </p:txBody>
+      </p:sp>
+      <p:pic>
+        <p:nvPicPr>
+          <p:cNvPr id="74" name="Picture 2" descr="https://httpd.apache.org/docs/current/ja/images/feather.png"/>
+          <p:cNvPicPr>
+            <a:picLocks noChangeAspect="1" noChangeArrowheads="1"/>
+          </p:cNvPicPr>
+          <p:nvPr/>
+        </p:nvPicPr>
+        <p:blipFill>
+          <a:blip r:embed="rId3">
+            <a:extLst>
+              <a:ext uri="{28A0092B-C50C-407E-A947-70E740481C1C}">
+                <a14:useLocalDpi xmlns:a14="http://schemas.microsoft.com/office/drawing/2010/main" val="0"/>
+              </a:ext>
+            </a:extLst>
+          </a:blip>
+          <a:srcRect/>
+          <a:stretch>
+            <a:fillRect/>
+          </a:stretch>
+        </p:blipFill>
+        <p:spPr bwMode="auto">
+          <a:xfrm>
+            <a:off x="4896390" y="8062580"/>
+            <a:ext cx="777823" cy="219547"/>
+          </a:xfrm>
+          <a:prstGeom prst="rect">
+            <a:avLst/>
+          </a:prstGeom>
+          <a:noFill/>
+          <a:extLst>
+            <a:ext uri="{909E8E84-426E-40DD-AFC4-6F175D3DCCD1}">
+              <a14:hiddenFill xmlns:a14="http://schemas.microsoft.com/office/drawing/2010/main">
+                <a:solidFill>
+                  <a:srgbClr val="FFFFFF"/>
+                </a:solidFill>
+              </a14:hiddenFill>
+            </a:ext>
+          </a:extLst>
+        </p:spPr>
+      </p:pic>
+      <p:pic>
+        <p:nvPicPr>
+          <p:cNvPr id="75" name="Picture 6" descr="omcat Home">
+            <a:hlinkClick r:id="rId4"/>
+          </p:cNvPr>
+          <p:cNvPicPr>
+            <a:picLocks noChangeAspect="1" noChangeArrowheads="1"/>
+          </p:cNvPicPr>
+          <p:nvPr/>
+        </p:nvPicPr>
+        <p:blipFill>
+          <a:blip r:embed="rId5">
+            <a:extLst>
+              <a:ext uri="{28A0092B-C50C-407E-A947-70E740481C1C}">
+                <a14:useLocalDpi xmlns:a14="http://schemas.microsoft.com/office/drawing/2010/main" val="0"/>
+              </a:ext>
+            </a:extLst>
+          </a:blip>
+          <a:srcRect/>
+          <a:stretch>
+            <a:fillRect/>
+          </a:stretch>
+        </p:blipFill>
+        <p:spPr bwMode="auto">
+          <a:xfrm>
+            <a:off x="6017435" y="7967287"/>
+            <a:ext cx="475335" cy="338999"/>
+          </a:xfrm>
+          <a:prstGeom prst="rect">
+            <a:avLst/>
+          </a:prstGeom>
+          <a:noFill/>
+          <a:extLst>
+            <a:ext uri="{909E8E84-426E-40DD-AFC4-6F175D3DCCD1}">
+              <a14:hiddenFill xmlns:a14="http://schemas.microsoft.com/office/drawing/2010/main">
+                <a:solidFill>
+                  <a:srgbClr val="FFFFFF"/>
+                </a:solidFill>
+              </a14:hiddenFill>
+            </a:ext>
+          </a:extLst>
+        </p:spPr>
+      </p:pic>
+      <p:sp>
+        <p:nvSpPr>
+          <p:cNvPr id="76" name="テキスト ボックス 75"/>
+          <p:cNvSpPr txBox="1"/>
+          <p:nvPr/>
+        </p:nvSpPr>
+        <p:spPr>
+          <a:xfrm>
+            <a:off x="4898736" y="8293850"/>
+            <a:ext cx="845103" cy="276999"/>
+          </a:xfrm>
+          <a:prstGeom prst="rect">
+            <a:avLst/>
+          </a:prstGeom>
+          <a:noFill/>
+        </p:spPr>
+        <p:txBody>
+          <a:bodyPr wrap="none" rtlCol="0">
+            <a:spAutoFit/>
+          </a:bodyPr>
+          <a:lstStyle/>
+          <a:p>
+            <a:r>
+              <a:rPr lang="en-US" altLang="ja-JP" sz="1200" dirty="0" smtClean="0"/>
+              <a:t>Apache 2</a:t>
+            </a:r>
+            <a:endParaRPr kumimoji="1" lang="ja-JP" altLang="en-US" sz="1200" dirty="0"/>
+          </a:p>
+        </p:txBody>
+      </p:sp>
+      <p:sp>
+        <p:nvSpPr>
+          <p:cNvPr id="77" name="テキスト ボックス 76"/>
+          <p:cNvSpPr txBox="1"/>
+          <p:nvPr/>
+        </p:nvSpPr>
+        <p:spPr>
+          <a:xfrm>
+            <a:off x="5869481" y="8308039"/>
+            <a:ext cx="849913" cy="276999"/>
+          </a:xfrm>
+          <a:prstGeom prst="rect">
+            <a:avLst/>
+          </a:prstGeom>
+          <a:noFill/>
+        </p:spPr>
+        <p:txBody>
+          <a:bodyPr wrap="none" rtlCol="0">
+            <a:spAutoFit/>
+          </a:bodyPr>
+          <a:lstStyle/>
+          <a:p>
+            <a:r>
+              <a:rPr lang="en-US" altLang="ja-JP" sz="1200" dirty="0" smtClean="0"/>
+              <a:t>Tomcat 8</a:t>
+            </a:r>
+            <a:endParaRPr kumimoji="1" lang="ja-JP" altLang="en-US" sz="1200" dirty="0"/>
+          </a:p>
+        </p:txBody>
+      </p:sp>
+      <p:pic>
+        <p:nvPicPr>
+          <p:cNvPr id="1033" name="Picture 9" descr="2 database logo"/>
+          <p:cNvPicPr>
+            <a:picLocks noChangeAspect="1" noChangeArrowheads="1"/>
+          </p:cNvPicPr>
+          <p:nvPr/>
+        </p:nvPicPr>
+        <p:blipFill>
+          <a:blip r:embed="rId6">
+            <a:extLst>
+              <a:ext uri="{28A0092B-C50C-407E-A947-70E740481C1C}">
+                <a14:useLocalDpi xmlns:a14="http://schemas.microsoft.com/office/drawing/2010/main" val="0"/>
+              </a:ext>
+            </a:extLst>
+          </a:blip>
+          <a:srcRect/>
+          <a:stretch>
+            <a:fillRect/>
+          </a:stretch>
+        </p:blipFill>
+        <p:spPr bwMode="auto">
+          <a:xfrm>
+            <a:off x="9980627" y="6423707"/>
+            <a:ext cx="661640" cy="360010"/>
+          </a:xfrm>
+          <a:prstGeom prst="rect">
+            <a:avLst/>
+          </a:prstGeom>
+          <a:noFill/>
+          <a:extLst>
+            <a:ext uri="{909E8E84-426E-40DD-AFC4-6F175D3DCCD1}">
+              <a14:hiddenFill xmlns:a14="http://schemas.microsoft.com/office/drawing/2010/main">
+                <a:solidFill>
+                  <a:srgbClr val="FFFFFF"/>
+                </a:solidFill>
+              </a14:hiddenFill>
+            </a:ext>
+          </a:extLst>
+        </p:spPr>
+      </p:pic>
+      <p:pic>
+        <p:nvPicPr>
+          <p:cNvPr id="78" name="Picture 9" descr="2 database logo"/>
+          <p:cNvPicPr>
+            <a:picLocks noChangeAspect="1" noChangeArrowheads="1"/>
+          </p:cNvPicPr>
+          <p:nvPr/>
+        </p:nvPicPr>
+        <p:blipFill>
+          <a:blip r:embed="rId6">
+            <a:extLst>
+              <a:ext uri="{28A0092B-C50C-407E-A947-70E740481C1C}">
+                <a14:useLocalDpi xmlns:a14="http://schemas.microsoft.com/office/drawing/2010/main" val="0"/>
+              </a:ext>
+            </a:extLst>
+          </a:blip>
+          <a:srcRect/>
+          <a:stretch>
+            <a:fillRect/>
+          </a:stretch>
+        </p:blipFill>
+        <p:spPr bwMode="auto">
+          <a:xfrm>
+            <a:off x="6963307" y="7955564"/>
+            <a:ext cx="627034" cy="341180"/>
+          </a:xfrm>
+          <a:prstGeom prst="rect">
+            <a:avLst/>
+          </a:prstGeom>
+          <a:noFill/>
+          <a:extLst>
+            <a:ext uri="{909E8E84-426E-40DD-AFC4-6F175D3DCCD1}">
+              <a14:hiddenFill xmlns:a14="http://schemas.microsoft.com/office/drawing/2010/main">
+                <a:solidFill>
+                  <a:srgbClr val="FFFFFF"/>
+                </a:solidFill>
+              </a14:hiddenFill>
+            </a:ext>
+          </a:extLst>
+        </p:spPr>
+      </p:pic>
+      <p:sp>
+        <p:nvSpPr>
+          <p:cNvPr id="79" name="テキスト ボックス 78"/>
+          <p:cNvSpPr txBox="1"/>
+          <p:nvPr/>
+        </p:nvSpPr>
+        <p:spPr>
+          <a:xfrm>
+            <a:off x="6963909" y="8319398"/>
+            <a:ext cx="638315" cy="276999"/>
+          </a:xfrm>
+          <a:prstGeom prst="rect">
+            <a:avLst/>
+          </a:prstGeom>
+          <a:noFill/>
+        </p:spPr>
+        <p:txBody>
+          <a:bodyPr wrap="none" rtlCol="0">
+            <a:spAutoFit/>
+          </a:bodyPr>
+          <a:lstStyle/>
+          <a:p>
+            <a:pPr algn="ctr"/>
+            <a:r>
+              <a:rPr lang="en-US" altLang="ja-JP" sz="1200" smtClean="0"/>
+              <a:t>H2 1.4</a:t>
+            </a:r>
+            <a:endParaRPr kumimoji="1" lang="ja-JP" altLang="en-US" sz="1200" dirty="0"/>
+          </a:p>
+        </p:txBody>
+      </p:sp>
+      <p:sp>
+        <p:nvSpPr>
+          <p:cNvPr id="80" name="テキスト ボックス 79"/>
+          <p:cNvSpPr txBox="1"/>
+          <p:nvPr/>
+        </p:nvSpPr>
+        <p:spPr>
+          <a:xfrm>
+            <a:off x="2127400" y="1106555"/>
+            <a:ext cx="840295" cy="369332"/>
+          </a:xfrm>
+          <a:prstGeom prst="rect">
+            <a:avLst/>
+          </a:prstGeom>
+          <a:noFill/>
+        </p:spPr>
+        <p:txBody>
+          <a:bodyPr wrap="none" rtlCol="0">
+            <a:spAutoFit/>
+          </a:bodyPr>
+          <a:lstStyle/>
+          <a:p>
+            <a:r>
+              <a:rPr lang="en-US" altLang="ja-JP" dirty="0" smtClean="0"/>
+              <a:t>/</a:t>
+            </a:r>
+            <a:r>
+              <a:rPr lang="en-US" altLang="ja-JP" dirty="0" err="1" smtClean="0"/>
+              <a:t>api</a:t>
+            </a:r>
+            <a:r>
+              <a:rPr lang="en-US" altLang="ja-JP" dirty="0" smtClean="0"/>
+              <a:t>-c</a:t>
+            </a:r>
+            <a:endParaRPr kumimoji="1" lang="ja-JP" altLang="en-US" dirty="0"/>
+          </a:p>
+        </p:txBody>
+      </p:sp>
+      <p:sp>
+        <p:nvSpPr>
+          <p:cNvPr id="81" name="テキスト ボックス 80"/>
+          <p:cNvSpPr txBox="1"/>
+          <p:nvPr/>
+        </p:nvSpPr>
+        <p:spPr>
+          <a:xfrm>
+            <a:off x="3289282" y="1097610"/>
+            <a:ext cx="849913" cy="369332"/>
+          </a:xfrm>
+          <a:prstGeom prst="rect">
+            <a:avLst/>
+          </a:prstGeom>
+          <a:noFill/>
+        </p:spPr>
+        <p:txBody>
+          <a:bodyPr wrap="none" rtlCol="0">
+            <a:spAutoFit/>
+          </a:bodyPr>
+          <a:lstStyle/>
+          <a:p>
+            <a:r>
+              <a:rPr lang="en-US" altLang="ja-JP" dirty="0" smtClean="0"/>
+              <a:t>/</a:t>
+            </a:r>
+            <a:r>
+              <a:rPr lang="en-US" altLang="ja-JP" dirty="0" err="1" smtClean="0"/>
+              <a:t>api</a:t>
+            </a:r>
+            <a:r>
+              <a:rPr lang="en-US" altLang="ja-JP" dirty="0" smtClean="0"/>
+              <a:t>-a</a:t>
+            </a:r>
+            <a:endParaRPr kumimoji="1" lang="ja-JP" altLang="en-US" dirty="0"/>
+          </a:p>
+        </p:txBody>
+      </p:sp>
+      <p:sp>
+        <p:nvSpPr>
+          <p:cNvPr id="82" name="テキスト ボックス 81"/>
+          <p:cNvSpPr txBox="1"/>
+          <p:nvPr/>
+        </p:nvSpPr>
+        <p:spPr>
+          <a:xfrm>
+            <a:off x="5472517" y="1113607"/>
+            <a:ext cx="798617" cy="369332"/>
+          </a:xfrm>
+          <a:prstGeom prst="rect">
+            <a:avLst/>
+          </a:prstGeom>
+          <a:noFill/>
+        </p:spPr>
+        <p:txBody>
+          <a:bodyPr wrap="none" rtlCol="0">
+            <a:spAutoFit/>
+          </a:bodyPr>
+          <a:lstStyle/>
+          <a:p>
+            <a:r>
+              <a:rPr lang="en-US" altLang="ja-JP" dirty="0" smtClean="0"/>
+              <a:t>/</a:t>
+            </a:r>
+            <a:r>
+              <a:rPr lang="en-US" altLang="ja-JP" dirty="0" err="1" smtClean="0"/>
+              <a:t>scr</a:t>
+            </a:r>
+            <a:r>
+              <a:rPr lang="en-US" altLang="ja-JP" dirty="0" smtClean="0"/>
+              <a:t>-t</a:t>
+            </a:r>
+            <a:endParaRPr kumimoji="1" lang="ja-JP" altLang="en-US" dirty="0"/>
+          </a:p>
+        </p:txBody>
+      </p:sp>
+      <p:sp>
+        <p:nvSpPr>
+          <p:cNvPr id="83" name="テキスト ボックス 82"/>
+          <p:cNvSpPr txBox="1"/>
+          <p:nvPr/>
+        </p:nvSpPr>
+        <p:spPr>
+          <a:xfrm>
+            <a:off x="7341185" y="1120843"/>
+            <a:ext cx="798617" cy="369332"/>
+          </a:xfrm>
+          <a:prstGeom prst="rect">
+            <a:avLst/>
+          </a:prstGeom>
+          <a:noFill/>
+        </p:spPr>
+        <p:txBody>
+          <a:bodyPr wrap="none" rtlCol="0">
+            <a:spAutoFit/>
+          </a:bodyPr>
+          <a:lstStyle/>
+          <a:p>
+            <a:r>
+              <a:rPr lang="en-US" altLang="ja-JP" dirty="0" smtClean="0"/>
+              <a:t>/</a:t>
+            </a:r>
+            <a:r>
+              <a:rPr lang="en-US" altLang="ja-JP" dirty="0" err="1" smtClean="0"/>
+              <a:t>scr</a:t>
+            </a:r>
+            <a:r>
+              <a:rPr lang="en-US" altLang="ja-JP" dirty="0" smtClean="0"/>
+              <a:t>-f</a:t>
+            </a:r>
+            <a:endParaRPr kumimoji="1" lang="ja-JP" altLang="en-US" dirty="0"/>
+          </a:p>
+        </p:txBody>
+      </p:sp>
+      <p:sp>
+        <p:nvSpPr>
+          <p:cNvPr id="84" name="テキスト ボックス 83"/>
+          <p:cNvSpPr txBox="1"/>
+          <p:nvPr/>
+        </p:nvSpPr>
+        <p:spPr>
+          <a:xfrm>
+            <a:off x="9187782" y="1108116"/>
+            <a:ext cx="798617" cy="369332"/>
+          </a:xfrm>
+          <a:prstGeom prst="rect">
+            <a:avLst/>
+          </a:prstGeom>
+          <a:noFill/>
+        </p:spPr>
+        <p:txBody>
+          <a:bodyPr wrap="none" rtlCol="0">
+            <a:spAutoFit/>
+          </a:bodyPr>
+          <a:lstStyle/>
+          <a:p>
+            <a:r>
+              <a:rPr lang="en-US" altLang="ja-JP" dirty="0" smtClean="0"/>
+              <a:t>/</a:t>
+            </a:r>
+            <a:r>
+              <a:rPr lang="en-US" altLang="ja-JP" dirty="0" err="1" smtClean="0"/>
+              <a:t>scr</a:t>
+            </a:r>
+            <a:r>
+              <a:rPr lang="en-US" altLang="ja-JP" dirty="0" smtClean="0"/>
+              <a:t>-j</a:t>
+            </a:r>
+            <a:endParaRPr kumimoji="1" lang="ja-JP" altLang="en-US" dirty="0"/>
+          </a:p>
+        </p:txBody>
+      </p:sp>
+      <p:sp>
+        <p:nvSpPr>
+          <p:cNvPr id="85" name="テキスト ボックス 84"/>
+          <p:cNvSpPr txBox="1"/>
+          <p:nvPr/>
+        </p:nvSpPr>
+        <p:spPr>
+          <a:xfrm>
+            <a:off x="10549114" y="1127106"/>
+            <a:ext cx="564578" cy="369332"/>
+          </a:xfrm>
+          <a:prstGeom prst="rect">
+            <a:avLst/>
+          </a:prstGeom>
+          <a:noFill/>
+        </p:spPr>
+        <p:txBody>
+          <a:bodyPr wrap="none" rtlCol="0">
+            <a:spAutoFit/>
+          </a:bodyPr>
+          <a:lstStyle/>
+          <a:p>
+            <a:r>
+              <a:rPr lang="en-US" altLang="ja-JP" dirty="0" smtClean="0"/>
+              <a:t>/</a:t>
+            </a:r>
+            <a:r>
+              <a:rPr lang="en-US" altLang="ja-JP" dirty="0" err="1" smtClean="0"/>
+              <a:t>db</a:t>
+            </a:r>
+            <a:endParaRPr kumimoji="1" lang="ja-JP" altLang="en-US" dirty="0"/>
+          </a:p>
+        </p:txBody>
+      </p:sp>
+      <p:cxnSp>
+        <p:nvCxnSpPr>
+          <p:cNvPr id="87" name="直線矢印コネクタ 130"/>
+          <p:cNvCxnSpPr>
+            <a:stCxn id="36" idx="2"/>
+            <a:endCxn id="11" idx="4"/>
+          </p:cNvCxnSpPr>
+          <p:nvPr/>
+        </p:nvCxnSpPr>
+        <p:spPr>
+          <a:xfrm rot="5400000">
+            <a:off x="10716287" y="6024452"/>
+            <a:ext cx="314477" cy="376796"/>
+          </a:xfrm>
+          <a:prstGeom prst="bentConnector2">
+            <a:avLst/>
+          </a:prstGeom>
+          <a:ln w="38100">
+            <a:solidFill>
+              <a:schemeClr val="bg1">
+                <a:lumMod val="65000"/>
+              </a:schemeClr>
+            </a:solidFill>
+            <a:tailEnd type="triangle"/>
+          </a:ln>
+        </p:spPr>
+        <p:style>
+          <a:lnRef idx="1">
+            <a:schemeClr val="accent1"/>
+          </a:lnRef>
+          <a:fillRef idx="0">
+            <a:schemeClr val="accent1"/>
+          </a:fillRef>
+          <a:effectRef idx="0">
+            <a:schemeClr val="accent1"/>
+          </a:effectRef>
+          <a:fontRef idx="minor">
+            <a:schemeClr val="tx1"/>
+          </a:fontRef>
+        </p:style>
+      </p:cxnSp>
+      <p:sp>
+        <p:nvSpPr>
+          <p:cNvPr id="93" name="正方形/長方形 92"/>
+          <p:cNvSpPr/>
+          <p:nvPr/>
+        </p:nvSpPr>
+        <p:spPr>
+          <a:xfrm>
+            <a:off x="440157" y="1012710"/>
+            <a:ext cx="11270062" cy="1055385"/>
+          </a:xfrm>
+          <a:prstGeom prst="rect">
+            <a:avLst/>
+          </a:prstGeom>
+          <a:noFill/>
+          <a:ln>
+            <a:solidFill>
+              <a:schemeClr val="bg1">
+                <a:lumMod val="65000"/>
+              </a:schemeClr>
+            </a:solidFill>
+            <a:prstDash val="dash"/>
+          </a:ln>
+        </p:spPr>
+        <p:style>
+          <a:lnRef idx="2">
+            <a:schemeClr val="accent1">
+              <a:shade val="50000"/>
+            </a:schemeClr>
+          </a:lnRef>
+          <a:fillRef idx="1">
+            <a:schemeClr val="accent1"/>
+          </a:fillRef>
+          <a:effectRef idx="0">
+            <a:schemeClr val="accent1"/>
+          </a:effectRef>
+          <a:fontRef idx="minor">
+            <a:schemeClr val="lt1"/>
+          </a:fontRef>
+        </p:style>
+        <p:txBody>
+          <a:bodyPr rtlCol="0" anchor="ctr"/>
+          <a:lstStyle/>
+          <a:p>
+            <a:pPr algn="ctr"/>
+            <a:endParaRPr kumimoji="1" lang="ja-JP" altLang="en-US"/>
+          </a:p>
+        </p:txBody>
+      </p:sp>
+      <p:sp>
+        <p:nvSpPr>
+          <p:cNvPr id="114" name="テキスト ボックス 113"/>
+          <p:cNvSpPr txBox="1"/>
+          <p:nvPr/>
+        </p:nvSpPr>
+        <p:spPr>
+          <a:xfrm>
+            <a:off x="449561" y="1047804"/>
+            <a:ext cx="1083951" cy="369332"/>
+          </a:xfrm>
+          <a:prstGeom prst="rect">
+            <a:avLst/>
+          </a:prstGeom>
+          <a:noFill/>
+        </p:spPr>
+        <p:txBody>
+          <a:bodyPr wrap="none" rtlCol="0">
+            <a:spAutoFit/>
+          </a:bodyPr>
+          <a:lstStyle/>
+          <a:p>
+            <a:pPr algn="ctr"/>
+            <a:r>
+              <a:rPr lang="en-US" altLang="ja-JP" smtClean="0">
+                <a:solidFill>
+                  <a:schemeClr val="tx1">
+                    <a:lumMod val="50000"/>
+                    <a:lumOff val="50000"/>
+                  </a:schemeClr>
+                </a:solidFill>
+              </a:rPr>
+              <a:t>Optional</a:t>
+            </a:r>
+            <a:endParaRPr kumimoji="1" lang="ja-JP" altLang="en-US" dirty="0">
+              <a:solidFill>
+                <a:schemeClr val="tx1">
+                  <a:lumMod val="50000"/>
+                  <a:lumOff val="50000"/>
                 </a:schemeClr>
               </a:solidFill>
             </a:endParaRPr>
@@ -5705,4 +7226,265 @@
     </a:ext>
   </a:extLst>
 </a:theme>
+</file>
+
+<file path=ppt/theme/theme2.xml><?xml version="1.0" encoding="utf-8"?>
+<a:theme xmlns:a="http://schemas.openxmlformats.org/drawingml/2006/main" name="ホワイト">
+  <a:themeElements>
+    <a:clrScheme name="Office">
+      <a:dk1>
+        <a:sysClr val="windowText" lastClr="000000"/>
+      </a:dk1>
+      <a:lt1>
+        <a:sysClr val="window" lastClr="FFFFFF"/>
+      </a:lt1>
+      <a:dk2>
+        <a:srgbClr val="44546A"/>
+      </a:dk2>
+      <a:lt2>
+        <a:srgbClr val="E7E6E6"/>
+      </a:lt2>
+      <a:accent1>
+        <a:srgbClr val="5B9BD5"/>
+      </a:accent1>
+      <a:accent2>
+        <a:srgbClr val="ED7D31"/>
+      </a:accent2>
+      <a:accent3>
+        <a:srgbClr val="A5A5A5"/>
+      </a:accent3>
+      <a:accent4>
+        <a:srgbClr val="FFC000"/>
+      </a:accent4>
+      <a:accent5>
+        <a:srgbClr val="4472C4"/>
+      </a:accent5>
+      <a:accent6>
+        <a:srgbClr val="70AD47"/>
+      </a:accent6>
+      <a:hlink>
+        <a:srgbClr val="0563C1"/>
+      </a:hlink>
+      <a:folHlink>
+        <a:srgbClr val="954F72"/>
+      </a:folHlink>
+    </a:clrScheme>
+    <a:fontScheme name="Office">
+      <a:majorFont>
+        <a:latin typeface="Yu Gothic Light" panose="020F0302020204030204"/>
+        <a:ea typeface=""/>
+        <a:cs typeface=""/>
+        <a:font script="Jpan" typeface="Yu Gothic Light"/>
+        <a:font script="Hang" typeface="맑은 고딕"/>
+        <a:font script="Hans" typeface="DengXian Light"/>
+        <a:font script="Hant" typeface="新細明體"/>
+        <a:font script="Arab" typeface="Times New Roman"/>
+        <a:font script="Hebr" typeface="Times New Roman"/>
+        <a:font script="Thai" typeface="Angsana New"/>
+        <a:font script="Ethi" typeface="Nyala"/>
+        <a:font script="Beng" typeface="Vrinda"/>
+        <a:font script="Gujr" typeface="Shruti"/>
+        <a:font script="Khmr" typeface="MoolBoran"/>
+        <a:font script="Knda" typeface="Tunga"/>
+        <a:font script="Guru" typeface="Raavi"/>
+        <a:font script="Cans" typeface="Euphemia"/>
+        <a:font script="Cher" typeface="Plantagenet Cherokee"/>
+        <a:font script="Yiii" typeface="Microsoft Yi Baiti"/>
+        <a:font script="Tibt" typeface="Microsoft Himalaya"/>
+        <a:font script="Thaa" typeface="MV Boli"/>
+        <a:font script="Deva" typeface="Mangal"/>
+        <a:font script="Telu" typeface="Gautami"/>
+        <a:font script="Taml" typeface="Latha"/>
+        <a:font script="Syrc" typeface="Estrangelo Edessa"/>
+        <a:font script="Orya" typeface="Kalinga"/>
+        <a:font script="Mlym" typeface="Kartika"/>
+        <a:font script="Laoo" typeface="DokChampa"/>
+        <a:font script="Sinh" typeface="Iskoola Pota"/>
+        <a:font script="Mong" typeface="Mongolian Baiti"/>
+        <a:font script="Viet" typeface="Times New Roman"/>
+        <a:font script="Uigh" typeface="Microsoft Uighur"/>
+        <a:font script="Geor" typeface="Sylfaen"/>
+      </a:majorFont>
+      <a:minorFont>
+        <a:latin typeface="Yu Gothic" panose="020F0502020204030204"/>
+        <a:ea typeface=""/>
+        <a:cs typeface=""/>
+        <a:font script="Jpan" typeface="Yu Gothic"/>
+        <a:font script="Hang" typeface="맑은 고딕"/>
+        <a:font script="Hans" typeface="DengXian"/>
+        <a:font script="Hant" typeface="新細明體"/>
+        <a:font script="Arab" typeface="Arial"/>
+        <a:font script="Hebr" typeface="Arial"/>
+        <a:font script="Thai" typeface="Cordia New"/>
+        <a:font script="Ethi" typeface="Nyala"/>
+        <a:font script="Beng" typeface="Vrinda"/>
+        <a:font script="Gujr" typeface="Shruti"/>
+        <a:font script="Khmr" typeface="DaunPenh"/>
+        <a:font script="Knda" typeface="Tunga"/>
+        <a:font script="Guru" typeface="Raavi"/>
+        <a:font script="Cans" typeface="Euphemia"/>
+        <a:font script="Cher" typeface="Plantagenet Cherokee"/>
+        <a:font script="Yiii" typeface="Microsoft Yi Baiti"/>
+        <a:font script="Tibt" typeface="Microsoft Himalaya"/>
+        <a:font script="Thaa" typeface="MV Boli"/>
+        <a:font script="Deva" typeface="Mangal"/>
+        <a:font script="Telu" typeface="Gautami"/>
+        <a:font script="Taml" typeface="Latha"/>
+        <a:font script="Syrc" typeface="Estrangelo Edessa"/>
+        <a:font script="Orya" typeface="Kalinga"/>
+        <a:font script="Mlym" typeface="Kartika"/>
+        <a:font script="Laoo" typeface="DokChampa"/>
+        <a:font script="Sinh" typeface="Iskoola Pota"/>
+        <a:font script="Mong" typeface="Mongolian Baiti"/>
+        <a:font script="Viet" typeface="Arial"/>
+        <a:font script="Uigh" typeface="Microsoft Uighur"/>
+        <a:font script="Geor" typeface="Sylfaen"/>
+      </a:minorFont>
+    </a:fontScheme>
+    <a:fmtScheme name="Office">
+      <a:fillStyleLst>
+        <a:solidFill>
+          <a:schemeClr val="phClr"/>
+        </a:solidFill>
+        <a:gradFill rotWithShape="1">
+          <a:gsLst>
+            <a:gs pos="0">
+              <a:schemeClr val="phClr">
+                <a:lumMod val="110000"/>
+                <a:satMod val="105000"/>
+                <a:tint val="67000"/>
+              </a:schemeClr>
+            </a:gs>
+            <a:gs pos="50000">
+              <a:schemeClr val="phClr">
+                <a:lumMod val="105000"/>
+                <a:satMod val="103000"/>
+                <a:tint val="73000"/>
+              </a:schemeClr>
+            </a:gs>
+            <a:gs pos="100000">
+              <a:schemeClr val="phClr">
+                <a:lumMod val="105000"/>
+                <a:satMod val="109000"/>
+                <a:tint val="81000"/>
+              </a:schemeClr>
+            </a:gs>
+          </a:gsLst>
+          <a:lin ang="5400000" scaled="0"/>
+        </a:gradFill>
+        <a:gradFill rotWithShape="1">
+          <a:gsLst>
+            <a:gs pos="0">
+              <a:schemeClr val="phClr">
+                <a:satMod val="103000"/>
+                <a:lumMod val="102000"/>
+                <a:tint val="94000"/>
+              </a:schemeClr>
+            </a:gs>
+            <a:gs pos="50000">
+              <a:schemeClr val="phClr">
+                <a:satMod val="110000"/>
+                <a:lumMod val="100000"/>
+                <a:shade val="100000"/>
+              </a:schemeClr>
+            </a:gs>
+            <a:gs pos="100000">
+              <a:schemeClr val="phClr">
+                <a:lumMod val="99000"/>
+                <a:satMod val="120000"/>
+                <a:shade val="78000"/>
+              </a:schemeClr>
+            </a:gs>
+          </a:gsLst>
+          <a:lin ang="5400000" scaled="0"/>
+        </a:gradFill>
+      </a:fillStyleLst>
+      <a:lnStyleLst>
+        <a:ln w="6350" cap="flat" cmpd="sng" algn="ctr">
+          <a:solidFill>
+            <a:schemeClr val="phClr"/>
+          </a:solidFill>
+          <a:prstDash val="solid"/>
+          <a:miter lim="800000"/>
+        </a:ln>
+        <a:ln w="12700" cap="flat" cmpd="sng" algn="ctr">
+          <a:solidFill>
+            <a:schemeClr val="phClr"/>
+          </a:solidFill>
+          <a:prstDash val="solid"/>
+          <a:miter lim="800000"/>
+        </a:ln>
+        <a:ln w="19050" cap="flat" cmpd="sng" algn="ctr">
+          <a:solidFill>
+            <a:schemeClr val="phClr"/>
+          </a:solidFill>
+          <a:prstDash val="solid"/>
+          <a:miter lim="800000"/>
+        </a:ln>
+      </a:lnStyleLst>
+      <a:effectStyleLst>
+        <a:effectStyle>
+          <a:effectLst/>
+        </a:effectStyle>
+        <a:effectStyle>
+          <a:effectLst/>
+        </a:effectStyle>
+        <a:effectStyle>
+          <a:effectLst>
+            <a:outerShdw blurRad="57150" dist="19050" dir="5400000" algn="ctr" rotWithShape="0">
+              <a:srgbClr val="000000">
+                <a:alpha val="63000"/>
+              </a:srgbClr>
+            </a:outerShdw>
+          </a:effectLst>
+        </a:effectStyle>
+      </a:effectStyleLst>
+      <a:bgFillStyleLst>
+        <a:solidFill>
+          <a:schemeClr val="phClr"/>
+        </a:solidFill>
+        <a:solidFill>
+          <a:schemeClr val="phClr">
+            <a:tint val="95000"/>
+            <a:satMod val="170000"/>
+          </a:schemeClr>
+        </a:solidFill>
+        <a:gradFill rotWithShape="1">
+          <a:gsLst>
+            <a:gs pos="0">
+              <a:schemeClr val="phClr">
+                <a:tint val="93000"/>
+                <a:satMod val="150000"/>
+                <a:shade val="98000"/>
+                <a:lumMod val="102000"/>
+              </a:schemeClr>
+            </a:gs>
+            <a:gs pos="50000">
+              <a:schemeClr val="phClr">
+                <a:tint val="98000"/>
+                <a:satMod val="130000"/>
+                <a:shade val="90000"/>
+                <a:lumMod val="103000"/>
+              </a:schemeClr>
+            </a:gs>
+            <a:gs pos="100000">
+              <a:schemeClr val="phClr">
+                <a:shade val="63000"/>
+                <a:satMod val="120000"/>
+              </a:schemeClr>
+            </a:gs>
+          </a:gsLst>
+          <a:lin ang="5400000" scaled="0"/>
+        </a:gradFill>
+      </a:bgFillStyleLst>
+    </a:fmtScheme>
+  </a:themeElements>
+  <a:objectDefaults/>
+  <a:extraClrSchemeLst/>
+  <a:extLst>
+    <a:ext uri="{05A4C25C-085E-4340-85A3-A5531E510DB2}">
+      <thm15:themeFamily xmlns:thm15="http://schemas.microsoft.com/office/thememl/2012/main" name="Office Theme" id="{62F939B6-93AF-4DB8-9C6B-D6C7DFDC589F}" vid="{4A3C46E8-61CC-4603-A589-7422A47A8E4A}"/>
+    </a:ext>
+  </a:extLst>
+</a:theme>
 </file>
--- a/images.pptx
+++ b/images.pptx
@@ -197,7 +197,7 @@
           <a:p>
             <a:fld id="{BC451F63-61CF-B94D-955A-F098561CC757}" type="datetimeFigureOut">
               <a:rPr kumimoji="1" lang="ja-JP" altLang="en-US" smtClean="0"/>
-              <a:t>2016/2/27</a:t>
+              <a:t>2016/2/28</a:t>
             </a:fld>
             <a:endParaRPr kumimoji="1" lang="ja-JP" altLang="en-US"/>
           </a:p>
@@ -712,7 +712,7 @@
           <a:p>
             <a:fld id="{D2D8EA25-67A6-EA48-A0F9-B2976239D8A5}" type="datetimeFigureOut">
               <a:rPr kumimoji="1" lang="ja-JP" altLang="en-US" smtClean="0"/>
-              <a:t>2016/2/27</a:t>
+              <a:t>2016/2/28</a:t>
             </a:fld>
             <a:endParaRPr kumimoji="1" lang="ja-JP" altLang="en-US"/>
           </a:p>
@@ -914,7 +914,7 @@
           <a:p>
             <a:fld id="{D2D8EA25-67A6-EA48-A0F9-B2976239D8A5}" type="datetimeFigureOut">
               <a:rPr kumimoji="1" lang="ja-JP" altLang="en-US" smtClean="0"/>
-              <a:t>2016/2/27</a:t>
+              <a:t>2016/2/28</a:t>
             </a:fld>
             <a:endParaRPr kumimoji="1" lang="ja-JP" altLang="en-US"/>
           </a:p>
@@ -1126,7 +1126,7 @@
           <a:p>
             <a:fld id="{D2D8EA25-67A6-EA48-A0F9-B2976239D8A5}" type="datetimeFigureOut">
               <a:rPr kumimoji="1" lang="ja-JP" altLang="en-US" smtClean="0"/>
-              <a:t>2016/2/27</a:t>
+              <a:t>2016/2/28</a:t>
             </a:fld>
             <a:endParaRPr kumimoji="1" lang="ja-JP" altLang="en-US"/>
           </a:p>
@@ -1328,7 +1328,7 @@
           <a:p>
             <a:fld id="{D2D8EA25-67A6-EA48-A0F9-B2976239D8A5}" type="datetimeFigureOut">
               <a:rPr kumimoji="1" lang="ja-JP" altLang="en-US" smtClean="0"/>
-              <a:t>2016/2/27</a:t>
+              <a:t>2016/2/28</a:t>
             </a:fld>
             <a:endParaRPr kumimoji="1" lang="ja-JP" altLang="en-US"/>
           </a:p>
@@ -1574,7 +1574,7 @@
           <a:p>
             <a:fld id="{D2D8EA25-67A6-EA48-A0F9-B2976239D8A5}" type="datetimeFigureOut">
               <a:rPr kumimoji="1" lang="ja-JP" altLang="en-US" smtClean="0"/>
-              <a:t>2016/2/27</a:t>
+              <a:t>2016/2/28</a:t>
             </a:fld>
             <a:endParaRPr kumimoji="1" lang="ja-JP" altLang="en-US"/>
           </a:p>
@@ -1870,7 +1870,7 @@
           <a:p>
             <a:fld id="{D2D8EA25-67A6-EA48-A0F9-B2976239D8A5}" type="datetimeFigureOut">
               <a:rPr kumimoji="1" lang="ja-JP" altLang="en-US" smtClean="0"/>
-              <a:t>2016/2/27</a:t>
+              <a:t>2016/2/28</a:t>
             </a:fld>
             <a:endParaRPr kumimoji="1" lang="ja-JP" altLang="en-US"/>
           </a:p>
@@ -2301,7 +2301,7 @@
           <a:p>
             <a:fld id="{D2D8EA25-67A6-EA48-A0F9-B2976239D8A5}" type="datetimeFigureOut">
               <a:rPr kumimoji="1" lang="ja-JP" altLang="en-US" smtClean="0"/>
-              <a:t>2016/2/27</a:t>
+              <a:t>2016/2/28</a:t>
             </a:fld>
             <a:endParaRPr kumimoji="1" lang="ja-JP" altLang="en-US"/>
           </a:p>
@@ -2419,7 +2419,7 @@
           <a:p>
             <a:fld id="{D2D8EA25-67A6-EA48-A0F9-B2976239D8A5}" type="datetimeFigureOut">
               <a:rPr kumimoji="1" lang="ja-JP" altLang="en-US" smtClean="0"/>
-              <a:t>2016/2/27</a:t>
+              <a:t>2016/2/28</a:t>
             </a:fld>
             <a:endParaRPr kumimoji="1" lang="ja-JP" altLang="en-US"/>
           </a:p>
@@ -2514,7 +2514,7 @@
           <a:p>
             <a:fld id="{D2D8EA25-67A6-EA48-A0F9-B2976239D8A5}" type="datetimeFigureOut">
               <a:rPr kumimoji="1" lang="ja-JP" altLang="en-US" smtClean="0"/>
-              <a:t>2016/2/27</a:t>
+              <a:t>2016/2/28</a:t>
             </a:fld>
             <a:endParaRPr kumimoji="1" lang="ja-JP" altLang="en-US"/>
           </a:p>
@@ -2823,7 +2823,7 @@
           <a:p>
             <a:fld id="{D2D8EA25-67A6-EA48-A0F9-B2976239D8A5}" type="datetimeFigureOut">
               <a:rPr kumimoji="1" lang="ja-JP" altLang="en-US" smtClean="0"/>
-              <a:t>2016/2/27</a:t>
+              <a:t>2016/2/28</a:t>
             </a:fld>
             <a:endParaRPr kumimoji="1" lang="ja-JP" altLang="en-US"/>
           </a:p>
@@ -3076,7 +3076,7 @@
           <a:p>
             <a:fld id="{D2D8EA25-67A6-EA48-A0F9-B2976239D8A5}" type="datetimeFigureOut">
               <a:rPr kumimoji="1" lang="ja-JP" altLang="en-US" smtClean="0"/>
-              <a:t>2016/2/27</a:t>
+              <a:t>2016/2/28</a:t>
             </a:fld>
             <a:endParaRPr kumimoji="1" lang="ja-JP" altLang="en-US"/>
           </a:p>
@@ -3321,7 +3321,7 @@
           <a:p>
             <a:fld id="{D2D8EA25-67A6-EA48-A0F9-B2976239D8A5}" type="datetimeFigureOut">
               <a:rPr kumimoji="1" lang="ja-JP" altLang="en-US" smtClean="0"/>
-              <a:t>2016/2/27</a:t>
+              <a:t>2016/2/28</a:t>
             </a:fld>
             <a:endParaRPr kumimoji="1" lang="ja-JP" altLang="en-US"/>
           </a:p>
@@ -3734,7 +3734,7 @@
         </p:nvSpPr>
         <p:spPr>
           <a:xfrm>
-            <a:off x="989912" y="4312992"/>
+            <a:off x="950587" y="4155680"/>
             <a:ext cx="1458936" cy="914400"/>
           </a:xfrm>
           <a:prstGeom prst="roundRect">
@@ -3799,7 +3799,7 @@
         </p:nvSpPr>
         <p:spPr>
           <a:xfrm>
-            <a:off x="3374540" y="4312992"/>
+            <a:off x="3335215" y="4155680"/>
             <a:ext cx="1458936" cy="914400"/>
           </a:xfrm>
           <a:prstGeom prst="roundRect">
@@ -3856,7 +3856,7 @@
         </p:nvSpPr>
         <p:spPr>
           <a:xfrm>
-            <a:off x="2214972" y="2894426"/>
+            <a:off x="2175647" y="2737114"/>
             <a:ext cx="1458936" cy="914400"/>
           </a:xfrm>
           <a:prstGeom prst="roundRect">
@@ -3916,7 +3916,7 @@
         </p:nvSpPr>
         <p:spPr>
           <a:xfrm>
-            <a:off x="9226191" y="2894426"/>
+            <a:off x="9344178" y="2737114"/>
             <a:ext cx="1458936" cy="914400"/>
           </a:xfrm>
           <a:prstGeom prst="roundRect">
@@ -3980,7 +3980,7 @@
         </p:nvSpPr>
         <p:spPr>
           <a:xfrm>
-            <a:off x="7376842" y="2894426"/>
+            <a:off x="7386677" y="2737114"/>
             <a:ext cx="1458936" cy="914400"/>
           </a:xfrm>
           <a:prstGeom prst="roundRect">
@@ -4044,7 +4044,7 @@
         </p:nvSpPr>
         <p:spPr>
           <a:xfrm>
-            <a:off x="5527493" y="2904700"/>
+            <a:off x="5380008" y="2747388"/>
             <a:ext cx="1458936" cy="914400"/>
           </a:xfrm>
           <a:prstGeom prst="roundRect">
@@ -4108,8 +4108,8 @@
         </p:nvSpPr>
         <p:spPr>
           <a:xfrm>
-            <a:off x="631858" y="5821661"/>
-            <a:ext cx="10053269" cy="1096855"/>
+            <a:off x="1056830" y="5664349"/>
+            <a:ext cx="9824941" cy="1096855"/>
           </a:xfrm>
           <a:prstGeom prst="can">
             <a:avLst/>
@@ -4146,17 +4146,12 @@
               <a:rPr lang="en-US" altLang="ja-JP" dirty="0" smtClean="0"/>
               <a:t>Local Database </a:t>
             </a:r>
-            <a:endParaRPr lang="en-US" altLang="ja-JP" dirty="0" smtClean="0"/>
           </a:p>
           <a:p>
             <a:pPr algn="ctr"/>
             <a:r>
               <a:rPr lang="en-US" altLang="ja-JP" dirty="0" smtClean="0"/>
-              <a:t>(</a:t>
-            </a:r>
-            <a:r>
-              <a:rPr lang="en-US" altLang="ja-JP" dirty="0" smtClean="0"/>
-              <a:t>Published on TCP)</a:t>
+              <a:t>(Published on TCP)</a:t>
             </a:r>
             <a:endParaRPr kumimoji="1" lang="ja-JP" altLang="en-US" dirty="0"/>
           </a:p>
@@ -4170,7 +4165,7 @@
         </p:nvSpPr>
         <p:spPr>
           <a:xfrm>
-            <a:off x="6696688" y="6765339"/>
+            <a:off x="6814675" y="6608027"/>
             <a:ext cx="1176388" cy="629167"/>
           </a:xfrm>
           <a:prstGeom prst="rect">
@@ -4212,7 +4207,7 @@
         </p:nvSpPr>
         <p:spPr>
           <a:xfrm>
-            <a:off x="5065157" y="6775613"/>
+            <a:off x="5183144" y="6618301"/>
             <a:ext cx="1176389" cy="618893"/>
           </a:xfrm>
           <a:prstGeom prst="rect">
@@ -4254,7 +4249,7 @@
         </p:nvSpPr>
         <p:spPr>
           <a:xfrm>
-            <a:off x="60412" y="7711696"/>
+            <a:off x="178399" y="7554384"/>
             <a:ext cx="11177859" cy="1016484"/>
           </a:xfrm>
           <a:prstGeom prst="rect">
@@ -4303,7 +4298,7 @@
         </p:nvSpPr>
         <p:spPr>
           <a:xfrm>
-            <a:off x="5382108" y="2581332"/>
+            <a:off x="5234623" y="2424020"/>
             <a:ext cx="697627" cy="369332"/>
           </a:xfrm>
           <a:prstGeom prst="rect">
@@ -4333,7 +4328,7 @@
         </p:nvSpPr>
         <p:spPr>
           <a:xfrm>
-            <a:off x="7234016" y="2586738"/>
+            <a:off x="7243851" y="2429426"/>
             <a:ext cx="697627" cy="369332"/>
           </a:xfrm>
           <a:prstGeom prst="rect">
@@ -4363,7 +4358,7 @@
         </p:nvSpPr>
         <p:spPr>
           <a:xfrm>
-            <a:off x="9052036" y="2593322"/>
+            <a:off x="9170023" y="2436010"/>
             <a:ext cx="697627" cy="369332"/>
           </a:xfrm>
           <a:prstGeom prst="rect">
@@ -4393,7 +4388,7 @@
         </p:nvSpPr>
         <p:spPr>
           <a:xfrm>
-            <a:off x="2090263" y="2596755"/>
+            <a:off x="2208250" y="2439443"/>
             <a:ext cx="697627" cy="369332"/>
           </a:xfrm>
           <a:prstGeom prst="rect">
@@ -4423,7 +4418,7 @@
         </p:nvSpPr>
         <p:spPr>
           <a:xfrm>
-            <a:off x="4237415" y="4010325"/>
+            <a:off x="4198090" y="3853013"/>
             <a:ext cx="697627" cy="369332"/>
           </a:xfrm>
           <a:prstGeom prst="rect">
@@ -4453,7 +4448,7 @@
         </p:nvSpPr>
         <p:spPr>
           <a:xfrm>
-            <a:off x="860186" y="4018044"/>
+            <a:off x="820861" y="3860732"/>
             <a:ext cx="697627" cy="369332"/>
           </a:xfrm>
           <a:prstGeom prst="rect">
@@ -4485,7 +4480,7 @@
         </p:nvCxnSpPr>
         <p:spPr>
           <a:xfrm>
-            <a:off x="4104008" y="5227392"/>
+            <a:off x="4064683" y="5070080"/>
             <a:ext cx="0" cy="604096"/>
           </a:xfrm>
           <a:prstGeom prst="straightConnector1">
@@ -4525,7 +4520,7 @@
         </p:nvCxnSpPr>
         <p:spPr>
           <a:xfrm>
-            <a:off x="1719380" y="5227392"/>
+            <a:off x="1680055" y="5070080"/>
             <a:ext cx="0" cy="681113"/>
           </a:xfrm>
           <a:prstGeom prst="straightConnector1">
@@ -4565,7 +4560,7 @@
         </p:nvCxnSpPr>
         <p:spPr>
           <a:xfrm>
-            <a:off x="6256961" y="3819100"/>
+            <a:off x="6109476" y="3661788"/>
             <a:ext cx="0" cy="2012388"/>
           </a:xfrm>
           <a:prstGeom prst="straightConnector1">
@@ -4605,7 +4600,7 @@
         </p:nvCxnSpPr>
         <p:spPr>
           <a:xfrm>
-            <a:off x="8106310" y="3808826"/>
+            <a:off x="8116145" y="3651514"/>
             <a:ext cx="0" cy="2022662"/>
           </a:xfrm>
           <a:prstGeom prst="straightConnector1">
@@ -4645,7 +4640,7 @@
         </p:nvCxnSpPr>
         <p:spPr>
           <a:xfrm>
-            <a:off x="9955659" y="3808826"/>
+            <a:off x="10073646" y="3651514"/>
             <a:ext cx="0" cy="2099679"/>
           </a:xfrm>
           <a:prstGeom prst="straightConnector1">
@@ -4685,7 +4680,7 @@
         </p:nvCxnSpPr>
         <p:spPr>
           <a:xfrm>
-            <a:off x="2944440" y="3808826"/>
+            <a:off x="2905115" y="3651514"/>
             <a:ext cx="502858" cy="545135"/>
           </a:xfrm>
           <a:prstGeom prst="straightConnector1">
@@ -4726,7 +4721,7 @@
         </p:nvCxnSpPr>
         <p:spPr>
           <a:xfrm flipH="1">
-            <a:off x="2374606" y="3808826"/>
+            <a:off x="2335281" y="3651514"/>
             <a:ext cx="569834" cy="561558"/>
           </a:xfrm>
           <a:prstGeom prst="straightConnector1">
@@ -4765,8 +4760,8 @@
         </p:nvSpPr>
         <p:spPr>
           <a:xfrm>
-            <a:off x="631858" y="189476"/>
-            <a:ext cx="10834107" cy="524544"/>
+            <a:off x="567548" y="32164"/>
+            <a:ext cx="11142671" cy="524544"/>
           </a:xfrm>
           <a:prstGeom prst="roundRect">
             <a:avLst/>
@@ -4808,7 +4803,7 @@
         </p:nvCxnSpPr>
         <p:spPr>
           <a:xfrm>
-            <a:off x="2944440" y="714020"/>
+            <a:off x="2905115" y="556708"/>
             <a:ext cx="0" cy="2180406"/>
           </a:xfrm>
           <a:prstGeom prst="straightConnector1">
@@ -4849,7 +4844,7 @@
         </p:nvCxnSpPr>
         <p:spPr>
           <a:xfrm>
-            <a:off x="4086447" y="725999"/>
+            <a:off x="4047122" y="568687"/>
             <a:ext cx="17561" cy="3586993"/>
           </a:xfrm>
           <a:prstGeom prst="straightConnector1">
@@ -4890,7 +4885,7 @@
         </p:nvCxnSpPr>
         <p:spPr>
           <a:xfrm>
-            <a:off x="6256961" y="725999"/>
+            <a:off x="6109476" y="568687"/>
             <a:ext cx="0" cy="2178701"/>
           </a:xfrm>
           <a:prstGeom prst="straightConnector1">
@@ -4931,7 +4926,7 @@
         </p:nvCxnSpPr>
         <p:spPr>
           <a:xfrm>
-            <a:off x="8106310" y="725999"/>
+            <a:off x="8116145" y="568687"/>
             <a:ext cx="0" cy="2168427"/>
           </a:xfrm>
           <a:prstGeom prst="straightConnector1">
@@ -4972,7 +4967,7 @@
         </p:nvCxnSpPr>
         <p:spPr>
           <a:xfrm>
-            <a:off x="9955659" y="714020"/>
+            <a:off x="10073646" y="556708"/>
             <a:ext cx="0" cy="2180406"/>
           </a:xfrm>
           <a:prstGeom prst="straightConnector1">
@@ -5011,7 +5006,7 @@
         </p:nvSpPr>
         <p:spPr>
           <a:xfrm>
-            <a:off x="711312" y="2377132"/>
+            <a:off x="829299" y="2219820"/>
             <a:ext cx="1234633" cy="369332"/>
           </a:xfrm>
           <a:prstGeom prst="rect">
@@ -5077,7 +5072,7 @@
         </p:nvSpPr>
         <p:spPr>
           <a:xfrm>
-            <a:off x="2616948" y="4030796"/>
+            <a:off x="2577623" y="3873484"/>
             <a:ext cx="638316" cy="646331"/>
           </a:xfrm>
           <a:prstGeom prst="rect">
@@ -5131,7 +5126,7 @@
         </p:nvSpPr>
         <p:spPr>
           <a:xfrm>
-            <a:off x="3352837" y="6775613"/>
+            <a:off x="3470824" y="6618301"/>
             <a:ext cx="1176389" cy="618893"/>
           </a:xfrm>
           <a:prstGeom prst="rect">
@@ -5181,7 +5176,7 @@
         </p:nvSpPr>
         <p:spPr>
           <a:xfrm>
-            <a:off x="14612" y="7195214"/>
+            <a:off x="132599" y="7037902"/>
             <a:ext cx="3066377" cy="369332"/>
           </a:xfrm>
           <a:prstGeom prst="rect">
@@ -5226,12 +5221,12 @@
         </p:nvCxnSpPr>
         <p:spPr>
           <a:xfrm rot="10800000" flipV="1">
-            <a:off x="631858" y="3351625"/>
-            <a:ext cx="1583114" cy="3018463"/>
+            <a:off x="1056831" y="3194313"/>
+            <a:ext cx="1118817" cy="3018463"/>
           </a:xfrm>
           <a:prstGeom prst="bentConnector3">
             <a:avLst>
-              <a:gd name="adj1" fmla="val 122514"/>
+              <a:gd name="adj1" fmla="val 161736"/>
             </a:avLst>
           </a:prstGeom>
           <a:ln w="38100">
@@ -5266,7 +5261,7 @@
         </p:nvSpPr>
         <p:spPr>
           <a:xfrm>
-            <a:off x="10332455" y="5141212"/>
+            <a:off x="10450442" y="4983900"/>
             <a:ext cx="1458936" cy="914400"/>
           </a:xfrm>
           <a:prstGeom prst="roundRect">
@@ -5322,7 +5317,7 @@
         </p:nvSpPr>
         <p:spPr>
           <a:xfrm>
-            <a:off x="5317987" y="5809670"/>
+            <a:off x="5701444" y="5622862"/>
             <a:ext cx="825867" cy="369332"/>
           </a:xfrm>
           <a:prstGeom prst="rect">
@@ -5354,7 +5349,7 @@
         </p:nvCxnSpPr>
         <p:spPr>
           <a:xfrm>
-            <a:off x="11061923" y="714020"/>
+            <a:off x="11179910" y="556708"/>
             <a:ext cx="0" cy="4427192"/>
           </a:xfrm>
           <a:prstGeom prst="straightConnector1">
@@ -5393,7 +5388,7 @@
         </p:nvSpPr>
         <p:spPr>
           <a:xfrm>
-            <a:off x="11167670" y="4831756"/>
+            <a:off x="11285657" y="4674444"/>
             <a:ext cx="825867" cy="369332"/>
           </a:xfrm>
           <a:prstGeom prst="rect">
@@ -5423,7 +5418,7 @@
         </p:nvSpPr>
         <p:spPr>
           <a:xfrm>
-            <a:off x="660136" y="2665785"/>
+            <a:off x="620811" y="2508473"/>
             <a:ext cx="1375698" cy="461665"/>
           </a:xfrm>
           <a:prstGeom prst="rect">
@@ -5482,7 +5477,7 @@
         </p:nvSpPr>
         <p:spPr>
           <a:xfrm>
-            <a:off x="1379787" y="7950843"/>
+            <a:off x="1497774" y="7793531"/>
             <a:ext cx="1117436" cy="594722"/>
           </a:xfrm>
           <a:prstGeom prst="roundRect">
@@ -5523,7 +5518,7 @@
         </p:nvSpPr>
         <p:spPr>
           <a:xfrm>
-            <a:off x="2658863" y="7954450"/>
+            <a:off x="2776850" y="7797138"/>
             <a:ext cx="939885" cy="591116"/>
           </a:xfrm>
           <a:prstGeom prst="can">
@@ -5565,7 +5560,7 @@
         </p:nvSpPr>
         <p:spPr>
           <a:xfrm>
-            <a:off x="3828639" y="7950844"/>
+            <a:off x="3946626" y="7793532"/>
             <a:ext cx="811805" cy="594722"/>
           </a:xfrm>
           <a:prstGeom prst="rect">
@@ -5607,7 +5602,7 @@
         </p:nvCxnSpPr>
         <p:spPr>
           <a:xfrm>
-            <a:off x="7922308" y="8469985"/>
+            <a:off x="8040295" y="8312673"/>
             <a:ext cx="817620" cy="0"/>
           </a:xfrm>
           <a:prstGeom prst="straightConnector1">
@@ -5646,7 +5641,7 @@
         </p:nvSpPr>
         <p:spPr>
           <a:xfrm>
-            <a:off x="8003982" y="7976889"/>
+            <a:off x="8121969" y="7819577"/>
             <a:ext cx="671979" cy="461665"/>
           </a:xfrm>
           <a:prstGeom prst="rect">
@@ -5682,7 +5677,7 @@
         </p:nvCxnSpPr>
         <p:spPr>
           <a:xfrm>
-            <a:off x="9953601" y="8469621"/>
+            <a:off x="10071588" y="8312309"/>
             <a:ext cx="817620" cy="0"/>
           </a:xfrm>
           <a:prstGeom prst="straightConnector1">
@@ -5720,7 +5715,7 @@
         </p:nvSpPr>
         <p:spPr>
           <a:xfrm>
-            <a:off x="10011829" y="8102211"/>
+            <a:off x="10129816" y="7944899"/>
             <a:ext cx="569387" cy="276999"/>
           </a:xfrm>
           <a:prstGeom prst="rect">
@@ -5750,7 +5745,7 @@
         </p:nvCxnSpPr>
         <p:spPr>
           <a:xfrm>
-            <a:off x="8951792" y="8469721"/>
+            <a:off x="9069779" y="8312409"/>
             <a:ext cx="817620" cy="0"/>
           </a:xfrm>
           <a:prstGeom prst="straightConnector1">
@@ -5789,7 +5784,7 @@
         </p:nvSpPr>
         <p:spPr>
           <a:xfrm>
-            <a:off x="9033466" y="7988348"/>
+            <a:off x="9151453" y="7831036"/>
             <a:ext cx="692818" cy="461665"/>
           </a:xfrm>
           <a:prstGeom prst="rect">
@@ -5825,8 +5820,8 @@
         </p:nvSpPr>
         <p:spPr>
           <a:xfrm>
-            <a:off x="631858" y="2332869"/>
-            <a:ext cx="4614474" cy="3133440"/>
+            <a:off x="567549" y="2175557"/>
+            <a:ext cx="4484478" cy="3133440"/>
           </a:xfrm>
           <a:prstGeom prst="rect">
             <a:avLst/>
@@ -5872,7 +5867,7 @@
         </p:nvSpPr>
         <p:spPr>
           <a:xfrm>
-            <a:off x="38757" y="7711533"/>
+            <a:off x="156744" y="7554221"/>
             <a:ext cx="1037463" cy="369332"/>
           </a:xfrm>
           <a:prstGeom prst="rect">
@@ -5914,7 +5909,7 @@
         </p:nvSpPr>
         <p:spPr>
           <a:xfrm>
-            <a:off x="622009" y="1446284"/>
+            <a:off x="739996" y="1288972"/>
             <a:ext cx="10825867" cy="478037"/>
           </a:xfrm>
           <a:prstGeom prst="roundRect">
@@ -5944,18 +5939,13 @@
           <a:p>
             <a:pPr algn="ctr"/>
             <a:r>
-              <a:rPr lang="en-US" altLang="ja-JP" b="1" smtClean="0">
+              <a:rPr lang="en-US" altLang="ja-JP" b="1" dirty="0" smtClean="0">
                 <a:solidFill>
                   <a:schemeClr val="bg1"/>
                 </a:solidFill>
               </a:rPr>
               <a:t>Apache</a:t>
             </a:r>
-            <a:endParaRPr lang="en-US" altLang="ja-JP" b="1" dirty="0" smtClean="0">
-              <a:solidFill>
-                <a:schemeClr val="bg1"/>
-              </a:solidFill>
-            </a:endParaRPr>
           </a:p>
         </p:txBody>
       </p:sp>
@@ -5982,7 +5972,7 @@
         </p:blipFill>
         <p:spPr bwMode="auto">
           <a:xfrm>
-            <a:off x="6496681" y="1514716"/>
+            <a:off x="6565507" y="1377068"/>
             <a:ext cx="1208719" cy="341171"/>
           </a:xfrm>
           <a:prstGeom prst="rect">
@@ -6025,7 +6015,7 @@
         </p:blipFill>
         <p:spPr bwMode="auto">
           <a:xfrm>
-            <a:off x="2088856" y="4946921"/>
+            <a:off x="2049531" y="4789609"/>
             <a:ext cx="475335" cy="338999"/>
           </a:xfrm>
           <a:prstGeom prst="rect">
@@ -6068,7 +6058,7 @@
         </p:blipFill>
         <p:spPr bwMode="auto">
           <a:xfrm>
-            <a:off x="4456523" y="4949447"/>
+            <a:off x="4417198" y="4792135"/>
             <a:ext cx="475335" cy="338999"/>
           </a:xfrm>
           <a:prstGeom prst="rect">
@@ -6111,7 +6101,7 @@
         </p:blipFill>
         <p:spPr bwMode="auto">
           <a:xfrm>
-            <a:off x="3296821" y="3542899"/>
+            <a:off x="3257496" y="3385587"/>
             <a:ext cx="475335" cy="338999"/>
           </a:xfrm>
           <a:prstGeom prst="rect">
@@ -6154,7 +6144,7 @@
         </p:blipFill>
         <p:spPr bwMode="auto">
           <a:xfrm>
-            <a:off x="6631041" y="3548670"/>
+            <a:off x="6483556" y="3391358"/>
             <a:ext cx="475335" cy="338999"/>
           </a:xfrm>
           <a:prstGeom prst="rect">
@@ -6197,7 +6187,7 @@
         </p:blipFill>
         <p:spPr bwMode="auto">
           <a:xfrm>
-            <a:off x="8471947" y="3539157"/>
+            <a:off x="8481782" y="3381845"/>
             <a:ext cx="475335" cy="338999"/>
           </a:xfrm>
           <a:prstGeom prst="rect">
@@ -6240,7 +6230,7 @@
         </p:blipFill>
         <p:spPr bwMode="auto">
           <a:xfrm>
-            <a:off x="10311447" y="3550880"/>
+            <a:off x="10429434" y="3393568"/>
             <a:ext cx="475335" cy="338999"/>
           </a:xfrm>
           <a:prstGeom prst="rect">
@@ -6283,7 +6273,7 @@
         </p:blipFill>
         <p:spPr bwMode="auto">
           <a:xfrm>
-            <a:off x="11447876" y="5787965"/>
+            <a:off x="11565863" y="5630653"/>
             <a:ext cx="475335" cy="338999"/>
           </a:xfrm>
           <a:prstGeom prst="rect">
@@ -6309,8 +6299,8 @@
         </p:nvSpPr>
         <p:spPr>
           <a:xfrm>
-            <a:off x="11150413" y="1145384"/>
-            <a:ext cx="441146" cy="369332"/>
+            <a:off x="7610271" y="1360121"/>
+            <a:ext cx="450764" cy="369332"/>
           </a:xfrm>
           <a:prstGeom prst="rect">
             <a:avLst/>
@@ -6324,10 +6314,18 @@
           <a:lstStyle/>
           <a:p>
             <a:r>
-              <a:rPr kumimoji="1" lang="en-US" altLang="ja-JP" smtClean="0"/>
+              <a:rPr kumimoji="1" lang="en-US" altLang="ja-JP" b="1" smtClean="0">
+                <a:solidFill>
+                  <a:schemeClr val="bg1"/>
+                </a:solidFill>
+              </a:rPr>
               <a:t>80</a:t>
             </a:r>
-            <a:endParaRPr kumimoji="1" lang="ja-JP" altLang="en-US" dirty="0"/>
+            <a:endParaRPr kumimoji="1" lang="ja-JP" altLang="en-US" b="1" dirty="0">
+              <a:solidFill>
+                <a:schemeClr val="bg1"/>
+              </a:solidFill>
+            </a:endParaRPr>
           </a:p>
         </p:txBody>
       </p:sp>
@@ -6354,7 +6352,7 @@
         </p:blipFill>
         <p:spPr bwMode="auto">
           <a:xfrm>
-            <a:off x="4896390" y="8062580"/>
+            <a:off x="5014377" y="7905268"/>
             <a:ext cx="777823" cy="219547"/>
           </a:xfrm>
           <a:prstGeom prst="rect">
@@ -6397,7 +6395,7 @@
         </p:blipFill>
         <p:spPr bwMode="auto">
           <a:xfrm>
-            <a:off x="6017435" y="7967287"/>
+            <a:off x="6135422" y="7809975"/>
             <a:ext cx="475335" cy="338999"/>
           </a:xfrm>
           <a:prstGeom prst="rect">
@@ -6423,8 +6421,8 @@
         </p:nvSpPr>
         <p:spPr>
           <a:xfrm>
-            <a:off x="4898736" y="8293850"/>
-            <a:ext cx="845103" cy="276999"/>
+            <a:off x="4918399" y="8156202"/>
+            <a:ext cx="970137" cy="276999"/>
           </a:xfrm>
           <a:prstGeom prst="rect">
             <a:avLst/>
@@ -6438,8 +6436,12 @@
           <a:lstStyle/>
           <a:p>
             <a:r>
-              <a:rPr lang="en-US" altLang="ja-JP" sz="1200" dirty="0" smtClean="0"/>
-              <a:t>Apache 2</a:t>
+              <a:rPr lang="en-US" altLang="ja-JP" sz="1200" smtClean="0"/>
+              <a:t>Apache </a:t>
+            </a:r>
+            <a:r>
+              <a:rPr lang="en-US" altLang="ja-JP" sz="1200" smtClean="0"/>
+              <a:t>2.2</a:t>
             </a:r>
             <a:endParaRPr kumimoji="1" lang="ja-JP" altLang="en-US" sz="1200" dirty="0"/>
           </a:p>
@@ -6453,8 +6455,8 @@
         </p:nvSpPr>
         <p:spPr>
           <a:xfrm>
-            <a:off x="5869481" y="8308039"/>
-            <a:ext cx="849913" cy="276999"/>
+            <a:off x="5898978" y="8160559"/>
+            <a:ext cx="974947" cy="276999"/>
           </a:xfrm>
           <a:prstGeom prst="rect">
             <a:avLst/>
@@ -6468,8 +6470,12 @@
           <a:lstStyle/>
           <a:p>
             <a:r>
-              <a:rPr lang="en-US" altLang="ja-JP" sz="1200" dirty="0" smtClean="0"/>
-              <a:t>Tomcat 8</a:t>
+              <a:rPr lang="en-US" altLang="ja-JP" sz="1200" smtClean="0"/>
+              <a:t>Tomcat </a:t>
+            </a:r>
+            <a:r>
+              <a:rPr lang="en-US" altLang="ja-JP" sz="1200" smtClean="0"/>
+              <a:t>8.0</a:t>
             </a:r>
             <a:endParaRPr kumimoji="1" lang="ja-JP" altLang="en-US" sz="1200" dirty="0"/>
           </a:p>
@@ -6498,7 +6504,7 @@
         </p:blipFill>
         <p:spPr bwMode="auto">
           <a:xfrm>
-            <a:off x="9980627" y="6423707"/>
+            <a:off x="10098614" y="6266395"/>
             <a:ext cx="661640" cy="360010"/>
           </a:xfrm>
           <a:prstGeom prst="rect">
@@ -6539,7 +6545,7 @@
         </p:blipFill>
         <p:spPr bwMode="auto">
           <a:xfrm>
-            <a:off x="6963307" y="7955564"/>
+            <a:off x="7081294" y="7798252"/>
             <a:ext cx="627034" cy="341180"/>
           </a:xfrm>
           <a:prstGeom prst="rect">
@@ -6565,7 +6571,7 @@
         </p:nvSpPr>
         <p:spPr>
           <a:xfrm>
-            <a:off x="6963909" y="8319398"/>
+            <a:off x="7062232" y="8162086"/>
             <a:ext cx="638315" cy="276999"/>
           </a:xfrm>
           <a:prstGeom prst="rect">
@@ -6596,7 +6602,7 @@
         </p:nvSpPr>
         <p:spPr>
           <a:xfrm>
-            <a:off x="2127400" y="1106555"/>
+            <a:off x="2058573" y="949243"/>
             <a:ext cx="840295" cy="369332"/>
           </a:xfrm>
           <a:prstGeom prst="rect">
@@ -6634,7 +6640,7 @@
         </p:nvSpPr>
         <p:spPr>
           <a:xfrm>
-            <a:off x="3289282" y="1097610"/>
+            <a:off x="3200791" y="940298"/>
             <a:ext cx="849913" cy="369332"/>
           </a:xfrm>
           <a:prstGeom prst="rect">
@@ -6672,7 +6678,7 @@
         </p:nvSpPr>
         <p:spPr>
           <a:xfrm>
-            <a:off x="5472517" y="1113607"/>
+            <a:off x="5325032" y="956295"/>
             <a:ext cx="798617" cy="369332"/>
           </a:xfrm>
           <a:prstGeom prst="rect">
@@ -6710,7 +6716,7 @@
         </p:nvSpPr>
         <p:spPr>
           <a:xfrm>
-            <a:off x="7341185" y="1120843"/>
+            <a:off x="7351020" y="963531"/>
             <a:ext cx="798617" cy="369332"/>
           </a:xfrm>
           <a:prstGeom prst="rect">
@@ -6748,7 +6754,7 @@
         </p:nvSpPr>
         <p:spPr>
           <a:xfrm>
-            <a:off x="9187782" y="1108116"/>
+            <a:off x="9305769" y="950804"/>
             <a:ext cx="798617" cy="369332"/>
           </a:xfrm>
           <a:prstGeom prst="rect">
@@ -6786,7 +6792,7 @@
         </p:nvSpPr>
         <p:spPr>
           <a:xfrm>
-            <a:off x="10549114" y="1127106"/>
+            <a:off x="10667101" y="969794"/>
             <a:ext cx="564578" cy="369332"/>
           </a:xfrm>
           <a:prstGeom prst="rect">
@@ -6823,8 +6829,8 @@
         </p:nvCxnSpPr>
         <p:spPr>
           <a:xfrm rot="5400000">
-            <a:off x="10716287" y="6024452"/>
-            <a:ext cx="314477" cy="376796"/>
+            <a:off x="10873603" y="5906469"/>
+            <a:ext cx="314477" cy="298139"/>
           </a:xfrm>
           <a:prstGeom prst="bentConnector2">
             <a:avLst/>
@@ -6861,8 +6867,8 @@
         </p:nvSpPr>
         <p:spPr>
           <a:xfrm>
-            <a:off x="440157" y="1012710"/>
-            <a:ext cx="11270062" cy="1055385"/>
+            <a:off x="558144" y="855398"/>
+            <a:ext cx="11152075" cy="1055385"/>
           </a:xfrm>
           <a:prstGeom prst="rect">
             <a:avLst/>
@@ -6910,7 +6916,7 @@
         </p:nvSpPr>
         <p:spPr>
           <a:xfrm>
-            <a:off x="449561" y="1047804"/>
+            <a:off x="567548" y="890492"/>
             <a:ext cx="1083951" cy="369332"/>
           </a:xfrm>
           <a:prstGeom prst="rect">

--- a/images.pptx
+++ b/images.pptx
@@ -197,7 +197,7 @@
           <a:p>
             <a:fld id="{BC451F63-61CF-B94D-955A-F098561CC757}" type="datetimeFigureOut">
               <a:rPr kumimoji="1" lang="ja-JP" altLang="en-US" smtClean="0"/>
-              <a:t>2016/2/28</a:t>
+              <a:t>2016/3/5</a:t>
             </a:fld>
             <a:endParaRPr kumimoji="1" lang="ja-JP" altLang="en-US"/>
           </a:p>
@@ -712,7 +712,7 @@
           <a:p>
             <a:fld id="{D2D8EA25-67A6-EA48-A0F9-B2976239D8A5}" type="datetimeFigureOut">
               <a:rPr kumimoji="1" lang="ja-JP" altLang="en-US" smtClean="0"/>
-              <a:t>2016/2/28</a:t>
+              <a:t>2016/3/5</a:t>
             </a:fld>
             <a:endParaRPr kumimoji="1" lang="ja-JP" altLang="en-US"/>
           </a:p>
@@ -914,7 +914,7 @@
           <a:p>
             <a:fld id="{D2D8EA25-67A6-EA48-A0F9-B2976239D8A5}" type="datetimeFigureOut">
               <a:rPr kumimoji="1" lang="ja-JP" altLang="en-US" smtClean="0"/>
-              <a:t>2016/2/28</a:t>
+              <a:t>2016/3/5</a:t>
             </a:fld>
             <a:endParaRPr kumimoji="1" lang="ja-JP" altLang="en-US"/>
           </a:p>
@@ -1126,7 +1126,7 @@
           <a:p>
             <a:fld id="{D2D8EA25-67A6-EA48-A0F9-B2976239D8A5}" type="datetimeFigureOut">
               <a:rPr kumimoji="1" lang="ja-JP" altLang="en-US" smtClean="0"/>
-              <a:t>2016/2/28</a:t>
+              <a:t>2016/3/5</a:t>
             </a:fld>
             <a:endParaRPr kumimoji="1" lang="ja-JP" altLang="en-US"/>
           </a:p>
@@ -1328,7 +1328,7 @@
           <a:p>
             <a:fld id="{D2D8EA25-67A6-EA48-A0F9-B2976239D8A5}" type="datetimeFigureOut">
               <a:rPr kumimoji="1" lang="ja-JP" altLang="en-US" smtClean="0"/>
-              <a:t>2016/2/28</a:t>
+              <a:t>2016/3/5</a:t>
             </a:fld>
             <a:endParaRPr kumimoji="1" lang="ja-JP" altLang="en-US"/>
           </a:p>
@@ -1574,7 +1574,7 @@
           <a:p>
             <a:fld id="{D2D8EA25-67A6-EA48-A0F9-B2976239D8A5}" type="datetimeFigureOut">
               <a:rPr kumimoji="1" lang="ja-JP" altLang="en-US" smtClean="0"/>
-              <a:t>2016/2/28</a:t>
+              <a:t>2016/3/5</a:t>
             </a:fld>
             <a:endParaRPr kumimoji="1" lang="ja-JP" altLang="en-US"/>
           </a:p>
@@ -1870,7 +1870,7 @@
           <a:p>
             <a:fld id="{D2D8EA25-67A6-EA48-A0F9-B2976239D8A5}" type="datetimeFigureOut">
               <a:rPr kumimoji="1" lang="ja-JP" altLang="en-US" smtClean="0"/>
-              <a:t>2016/2/28</a:t>
+              <a:t>2016/3/5</a:t>
             </a:fld>
             <a:endParaRPr kumimoji="1" lang="ja-JP" altLang="en-US"/>
           </a:p>
@@ -2301,7 +2301,7 @@
           <a:p>
             <a:fld id="{D2D8EA25-67A6-EA48-A0F9-B2976239D8A5}" type="datetimeFigureOut">
               <a:rPr kumimoji="1" lang="ja-JP" altLang="en-US" smtClean="0"/>
-              <a:t>2016/2/28</a:t>
+              <a:t>2016/3/5</a:t>
             </a:fld>
             <a:endParaRPr kumimoji="1" lang="ja-JP" altLang="en-US"/>
           </a:p>
@@ -2419,7 +2419,7 @@
           <a:p>
             <a:fld id="{D2D8EA25-67A6-EA48-A0F9-B2976239D8A5}" type="datetimeFigureOut">
               <a:rPr kumimoji="1" lang="ja-JP" altLang="en-US" smtClean="0"/>
-              <a:t>2016/2/28</a:t>
+              <a:t>2016/3/5</a:t>
             </a:fld>
             <a:endParaRPr kumimoji="1" lang="ja-JP" altLang="en-US"/>
           </a:p>
@@ -2514,7 +2514,7 @@
           <a:p>
             <a:fld id="{D2D8EA25-67A6-EA48-A0F9-B2976239D8A5}" type="datetimeFigureOut">
               <a:rPr kumimoji="1" lang="ja-JP" altLang="en-US" smtClean="0"/>
-              <a:t>2016/2/28</a:t>
+              <a:t>2016/3/5</a:t>
             </a:fld>
             <a:endParaRPr kumimoji="1" lang="ja-JP" altLang="en-US"/>
           </a:p>
@@ -2823,7 +2823,7 @@
           <a:p>
             <a:fld id="{D2D8EA25-67A6-EA48-A0F9-B2976239D8A5}" type="datetimeFigureOut">
               <a:rPr kumimoji="1" lang="ja-JP" altLang="en-US" smtClean="0"/>
-              <a:t>2016/2/28</a:t>
+              <a:t>2016/3/5</a:t>
             </a:fld>
             <a:endParaRPr kumimoji="1" lang="ja-JP" altLang="en-US"/>
           </a:p>
@@ -3076,7 +3076,7 @@
           <a:p>
             <a:fld id="{D2D8EA25-67A6-EA48-A0F9-B2976239D8A5}" type="datetimeFigureOut">
               <a:rPr kumimoji="1" lang="ja-JP" altLang="en-US" smtClean="0"/>
-              <a:t>2016/2/28</a:t>
+              <a:t>2016/3/5</a:t>
             </a:fld>
             <a:endParaRPr kumimoji="1" lang="ja-JP" altLang="en-US"/>
           </a:p>
@@ -3321,7 +3321,7 @@
           <a:p>
             <a:fld id="{D2D8EA25-67A6-EA48-A0F9-B2976239D8A5}" type="datetimeFigureOut">
               <a:rPr kumimoji="1" lang="ja-JP" altLang="en-US" smtClean="0"/>
-              <a:t>2016/2/28</a:t>
+              <a:t>2016/3/5</a:t>
             </a:fld>
             <a:endParaRPr kumimoji="1" lang="ja-JP" altLang="en-US"/>
           </a:p>
@@ -4108,8 +4108,8 @@
         </p:nvSpPr>
         <p:spPr>
           <a:xfrm>
-            <a:off x="1056830" y="5664349"/>
-            <a:ext cx="9824941" cy="1096855"/>
+            <a:off x="6791567" y="5978982"/>
+            <a:ext cx="3637920" cy="1096855"/>
           </a:xfrm>
           <a:prstGeom prst="can">
             <a:avLst/>
@@ -4165,7 +4165,7 @@
         </p:nvSpPr>
         <p:spPr>
           <a:xfrm>
-            <a:off x="6814675" y="6608027"/>
+            <a:off x="7416449" y="7169347"/>
             <a:ext cx="1176388" cy="629167"/>
           </a:xfrm>
           <a:prstGeom prst="rect">
@@ -4207,7 +4207,7 @@
         </p:nvSpPr>
         <p:spPr>
           <a:xfrm>
-            <a:off x="5183144" y="6618301"/>
+            <a:off x="5529278" y="7179621"/>
             <a:ext cx="1176389" cy="618893"/>
           </a:xfrm>
           <a:prstGeom prst="rect">
@@ -4249,8 +4249,8 @@
         </p:nvSpPr>
         <p:spPr>
           <a:xfrm>
-            <a:off x="178399" y="7554384"/>
-            <a:ext cx="11177859" cy="1016484"/>
+            <a:off x="178399" y="8134488"/>
+            <a:ext cx="11803502" cy="1016484"/>
           </a:xfrm>
           <a:prstGeom prst="rect">
             <a:avLst/>
@@ -4481,7 +4481,7 @@
         <p:spPr>
           <a:xfrm>
             <a:off x="4064683" y="5070080"/>
-            <a:ext cx="0" cy="604096"/>
+            <a:ext cx="0" cy="658549"/>
           </a:xfrm>
           <a:prstGeom prst="straightConnector1">
             <a:avLst/>
@@ -4561,7 +4561,7 @@
         <p:spPr>
           <a:xfrm>
             <a:off x="6109476" y="3661788"/>
-            <a:ext cx="0" cy="2012388"/>
+            <a:ext cx="0" cy="2066841"/>
           </a:xfrm>
           <a:prstGeom prst="straightConnector1">
             <a:avLst/>
@@ -4601,7 +4601,7 @@
         <p:spPr>
           <a:xfrm>
             <a:off x="8116145" y="3651514"/>
-            <a:ext cx="0" cy="2022662"/>
+            <a:ext cx="0" cy="2077115"/>
           </a:xfrm>
           <a:prstGeom prst="straightConnector1">
             <a:avLst/>
@@ -5126,7 +5126,7 @@
         </p:nvSpPr>
         <p:spPr>
           <a:xfrm>
-            <a:off x="3470824" y="6618301"/>
+            <a:off x="3735101" y="7179712"/>
             <a:ext cx="1176389" cy="618893"/>
           </a:xfrm>
           <a:prstGeom prst="rect">
@@ -5176,7 +5176,7 @@
         </p:nvSpPr>
         <p:spPr>
           <a:xfrm>
-            <a:off x="132599" y="7037902"/>
+            <a:off x="90167" y="9235276"/>
             <a:ext cx="3066377" cy="369332"/>
           </a:xfrm>
           <a:prstGeom prst="rect">
@@ -5215,18 +5215,18 @@
           <p:cNvPr id="131" name="直線矢印コネクタ 130"/>
           <p:cNvCxnSpPr>
             <a:stCxn id="6" idx="1"/>
-            <a:endCxn id="11" idx="2"/>
+            <a:endCxn id="86" idx="1"/>
           </p:cNvCxnSpPr>
           <p:nvPr/>
         </p:nvCxnSpPr>
         <p:spPr>
           <a:xfrm rot="10800000" flipV="1">
-            <a:off x="1056831" y="3194313"/>
-            <a:ext cx="1118817" cy="3018463"/>
+            <a:off x="522031" y="3194314"/>
+            <a:ext cx="1653616" cy="3616974"/>
           </a:xfrm>
           <a:prstGeom prst="bentConnector3">
             <a:avLst>
-              <a:gd name="adj1" fmla="val 161736"/>
+              <a:gd name="adj1" fmla="val 120365"/>
             </a:avLst>
           </a:prstGeom>
           <a:ln w="38100">
@@ -5261,7 +5261,7 @@
         </p:nvSpPr>
         <p:spPr>
           <a:xfrm>
-            <a:off x="10450442" y="4983900"/>
+            <a:off x="10430778" y="4177654"/>
             <a:ext cx="1458936" cy="914400"/>
           </a:xfrm>
           <a:prstGeom prst="roundRect">
@@ -5317,7 +5317,7 @@
         </p:nvSpPr>
         <p:spPr>
           <a:xfrm>
-            <a:off x="5701444" y="5622862"/>
+            <a:off x="8306515" y="5935958"/>
             <a:ext cx="825867" cy="369332"/>
           </a:xfrm>
           <a:prstGeom prst="rect">
@@ -5348,9 +5348,9 @@
           <p:nvPr/>
         </p:nvCxnSpPr>
         <p:spPr>
-          <a:xfrm>
-            <a:off x="11179910" y="556708"/>
-            <a:ext cx="0" cy="4427192"/>
+          <a:xfrm flipH="1">
+            <a:off x="11160246" y="224558"/>
+            <a:ext cx="1" cy="3953096"/>
           </a:xfrm>
           <a:prstGeom prst="straightConnector1">
             <a:avLst/>
@@ -5388,7 +5388,7 @@
         </p:nvSpPr>
         <p:spPr>
           <a:xfrm>
-            <a:off x="11285657" y="4674444"/>
+            <a:off x="11265993" y="3868198"/>
             <a:ext cx="825867" cy="369332"/>
           </a:xfrm>
           <a:prstGeom prst="rect">
@@ -5477,7 +5477,7 @@
         </p:nvSpPr>
         <p:spPr>
           <a:xfrm>
-            <a:off x="1497774" y="7793531"/>
+            <a:off x="1261798" y="8373635"/>
             <a:ext cx="1117436" cy="594722"/>
           </a:xfrm>
           <a:prstGeom prst="roundRect">
@@ -5518,7 +5518,7 @@
         </p:nvSpPr>
         <p:spPr>
           <a:xfrm>
-            <a:off x="2776850" y="7797138"/>
+            <a:off x="2540874" y="8377242"/>
             <a:ext cx="939885" cy="591116"/>
           </a:xfrm>
           <a:prstGeom prst="can">
@@ -5560,7 +5560,7 @@
         </p:nvSpPr>
         <p:spPr>
           <a:xfrm>
-            <a:off x="3946626" y="7793532"/>
+            <a:off x="3710650" y="8373636"/>
             <a:ext cx="811805" cy="594722"/>
           </a:xfrm>
           <a:prstGeom prst="rect">
@@ -5602,7 +5602,7 @@
         </p:nvCxnSpPr>
         <p:spPr>
           <a:xfrm>
-            <a:off x="8040295" y="8312673"/>
+            <a:off x="8944863" y="8892777"/>
             <a:ext cx="817620" cy="0"/>
           </a:xfrm>
           <a:prstGeom prst="straightConnector1">
@@ -5641,7 +5641,7 @@
         </p:nvSpPr>
         <p:spPr>
           <a:xfrm>
-            <a:off x="8121969" y="7819577"/>
+            <a:off x="9026537" y="8399681"/>
             <a:ext cx="671979" cy="461665"/>
           </a:xfrm>
           <a:prstGeom prst="rect">
@@ -5677,7 +5677,7 @@
         </p:nvCxnSpPr>
         <p:spPr>
           <a:xfrm>
-            <a:off x="10071588" y="8312309"/>
+            <a:off x="10976156" y="8892413"/>
             <a:ext cx="817620" cy="0"/>
           </a:xfrm>
           <a:prstGeom prst="straightConnector1">
@@ -5715,7 +5715,7 @@
         </p:nvSpPr>
         <p:spPr>
           <a:xfrm>
-            <a:off x="10129816" y="7944899"/>
+            <a:off x="11034384" y="8525003"/>
             <a:ext cx="569387" cy="276999"/>
           </a:xfrm>
           <a:prstGeom prst="rect">
@@ -5745,7 +5745,7 @@
         </p:nvCxnSpPr>
         <p:spPr>
           <a:xfrm>
-            <a:off x="9069779" y="8312409"/>
+            <a:off x="9974347" y="8892513"/>
             <a:ext cx="817620" cy="0"/>
           </a:xfrm>
           <a:prstGeom prst="straightConnector1">
@@ -5784,7 +5784,7 @@
         </p:nvSpPr>
         <p:spPr>
           <a:xfrm>
-            <a:off x="9151453" y="7831036"/>
+            <a:off x="10056021" y="8411140"/>
             <a:ext cx="692818" cy="461665"/>
           </a:xfrm>
           <a:prstGeom prst="rect">
@@ -5867,7 +5867,7 @@
         </p:nvSpPr>
         <p:spPr>
           <a:xfrm>
-            <a:off x="156744" y="7554221"/>
+            <a:off x="156744" y="8134325"/>
             <a:ext cx="1037463" cy="369332"/>
           </a:xfrm>
           <a:prstGeom prst="rect">
@@ -6273,7 +6273,7 @@
         </p:blipFill>
         <p:spPr bwMode="auto">
           <a:xfrm>
-            <a:off x="11565863" y="5630653"/>
+            <a:off x="11506566" y="4818767"/>
             <a:ext cx="475335" cy="338999"/>
           </a:xfrm>
           <a:prstGeom prst="rect">
@@ -6352,7 +6352,7 @@
         </p:blipFill>
         <p:spPr bwMode="auto">
           <a:xfrm>
-            <a:off x="5014377" y="7905268"/>
+            <a:off x="4778401" y="8485372"/>
             <a:ext cx="777823" cy="219547"/>
           </a:xfrm>
           <a:prstGeom prst="rect">
@@ -6395,7 +6395,7 @@
         </p:blipFill>
         <p:spPr bwMode="auto">
           <a:xfrm>
-            <a:off x="6135422" y="7809975"/>
+            <a:off x="5899446" y="8390079"/>
             <a:ext cx="475335" cy="338999"/>
           </a:xfrm>
           <a:prstGeom prst="rect">
@@ -6421,7 +6421,7 @@
         </p:nvSpPr>
         <p:spPr>
           <a:xfrm>
-            <a:off x="4918399" y="8156202"/>
+            <a:off x="4682423" y="8736306"/>
             <a:ext cx="970137" cy="276999"/>
           </a:xfrm>
           <a:prstGeom prst="rect">
@@ -6436,12 +6436,8 @@
           <a:lstStyle/>
           <a:p>
             <a:r>
-              <a:rPr lang="en-US" altLang="ja-JP" sz="1200" smtClean="0"/>
-              <a:t>Apache </a:t>
-            </a:r>
-            <a:r>
-              <a:rPr lang="en-US" altLang="ja-JP" sz="1200" smtClean="0"/>
-              <a:t>2.2</a:t>
+              <a:rPr lang="en-US" altLang="ja-JP" sz="1200" dirty="0" smtClean="0"/>
+              <a:t>Apache 2.2</a:t>
             </a:r>
             <a:endParaRPr kumimoji="1" lang="ja-JP" altLang="en-US" sz="1200" dirty="0"/>
           </a:p>
@@ -6455,7 +6451,7 @@
         </p:nvSpPr>
         <p:spPr>
           <a:xfrm>
-            <a:off x="5898978" y="8160559"/>
+            <a:off x="5663002" y="8740663"/>
             <a:ext cx="974947" cy="276999"/>
           </a:xfrm>
           <a:prstGeom prst="rect">
@@ -6471,11 +6467,7 @@
           <a:p>
             <a:r>
               <a:rPr lang="en-US" altLang="ja-JP" sz="1200" smtClean="0"/>
-              <a:t>Tomcat </a:t>
-            </a:r>
-            <a:r>
-              <a:rPr lang="en-US" altLang="ja-JP" sz="1200" smtClean="0"/>
-              <a:t>8.0</a:t>
+              <a:t>Tomcat 8.0</a:t>
             </a:r>
             <a:endParaRPr kumimoji="1" lang="ja-JP" altLang="en-US" sz="1200" dirty="0"/>
           </a:p>
@@ -6504,7 +6496,7 @@
         </p:blipFill>
         <p:spPr bwMode="auto">
           <a:xfrm>
-            <a:off x="10098614" y="6266395"/>
+            <a:off x="9717150" y="6625308"/>
             <a:ext cx="661640" cy="360010"/>
           </a:xfrm>
           <a:prstGeom prst="rect">
@@ -6545,8 +6537,8 @@
         </p:blipFill>
         <p:spPr bwMode="auto">
           <a:xfrm>
-            <a:off x="7081294" y="7798252"/>
-            <a:ext cx="627034" cy="341180"/>
+            <a:off x="8028927" y="8370013"/>
+            <a:ext cx="657855" cy="357950"/>
           </a:xfrm>
           <a:prstGeom prst="rect">
             <a:avLst/>
@@ -6571,7 +6563,7 @@
         </p:nvSpPr>
         <p:spPr>
           <a:xfrm>
-            <a:off x="7062232" y="8162086"/>
+            <a:off x="8048229" y="8736307"/>
             <a:ext cx="638315" cy="276999"/>
           </a:xfrm>
           <a:prstGeom prst="rect">
@@ -6587,7 +6579,7 @@
           <a:p>
             <a:pPr algn="ctr"/>
             <a:r>
-              <a:rPr lang="en-US" altLang="ja-JP" sz="1200" smtClean="0"/>
+              <a:rPr lang="en-US" altLang="ja-JP" sz="1200" dirty="0" smtClean="0"/>
               <a:t>H2 1.4</a:t>
             </a:r>
             <a:endParaRPr kumimoji="1" lang="ja-JP" altLang="en-US" sz="1200" dirty="0"/>
@@ -6818,47 +6810,6 @@
           </a:p>
         </p:txBody>
       </p:sp>
-      <p:cxnSp>
-        <p:nvCxnSpPr>
-          <p:cNvPr id="87" name="直線矢印コネクタ 130"/>
-          <p:cNvCxnSpPr>
-            <a:stCxn id="36" idx="2"/>
-            <a:endCxn id="11" idx="4"/>
-          </p:cNvCxnSpPr>
-          <p:nvPr/>
-        </p:nvCxnSpPr>
-        <p:spPr>
-          <a:xfrm rot="5400000">
-            <a:off x="10873603" y="5906469"/>
-            <a:ext cx="314477" cy="298139"/>
-          </a:xfrm>
-          <a:prstGeom prst="bentConnector2">
-            <a:avLst/>
-          </a:prstGeom>
-          <a:ln w="38100">
-            <a:solidFill>
-              <a:schemeClr val="bg1">
-                <a:lumMod val="65000"/>
-              </a:schemeClr>
-            </a:solidFill>
-            <a:tailEnd type="triangle"/>
-          </a:ln>
-        </p:spPr>
-        <p:style>
-          <a:lnRef idx="1">
-            <a:schemeClr val="accent1"/>
-          </a:lnRef>
-          <a:fillRef idx="0">
-            <a:schemeClr val="accent1"/>
-          </a:fillRef>
-          <a:effectRef idx="0">
-            <a:schemeClr val="accent1"/>
-          </a:effectRef>
-          <a:fontRef idx="minor">
-            <a:schemeClr val="tx1"/>
-          </a:fontRef>
-        </p:style>
-      </p:cxnSp>
       <p:sp>
         <p:nvSpPr>
           <p:cNvPr id="93" name="正方形/長方形 92"/>
@@ -6947,6 +6898,297 @@
                 <a:schemeClr val="tx1">
                   <a:lumMod val="50000"/>
                   <a:lumOff val="50000"/>
+                </a:schemeClr>
+              </a:solidFill>
+            </a:endParaRPr>
+          </a:p>
+        </p:txBody>
+      </p:sp>
+      <p:sp>
+        <p:nvSpPr>
+          <p:cNvPr id="86" name="正方形/長方形 85"/>
+          <p:cNvSpPr/>
+          <p:nvPr/>
+        </p:nvSpPr>
+        <p:spPr>
+          <a:xfrm>
+            <a:off x="522031" y="5728629"/>
+            <a:ext cx="11188188" cy="2165318"/>
+          </a:xfrm>
+          <a:prstGeom prst="rect">
+            <a:avLst/>
+          </a:prstGeom>
+          <a:noFill/>
+          <a:ln w="28575">
+            <a:solidFill>
+              <a:schemeClr val="tx1">
+                <a:lumMod val="65000"/>
+                <a:lumOff val="35000"/>
+              </a:schemeClr>
+            </a:solidFill>
+            <a:prstDash val="dash"/>
+          </a:ln>
+        </p:spPr>
+        <p:style>
+          <a:lnRef idx="2">
+            <a:schemeClr val="accent1">
+              <a:shade val="50000"/>
+            </a:schemeClr>
+          </a:lnRef>
+          <a:fillRef idx="1">
+            <a:schemeClr val="accent1"/>
+          </a:fillRef>
+          <a:effectRef idx="0">
+            <a:schemeClr val="accent1"/>
+          </a:effectRef>
+          <a:fontRef idx="minor">
+            <a:schemeClr val="lt1"/>
+          </a:fontRef>
+        </p:style>
+        <p:txBody>
+          <a:bodyPr rtlCol="0" anchor="ctr"/>
+          <a:lstStyle/>
+          <a:p>
+            <a:pPr algn="ctr"/>
+            <a:endParaRPr kumimoji="1" lang="ja-JP" altLang="en-US"/>
+          </a:p>
+        </p:txBody>
+      </p:sp>
+      <p:sp>
+        <p:nvSpPr>
+          <p:cNvPr id="90" name="円柱 89"/>
+          <p:cNvSpPr/>
+          <p:nvPr/>
+        </p:nvSpPr>
+        <p:spPr>
+          <a:xfrm>
+            <a:off x="1815623" y="6004048"/>
+            <a:ext cx="3637920" cy="1096855"/>
+          </a:xfrm>
+          <a:prstGeom prst="can">
+            <a:avLst/>
+          </a:prstGeom>
+        </p:spPr>
+        <p:style>
+          <a:lnRef idx="1">
+            <a:schemeClr val="accent3"/>
+          </a:lnRef>
+          <a:fillRef idx="2">
+            <a:schemeClr val="accent3"/>
+          </a:fillRef>
+          <a:effectRef idx="1">
+            <a:schemeClr val="accent3"/>
+          </a:effectRef>
+          <a:fontRef idx="minor">
+            <a:schemeClr val="dk1"/>
+          </a:fontRef>
+        </p:style>
+        <p:txBody>
+          <a:bodyPr rtlCol="0" anchor="ctr"/>
+          <a:lstStyle/>
+          <a:p>
+            <a:pPr algn="ctr"/>
+            <a:r>
+              <a:rPr lang="en-US" altLang="ja-JP" dirty="0" smtClean="0"/>
+              <a:t>PostgreSQL </a:t>
+            </a:r>
+          </a:p>
+          <a:p>
+            <a:pPr algn="ctr"/>
+            <a:r>
+              <a:rPr lang="en-US" altLang="ja-JP" dirty="0" smtClean="0"/>
+              <a:t>(on Amazon RDS)</a:t>
+            </a:r>
+            <a:endParaRPr lang="en-US" altLang="ja-JP" dirty="0" smtClean="0"/>
+          </a:p>
+        </p:txBody>
+      </p:sp>
+      <p:sp>
+        <p:nvSpPr>
+          <p:cNvPr id="91" name="テキスト ボックス 90"/>
+          <p:cNvSpPr txBox="1"/>
+          <p:nvPr/>
+        </p:nvSpPr>
+        <p:spPr>
+          <a:xfrm>
+            <a:off x="3333927" y="5972442"/>
+            <a:ext cx="697627" cy="369332"/>
+          </a:xfrm>
+          <a:prstGeom prst="rect">
+            <a:avLst/>
+          </a:prstGeom>
+          <a:noFill/>
+        </p:spPr>
+        <p:txBody>
+          <a:bodyPr wrap="none" rtlCol="0">
+            <a:spAutoFit/>
+          </a:bodyPr>
+          <a:lstStyle/>
+          <a:p>
+            <a:r>
+              <a:rPr kumimoji="1" lang="en-US" altLang="ja-JP" smtClean="0"/>
+              <a:t>5432</a:t>
+            </a:r>
+            <a:endParaRPr kumimoji="1" lang="ja-JP" altLang="en-US" dirty="0"/>
+          </a:p>
+        </p:txBody>
+      </p:sp>
+      <p:cxnSp>
+        <p:nvCxnSpPr>
+          <p:cNvPr id="99" name="直線矢印コネクタ 98"/>
+          <p:cNvCxnSpPr>
+            <a:stCxn id="36" idx="2"/>
+            <a:endCxn id="11" idx="4"/>
+          </p:cNvCxnSpPr>
+          <p:nvPr/>
+        </p:nvCxnSpPr>
+        <p:spPr>
+          <a:xfrm rot="5400000">
+            <a:off x="10077189" y="5444353"/>
+            <a:ext cx="1435356" cy="730759"/>
+          </a:xfrm>
+          <a:prstGeom prst="bentConnector2">
+            <a:avLst/>
+          </a:prstGeom>
+          <a:ln w="38100">
+            <a:solidFill>
+              <a:schemeClr val="bg1">
+                <a:lumMod val="65000"/>
+              </a:schemeClr>
+            </a:solidFill>
+            <a:tailEnd type="triangle"/>
+          </a:ln>
+        </p:spPr>
+        <p:style>
+          <a:lnRef idx="1">
+            <a:schemeClr val="accent1"/>
+          </a:lnRef>
+          <a:fillRef idx="0">
+            <a:schemeClr val="accent1"/>
+          </a:fillRef>
+          <a:effectRef idx="0">
+            <a:schemeClr val="accent1"/>
+          </a:effectRef>
+          <a:fontRef idx="minor">
+            <a:schemeClr val="tx1"/>
+          </a:fontRef>
+        </p:style>
+      </p:cxnSp>
+      <p:pic>
+        <p:nvPicPr>
+          <p:cNvPr id="96" name="図 95"/>
+          <p:cNvPicPr>
+            <a:picLocks noChangeAspect="1"/>
+          </p:cNvPicPr>
+          <p:nvPr/>
+        </p:nvPicPr>
+        <p:blipFill>
+          <a:blip r:embed="rId7"/>
+          <a:stretch>
+            <a:fillRect/>
+          </a:stretch>
+        </p:blipFill>
+        <p:spPr>
+          <a:xfrm>
+            <a:off x="6954786" y="8370665"/>
+            <a:ext cx="647369" cy="375474"/>
+          </a:xfrm>
+          <a:prstGeom prst="rect">
+            <a:avLst/>
+          </a:prstGeom>
+        </p:spPr>
+      </p:pic>
+      <p:sp>
+        <p:nvSpPr>
+          <p:cNvPr id="109" name="テキスト ボックス 108"/>
+          <p:cNvSpPr txBox="1"/>
+          <p:nvPr/>
+        </p:nvSpPr>
+        <p:spPr>
+          <a:xfrm>
+            <a:off x="6668522" y="8734249"/>
+            <a:ext cx="1285929" cy="276999"/>
+          </a:xfrm>
+          <a:prstGeom prst="rect">
+            <a:avLst/>
+          </a:prstGeom>
+          <a:noFill/>
+        </p:spPr>
+        <p:txBody>
+          <a:bodyPr wrap="none" rtlCol="0">
+            <a:spAutoFit/>
+          </a:bodyPr>
+          <a:lstStyle/>
+          <a:p>
+            <a:pPr algn="ctr"/>
+            <a:r>
+              <a:rPr kumimoji="1" lang="en-US" altLang="ja-JP" sz="1200" dirty="0" smtClean="0"/>
+              <a:t>PostgreSQL 9.4</a:t>
+            </a:r>
+            <a:endParaRPr kumimoji="1" lang="ja-JP" altLang="en-US" sz="1200" dirty="0"/>
+          </a:p>
+        </p:txBody>
+      </p:sp>
+      <p:pic>
+        <p:nvPicPr>
+          <p:cNvPr id="110" name="図 109"/>
+          <p:cNvPicPr>
+            <a:picLocks noChangeAspect="1"/>
+          </p:cNvPicPr>
+          <p:nvPr/>
+        </p:nvPicPr>
+        <p:blipFill>
+          <a:blip r:embed="rId7"/>
+          <a:stretch>
+            <a:fillRect/>
+          </a:stretch>
+        </p:blipFill>
+        <p:spPr>
+          <a:xfrm>
+            <a:off x="4716369" y="6567265"/>
+            <a:ext cx="647369" cy="375474"/>
+          </a:xfrm>
+          <a:prstGeom prst="rect">
+            <a:avLst/>
+          </a:prstGeom>
+        </p:spPr>
+      </p:pic>
+      <p:sp>
+        <p:nvSpPr>
+          <p:cNvPr id="111" name="テキスト ボックス 110"/>
+          <p:cNvSpPr txBox="1"/>
+          <p:nvPr/>
+        </p:nvSpPr>
+        <p:spPr>
+          <a:xfrm>
+            <a:off x="5857529" y="6338789"/>
+            <a:ext cx="649567" cy="369332"/>
+          </a:xfrm>
+          <a:prstGeom prst="rect">
+            <a:avLst/>
+          </a:prstGeom>
+          <a:noFill/>
+        </p:spPr>
+        <p:txBody>
+          <a:bodyPr wrap="square" rtlCol="0">
+            <a:spAutoFit/>
+          </a:bodyPr>
+          <a:lstStyle/>
+          <a:p>
+            <a:r>
+              <a:rPr lang="en-US" altLang="ja-JP" smtClean="0">
+                <a:solidFill>
+                  <a:schemeClr val="bg1">
+                    <a:lumMod val="50000"/>
+                  </a:schemeClr>
+                </a:solidFill>
+              </a:rPr>
+              <a:t>OR</a:t>
+            </a:r>
+            <a:endParaRPr kumimoji="1" lang="ja-JP" altLang="en-US" dirty="0">
+              <a:solidFill>
+                <a:schemeClr val="bg1">
+                  <a:lumMod val="50000"/>
                 </a:schemeClr>
               </a:solidFill>
             </a:endParaRPr>

--- a/images.pptx
+++ b/images.pptx
@@ -3728,13 +3728,163 @@
       </p:grpSpPr>
       <p:sp>
         <p:nvSpPr>
+          <p:cNvPr id="119" name="正方形/長方形 118"/>
+          <p:cNvSpPr/>
+          <p:nvPr/>
+        </p:nvSpPr>
+        <p:spPr>
+          <a:xfrm>
+            <a:off x="324461" y="5916571"/>
+            <a:ext cx="5508771" cy="1429609"/>
+          </a:xfrm>
+          <a:prstGeom prst="rect">
+            <a:avLst/>
+          </a:prstGeom>
+          <a:solidFill>
+            <a:schemeClr val="accent4">
+              <a:lumMod val="20000"/>
+              <a:lumOff val="80000"/>
+            </a:schemeClr>
+          </a:solidFill>
+          <a:ln>
+            <a:noFill/>
+            <a:prstDash val="dash"/>
+          </a:ln>
+        </p:spPr>
+        <p:style>
+          <a:lnRef idx="2">
+            <a:schemeClr val="accent1">
+              <a:shade val="50000"/>
+            </a:schemeClr>
+          </a:lnRef>
+          <a:fillRef idx="1">
+            <a:schemeClr val="accent1"/>
+          </a:fillRef>
+          <a:effectRef idx="0">
+            <a:schemeClr val="accent1"/>
+          </a:effectRef>
+          <a:fontRef idx="minor">
+            <a:schemeClr val="lt1"/>
+          </a:fontRef>
+        </p:style>
+        <p:txBody>
+          <a:bodyPr rtlCol="0" anchor="ctr"/>
+          <a:lstStyle/>
+          <a:p>
+            <a:pPr algn="ctr"/>
+            <a:endParaRPr kumimoji="1" lang="ja-JP" altLang="en-US"/>
+          </a:p>
+        </p:txBody>
+      </p:sp>
+      <p:sp>
+        <p:nvSpPr>
+          <p:cNvPr id="115" name="正方形/長方形 114"/>
+          <p:cNvSpPr/>
+          <p:nvPr/>
+        </p:nvSpPr>
+        <p:spPr>
+          <a:xfrm>
+            <a:off x="6550720" y="5248177"/>
+            <a:ext cx="5560804" cy="2096671"/>
+          </a:xfrm>
+          <a:prstGeom prst="rect">
+            <a:avLst/>
+          </a:prstGeom>
+          <a:solidFill>
+            <a:schemeClr val="accent4">
+              <a:lumMod val="20000"/>
+              <a:lumOff val="80000"/>
+            </a:schemeClr>
+          </a:solidFill>
+          <a:ln>
+            <a:noFill/>
+            <a:prstDash val="dash"/>
+          </a:ln>
+        </p:spPr>
+        <p:style>
+          <a:lnRef idx="2">
+            <a:schemeClr val="accent1">
+              <a:shade val="50000"/>
+            </a:schemeClr>
+          </a:lnRef>
+          <a:fillRef idx="1">
+            <a:schemeClr val="accent1"/>
+          </a:fillRef>
+          <a:effectRef idx="0">
+            <a:schemeClr val="accent1"/>
+          </a:effectRef>
+          <a:fontRef idx="minor">
+            <a:schemeClr val="lt1"/>
+          </a:fontRef>
+        </p:style>
+        <p:txBody>
+          <a:bodyPr rtlCol="0" anchor="ctr"/>
+          <a:lstStyle/>
+          <a:p>
+            <a:pPr algn="ctr"/>
+            <a:endParaRPr kumimoji="1" lang="ja-JP" altLang="en-US"/>
+          </a:p>
+        </p:txBody>
+      </p:sp>
+      <p:sp>
+        <p:nvSpPr>
+          <p:cNvPr id="113" name="正方形/長方形 112"/>
+          <p:cNvSpPr/>
+          <p:nvPr/>
+        </p:nvSpPr>
+        <p:spPr>
+          <a:xfrm>
+            <a:off x="324461" y="741027"/>
+            <a:ext cx="11787063" cy="4689529"/>
+          </a:xfrm>
+          <a:prstGeom prst="rect">
+            <a:avLst/>
+          </a:prstGeom>
+          <a:solidFill>
+            <a:schemeClr val="accent4">
+              <a:lumMod val="20000"/>
+              <a:lumOff val="80000"/>
+            </a:schemeClr>
+          </a:solidFill>
+          <a:ln>
+            <a:noFill/>
+            <a:prstDash val="dash"/>
+          </a:ln>
+        </p:spPr>
+        <p:style>
+          <a:lnRef idx="2">
+            <a:schemeClr val="accent1">
+              <a:shade val="50000"/>
+            </a:schemeClr>
+          </a:lnRef>
+          <a:fillRef idx="1">
+            <a:schemeClr val="accent1"/>
+          </a:fillRef>
+          <a:effectRef idx="0">
+            <a:schemeClr val="accent1"/>
+          </a:effectRef>
+          <a:fontRef idx="minor">
+            <a:schemeClr val="lt1"/>
+          </a:fontRef>
+        </p:style>
+        <p:txBody>
+          <a:bodyPr rtlCol="0" anchor="ctr"/>
+          <a:lstStyle/>
+          <a:p>
+            <a:pPr algn="ctr"/>
+            <a:endParaRPr kumimoji="1" lang="ja-JP" altLang="en-US"/>
+          </a:p>
+        </p:txBody>
+      </p:sp>
+      <p:sp>
+        <p:nvSpPr>
           <p:cNvPr id="4" name="角丸四角形 3"/>
           <p:cNvSpPr/>
           <p:nvPr/>
         </p:nvSpPr>
         <p:spPr>
           <a:xfrm>
-            <a:off x="950587" y="4155680"/>
+            <a:off x="970251" y="4155680"/>
             <a:ext cx="1458936" cy="914400"/>
           </a:xfrm>
           <a:prstGeom prst="roundRect">
@@ -3799,7 +3949,7 @@
         </p:nvSpPr>
         <p:spPr>
           <a:xfrm>
-            <a:off x="3335215" y="4155680"/>
+            <a:off x="3354879" y="4155680"/>
             <a:ext cx="1458936" cy="914400"/>
           </a:xfrm>
           <a:prstGeom prst="roundRect">
@@ -3856,7 +4006,7 @@
         </p:nvSpPr>
         <p:spPr>
           <a:xfrm>
-            <a:off x="2175647" y="2737114"/>
+            <a:off x="2195311" y="2737114"/>
             <a:ext cx="1458936" cy="914400"/>
           </a:xfrm>
           <a:prstGeom prst="roundRect">
@@ -3916,7 +4066,7 @@
         </p:nvSpPr>
         <p:spPr>
           <a:xfrm>
-            <a:off x="9344178" y="2737114"/>
+            <a:off x="9363842" y="2737114"/>
             <a:ext cx="1458936" cy="914400"/>
           </a:xfrm>
           <a:prstGeom prst="roundRect">
@@ -3980,7 +4130,7 @@
         </p:nvSpPr>
         <p:spPr>
           <a:xfrm>
-            <a:off x="7386677" y="2737114"/>
+            <a:off x="7406341" y="2737114"/>
             <a:ext cx="1458936" cy="914400"/>
           </a:xfrm>
           <a:prstGeom prst="roundRect">
@@ -4044,7 +4194,7 @@
         </p:nvSpPr>
         <p:spPr>
           <a:xfrm>
-            <a:off x="5380008" y="2747388"/>
+            <a:off x="5399672" y="2747388"/>
             <a:ext cx="1458936" cy="914400"/>
           </a:xfrm>
           <a:prstGeom prst="roundRect">
@@ -4108,7 +4258,7 @@
         </p:nvSpPr>
         <p:spPr>
           <a:xfrm>
-            <a:off x="6791567" y="5978982"/>
+            <a:off x="6811231" y="6067470"/>
             <a:ext cx="3637920" cy="1096855"/>
           </a:xfrm>
           <a:prstGeom prst="can">
@@ -4165,7 +4315,7 @@
         </p:nvSpPr>
         <p:spPr>
           <a:xfrm>
-            <a:off x="7416449" y="7169347"/>
+            <a:off x="7436113" y="7424985"/>
             <a:ext cx="1176388" cy="629167"/>
           </a:xfrm>
           <a:prstGeom prst="rect">
@@ -4207,7 +4357,7 @@
         </p:nvSpPr>
         <p:spPr>
           <a:xfrm>
-            <a:off x="5529278" y="7179621"/>
+            <a:off x="5548942" y="7435259"/>
             <a:ext cx="1176389" cy="618893"/>
           </a:xfrm>
           <a:prstGeom prst="rect">
@@ -4249,7 +4399,7 @@
         </p:nvSpPr>
         <p:spPr>
           <a:xfrm>
-            <a:off x="178399" y="8134488"/>
+            <a:off x="198063" y="8380298"/>
             <a:ext cx="11803502" cy="1016484"/>
           </a:xfrm>
           <a:prstGeom prst="rect">
@@ -4298,7 +4448,7 @@
         </p:nvSpPr>
         <p:spPr>
           <a:xfrm>
-            <a:off x="5234623" y="2424020"/>
+            <a:off x="5254287" y="2424020"/>
             <a:ext cx="697627" cy="369332"/>
           </a:xfrm>
           <a:prstGeom prst="rect">
@@ -4328,7 +4478,7 @@
         </p:nvSpPr>
         <p:spPr>
           <a:xfrm>
-            <a:off x="7243851" y="2429426"/>
+            <a:off x="7263515" y="2429426"/>
             <a:ext cx="697627" cy="369332"/>
           </a:xfrm>
           <a:prstGeom prst="rect">
@@ -4358,7 +4508,7 @@
         </p:nvSpPr>
         <p:spPr>
           <a:xfrm>
-            <a:off x="9170023" y="2436010"/>
+            <a:off x="9189687" y="2436010"/>
             <a:ext cx="697627" cy="369332"/>
           </a:xfrm>
           <a:prstGeom prst="rect">
@@ -4388,7 +4538,7 @@
         </p:nvSpPr>
         <p:spPr>
           <a:xfrm>
-            <a:off x="2208250" y="2439443"/>
+            <a:off x="2227914" y="2439443"/>
             <a:ext cx="697627" cy="369332"/>
           </a:xfrm>
           <a:prstGeom prst="rect">
@@ -4418,7 +4568,7 @@
         </p:nvSpPr>
         <p:spPr>
           <a:xfrm>
-            <a:off x="4198090" y="3853013"/>
+            <a:off x="4217754" y="3853013"/>
             <a:ext cx="697627" cy="369332"/>
           </a:xfrm>
           <a:prstGeom prst="rect">
@@ -4448,7 +4598,7 @@
         </p:nvSpPr>
         <p:spPr>
           <a:xfrm>
-            <a:off x="820861" y="3860732"/>
+            <a:off x="840525" y="3860732"/>
             <a:ext cx="697627" cy="369332"/>
           </a:xfrm>
           <a:prstGeom prst="rect">
@@ -4480,7 +4630,7 @@
         </p:nvCxnSpPr>
         <p:spPr>
           <a:xfrm>
-            <a:off x="4064683" y="5070080"/>
+            <a:off x="4084347" y="5070080"/>
             <a:ext cx="0" cy="658549"/>
           </a:xfrm>
           <a:prstGeom prst="straightConnector1">
@@ -4520,7 +4670,7 @@
         </p:nvCxnSpPr>
         <p:spPr>
           <a:xfrm>
-            <a:off x="1680055" y="5070080"/>
+            <a:off x="1699719" y="5070080"/>
             <a:ext cx="0" cy="681113"/>
           </a:xfrm>
           <a:prstGeom prst="straightConnector1">
@@ -4560,7 +4710,7 @@
         </p:nvCxnSpPr>
         <p:spPr>
           <a:xfrm>
-            <a:off x="6109476" y="3661788"/>
+            <a:off x="6129140" y="3661788"/>
             <a:ext cx="0" cy="2066841"/>
           </a:xfrm>
           <a:prstGeom prst="straightConnector1">
@@ -4600,7 +4750,7 @@
         </p:nvCxnSpPr>
         <p:spPr>
           <a:xfrm>
-            <a:off x="8116145" y="3651514"/>
+            <a:off x="8135809" y="3651514"/>
             <a:ext cx="0" cy="2077115"/>
           </a:xfrm>
           <a:prstGeom prst="straightConnector1">
@@ -4640,7 +4790,7 @@
         </p:nvCxnSpPr>
         <p:spPr>
           <a:xfrm>
-            <a:off x="10073646" y="3651514"/>
+            <a:off x="10093310" y="3651514"/>
             <a:ext cx="0" cy="2099679"/>
           </a:xfrm>
           <a:prstGeom prst="straightConnector1">
@@ -4680,7 +4830,7 @@
         </p:nvCxnSpPr>
         <p:spPr>
           <a:xfrm>
-            <a:off x="2905115" y="3651514"/>
+            <a:off x="2924779" y="3651514"/>
             <a:ext cx="502858" cy="545135"/>
           </a:xfrm>
           <a:prstGeom prst="straightConnector1">
@@ -4721,7 +4871,7 @@
         </p:nvCxnSpPr>
         <p:spPr>
           <a:xfrm flipH="1">
-            <a:off x="2335281" y="3651514"/>
+            <a:off x="2354945" y="3651514"/>
             <a:ext cx="569834" cy="561558"/>
           </a:xfrm>
           <a:prstGeom prst="straightConnector1">
@@ -4760,8 +4910,8 @@
         </p:nvSpPr>
         <p:spPr>
           <a:xfrm>
-            <a:off x="567548" y="32164"/>
-            <a:ext cx="11142671" cy="524544"/>
+            <a:off x="324461" y="-115318"/>
+            <a:ext cx="11787063" cy="524544"/>
           </a:xfrm>
           <a:prstGeom prst="roundRect">
             <a:avLst/>
@@ -4803,8 +4953,8 @@
         </p:nvCxnSpPr>
         <p:spPr>
           <a:xfrm>
-            <a:off x="2905115" y="556708"/>
-            <a:ext cx="0" cy="2180406"/>
+            <a:off x="2918532" y="409226"/>
+            <a:ext cx="6247" cy="2327888"/>
           </a:xfrm>
           <a:prstGeom prst="straightConnector1">
             <a:avLst/>
@@ -4844,8 +4994,8 @@
         </p:nvCxnSpPr>
         <p:spPr>
           <a:xfrm>
-            <a:off x="4047122" y="568687"/>
-            <a:ext cx="17561" cy="3586993"/>
+            <a:off x="4070368" y="409226"/>
+            <a:ext cx="13979" cy="3746454"/>
           </a:xfrm>
           <a:prstGeom prst="straightConnector1">
             <a:avLst/>
@@ -4885,8 +5035,8 @@
         </p:nvCxnSpPr>
         <p:spPr>
           <a:xfrm>
-            <a:off x="6109476" y="568687"/>
-            <a:ext cx="0" cy="2178701"/>
+            <a:off x="6129140" y="409226"/>
+            <a:ext cx="0" cy="2338162"/>
           </a:xfrm>
           <a:prstGeom prst="straightConnector1">
             <a:avLst/>
@@ -4926,8 +5076,8 @@
         </p:nvCxnSpPr>
         <p:spPr>
           <a:xfrm>
-            <a:off x="8116145" y="568687"/>
-            <a:ext cx="0" cy="2168427"/>
+            <a:off x="8135809" y="409226"/>
+            <a:ext cx="0" cy="2327888"/>
           </a:xfrm>
           <a:prstGeom prst="straightConnector1">
             <a:avLst/>
@@ -4967,8 +5117,8 @@
         </p:nvCxnSpPr>
         <p:spPr>
           <a:xfrm>
-            <a:off x="10073646" y="556708"/>
-            <a:ext cx="0" cy="2180406"/>
+            <a:off x="10075685" y="409226"/>
+            <a:ext cx="17625" cy="2327888"/>
           </a:xfrm>
           <a:prstGeom prst="straightConnector1">
             <a:avLst/>
@@ -5006,7 +5156,7 @@
         </p:nvSpPr>
         <p:spPr>
           <a:xfrm>
-            <a:off x="829299" y="2219820"/>
+            <a:off x="848963" y="2219820"/>
             <a:ext cx="1234633" cy="369332"/>
           </a:xfrm>
           <a:prstGeom prst="rect">
@@ -5072,7 +5222,7 @@
         </p:nvSpPr>
         <p:spPr>
           <a:xfrm>
-            <a:off x="2577623" y="3873484"/>
+            <a:off x="2597287" y="3873484"/>
             <a:ext cx="638316" cy="646331"/>
           </a:xfrm>
           <a:prstGeom prst="rect">
@@ -5126,7 +5276,7 @@
         </p:nvSpPr>
         <p:spPr>
           <a:xfrm>
-            <a:off x="3735101" y="7179712"/>
+            <a:off x="3754765" y="7435350"/>
             <a:ext cx="1176389" cy="618893"/>
           </a:xfrm>
           <a:prstGeom prst="rect">
@@ -5176,7 +5326,7 @@
         </p:nvSpPr>
         <p:spPr>
           <a:xfrm>
-            <a:off x="90167" y="9235276"/>
+            <a:off x="109831" y="9481086"/>
             <a:ext cx="3066377" cy="369332"/>
           </a:xfrm>
           <a:prstGeom prst="rect">
@@ -5221,12 +5371,12 @@
         </p:nvCxnSpPr>
         <p:spPr>
           <a:xfrm rot="10800000" flipV="1">
-            <a:off x="522031" y="3194314"/>
-            <a:ext cx="1653616" cy="3616974"/>
+            <a:off x="198063" y="3194314"/>
+            <a:ext cx="1997248" cy="3776282"/>
           </a:xfrm>
           <a:prstGeom prst="bentConnector3">
             <a:avLst>
-              <a:gd name="adj1" fmla="val 120365"/>
+              <a:gd name="adj1" fmla="val 111446"/>
             </a:avLst>
           </a:prstGeom>
           <a:ln w="38100">
@@ -5261,7 +5411,7 @@
         </p:nvSpPr>
         <p:spPr>
           <a:xfrm>
-            <a:off x="10430778" y="4177654"/>
+            <a:off x="10450442" y="4177654"/>
             <a:ext cx="1458936" cy="914400"/>
           </a:xfrm>
           <a:prstGeom prst="roundRect">
@@ -5317,7 +5467,7 @@
         </p:nvSpPr>
         <p:spPr>
           <a:xfrm>
-            <a:off x="8306515" y="5935958"/>
+            <a:off x="8326179" y="6024446"/>
             <a:ext cx="825867" cy="369332"/>
           </a:xfrm>
           <a:prstGeom prst="rect">
@@ -5349,8 +5499,8 @@
         </p:nvCxnSpPr>
         <p:spPr>
           <a:xfrm flipH="1">
-            <a:off x="11160246" y="224558"/>
-            <a:ext cx="1" cy="3953096"/>
+            <a:off x="11179910" y="409226"/>
+            <a:ext cx="1" cy="3768428"/>
           </a:xfrm>
           <a:prstGeom prst="straightConnector1">
             <a:avLst/>
@@ -5388,7 +5538,7 @@
         </p:nvSpPr>
         <p:spPr>
           <a:xfrm>
-            <a:off x="11265993" y="3868198"/>
+            <a:off x="11285657" y="3868198"/>
             <a:ext cx="825867" cy="369332"/>
           </a:xfrm>
           <a:prstGeom prst="rect">
@@ -5418,7 +5568,7 @@
         </p:nvSpPr>
         <p:spPr>
           <a:xfrm>
-            <a:off x="620811" y="2508473"/>
+            <a:off x="640475" y="2508473"/>
             <a:ext cx="1375698" cy="461665"/>
           </a:xfrm>
           <a:prstGeom prst="rect">
@@ -5477,7 +5627,7 @@
         </p:nvSpPr>
         <p:spPr>
           <a:xfrm>
-            <a:off x="1261798" y="8373635"/>
+            <a:off x="1281462" y="8619445"/>
             <a:ext cx="1117436" cy="594722"/>
           </a:xfrm>
           <a:prstGeom prst="roundRect">
@@ -5518,7 +5668,7 @@
         </p:nvSpPr>
         <p:spPr>
           <a:xfrm>
-            <a:off x="2540874" y="8377242"/>
+            <a:off x="2560538" y="8623052"/>
             <a:ext cx="939885" cy="591116"/>
           </a:xfrm>
           <a:prstGeom prst="can">
@@ -5560,7 +5710,7 @@
         </p:nvSpPr>
         <p:spPr>
           <a:xfrm>
-            <a:off x="3710650" y="8373636"/>
+            <a:off x="3730314" y="8619446"/>
             <a:ext cx="811805" cy="594722"/>
           </a:xfrm>
           <a:prstGeom prst="rect">
@@ -5602,7 +5752,7 @@
         </p:nvCxnSpPr>
         <p:spPr>
           <a:xfrm>
-            <a:off x="8944863" y="8892777"/>
+            <a:off x="8964527" y="9138587"/>
             <a:ext cx="817620" cy="0"/>
           </a:xfrm>
           <a:prstGeom prst="straightConnector1">
@@ -5641,7 +5791,7 @@
         </p:nvSpPr>
         <p:spPr>
           <a:xfrm>
-            <a:off x="9026537" y="8399681"/>
+            <a:off x="9046201" y="8645491"/>
             <a:ext cx="671979" cy="461665"/>
           </a:xfrm>
           <a:prstGeom prst="rect">
@@ -5677,7 +5827,7 @@
         </p:nvCxnSpPr>
         <p:spPr>
           <a:xfrm>
-            <a:off x="10976156" y="8892413"/>
+            <a:off x="10995820" y="9138223"/>
             <a:ext cx="817620" cy="0"/>
           </a:xfrm>
           <a:prstGeom prst="straightConnector1">
@@ -5715,7 +5865,7 @@
         </p:nvSpPr>
         <p:spPr>
           <a:xfrm>
-            <a:off x="11034384" y="8525003"/>
+            <a:off x="11054048" y="8770813"/>
             <a:ext cx="569387" cy="276999"/>
           </a:xfrm>
           <a:prstGeom prst="rect">
@@ -5745,7 +5895,7 @@
         </p:nvCxnSpPr>
         <p:spPr>
           <a:xfrm>
-            <a:off x="9974347" y="8892513"/>
+            <a:off x="9994011" y="9138323"/>
             <a:ext cx="817620" cy="0"/>
           </a:xfrm>
           <a:prstGeom prst="straightConnector1">
@@ -5784,7 +5934,7 @@
         </p:nvSpPr>
         <p:spPr>
           <a:xfrm>
-            <a:off x="10056021" y="8411140"/>
+            <a:off x="10075685" y="8656950"/>
             <a:ext cx="692818" cy="461665"/>
           </a:xfrm>
           <a:prstGeom prst="rect">
@@ -5820,7 +5970,7 @@
         </p:nvSpPr>
         <p:spPr>
           <a:xfrm>
-            <a:off x="567549" y="2175557"/>
+            <a:off x="587213" y="2175557"/>
             <a:ext cx="4484478" cy="3133440"/>
           </a:xfrm>
           <a:prstGeom prst="rect">
@@ -5867,7 +6017,7 @@
         </p:nvSpPr>
         <p:spPr>
           <a:xfrm>
-            <a:off x="156744" y="8134325"/>
+            <a:off x="176408" y="8380135"/>
             <a:ext cx="1037463" cy="369332"/>
           </a:xfrm>
           <a:prstGeom prst="rect">
@@ -5909,8 +6059,8 @@
         </p:nvSpPr>
         <p:spPr>
           <a:xfrm>
-            <a:off x="739996" y="1288972"/>
-            <a:ext cx="10825867" cy="478037"/>
+            <a:off x="1835287" y="1288972"/>
+            <a:ext cx="9750240" cy="478037"/>
           </a:xfrm>
           <a:prstGeom prst="roundRect">
             <a:avLst/>
@@ -5972,7 +6122,7 @@
         </p:blipFill>
         <p:spPr bwMode="auto">
           <a:xfrm>
-            <a:off x="6565507" y="1377068"/>
+            <a:off x="7224470" y="1348972"/>
             <a:ext cx="1208719" cy="341171"/>
           </a:xfrm>
           <a:prstGeom prst="rect">
@@ -6015,7 +6165,7 @@
         </p:blipFill>
         <p:spPr bwMode="auto">
           <a:xfrm>
-            <a:off x="2049531" y="4789609"/>
+            <a:off x="2069195" y="4789609"/>
             <a:ext cx="475335" cy="338999"/>
           </a:xfrm>
           <a:prstGeom prst="rect">
@@ -6058,7 +6208,7 @@
         </p:blipFill>
         <p:spPr bwMode="auto">
           <a:xfrm>
-            <a:off x="4417198" y="4792135"/>
+            <a:off x="4436862" y="4792135"/>
             <a:ext cx="475335" cy="338999"/>
           </a:xfrm>
           <a:prstGeom prst="rect">
@@ -6101,7 +6251,7 @@
         </p:blipFill>
         <p:spPr bwMode="auto">
           <a:xfrm>
-            <a:off x="3257496" y="3385587"/>
+            <a:off x="3277160" y="3385587"/>
             <a:ext cx="475335" cy="338999"/>
           </a:xfrm>
           <a:prstGeom prst="rect">
@@ -6144,7 +6294,7 @@
         </p:blipFill>
         <p:spPr bwMode="auto">
           <a:xfrm>
-            <a:off x="6483556" y="3391358"/>
+            <a:off x="6503220" y="3391358"/>
             <a:ext cx="475335" cy="338999"/>
           </a:xfrm>
           <a:prstGeom prst="rect">
@@ -6187,7 +6337,7 @@
         </p:blipFill>
         <p:spPr bwMode="auto">
           <a:xfrm>
-            <a:off x="8481782" y="3381845"/>
+            <a:off x="8501446" y="3381845"/>
             <a:ext cx="475335" cy="338999"/>
           </a:xfrm>
           <a:prstGeom prst="rect">
@@ -6230,7 +6380,7 @@
         </p:blipFill>
         <p:spPr bwMode="auto">
           <a:xfrm>
-            <a:off x="10429434" y="3393568"/>
+            <a:off x="10449098" y="3393568"/>
             <a:ext cx="475335" cy="338999"/>
           </a:xfrm>
           <a:prstGeom prst="rect">
@@ -6273,7 +6423,7 @@
         </p:blipFill>
         <p:spPr bwMode="auto">
           <a:xfrm>
-            <a:off x="11506566" y="4818767"/>
+            <a:off x="11526230" y="4818767"/>
             <a:ext cx="475335" cy="338999"/>
           </a:xfrm>
           <a:prstGeom prst="rect">
@@ -6299,7 +6449,7 @@
         </p:nvSpPr>
         <p:spPr>
           <a:xfrm>
-            <a:off x="7610271" y="1360121"/>
+            <a:off x="8356759" y="1349311"/>
             <a:ext cx="450764" cy="369332"/>
           </a:xfrm>
           <a:prstGeom prst="rect">
@@ -6352,7 +6502,7 @@
         </p:blipFill>
         <p:spPr bwMode="auto">
           <a:xfrm>
-            <a:off x="4778401" y="8485372"/>
+            <a:off x="4798065" y="8731182"/>
             <a:ext cx="777823" cy="219547"/>
           </a:xfrm>
           <a:prstGeom prst="rect">
@@ -6395,7 +6545,7 @@
         </p:blipFill>
         <p:spPr bwMode="auto">
           <a:xfrm>
-            <a:off x="5899446" y="8390079"/>
+            <a:off x="5919110" y="8635889"/>
             <a:ext cx="475335" cy="338999"/>
           </a:xfrm>
           <a:prstGeom prst="rect">
@@ -6421,7 +6571,7 @@
         </p:nvSpPr>
         <p:spPr>
           <a:xfrm>
-            <a:off x="4682423" y="8736306"/>
+            <a:off x="4702087" y="8982116"/>
             <a:ext cx="970137" cy="276999"/>
           </a:xfrm>
           <a:prstGeom prst="rect">
@@ -6451,7 +6601,7 @@
         </p:nvSpPr>
         <p:spPr>
           <a:xfrm>
-            <a:off x="5663002" y="8740663"/>
+            <a:off x="5682666" y="8986473"/>
             <a:ext cx="974947" cy="276999"/>
           </a:xfrm>
           <a:prstGeom prst="rect">
@@ -6496,7 +6646,7 @@
         </p:blipFill>
         <p:spPr bwMode="auto">
           <a:xfrm>
-            <a:off x="9717150" y="6625308"/>
+            <a:off x="9736814" y="6694132"/>
             <a:ext cx="661640" cy="360010"/>
           </a:xfrm>
           <a:prstGeom prst="rect">
@@ -6537,7 +6687,7 @@
         </p:blipFill>
         <p:spPr bwMode="auto">
           <a:xfrm>
-            <a:off x="8028927" y="8370013"/>
+            <a:off x="8048591" y="8615823"/>
             <a:ext cx="657855" cy="357950"/>
           </a:xfrm>
           <a:prstGeom prst="rect">
@@ -6563,7 +6713,7 @@
         </p:nvSpPr>
         <p:spPr>
           <a:xfrm>
-            <a:off x="8048229" y="8736307"/>
+            <a:off x="8067893" y="8982117"/>
             <a:ext cx="638315" cy="276999"/>
           </a:xfrm>
           <a:prstGeom prst="rect">
@@ -6594,7 +6744,7 @@
         </p:nvSpPr>
         <p:spPr>
           <a:xfrm>
-            <a:off x="2058573" y="949243"/>
+            <a:off x="2078237" y="949243"/>
             <a:ext cx="840295" cy="369332"/>
           </a:xfrm>
           <a:prstGeom prst="rect">
@@ -6632,7 +6782,7 @@
         </p:nvSpPr>
         <p:spPr>
           <a:xfrm>
-            <a:off x="3200791" y="940298"/>
+            <a:off x="3220455" y="940298"/>
             <a:ext cx="849913" cy="369332"/>
           </a:xfrm>
           <a:prstGeom prst="rect">
@@ -6670,7 +6820,7 @@
         </p:nvSpPr>
         <p:spPr>
           <a:xfrm>
-            <a:off x="5325032" y="956295"/>
+            <a:off x="5344696" y="956295"/>
             <a:ext cx="798617" cy="369332"/>
           </a:xfrm>
           <a:prstGeom prst="rect">
@@ -6708,7 +6858,7 @@
         </p:nvSpPr>
         <p:spPr>
           <a:xfrm>
-            <a:off x="7351020" y="963531"/>
+            <a:off x="7370684" y="963531"/>
             <a:ext cx="798617" cy="369332"/>
           </a:xfrm>
           <a:prstGeom prst="rect">
@@ -6746,7 +6896,7 @@
         </p:nvSpPr>
         <p:spPr>
           <a:xfrm>
-            <a:off x="9305769" y="950804"/>
+            <a:off x="9325433" y="950804"/>
             <a:ext cx="798617" cy="369332"/>
           </a:xfrm>
           <a:prstGeom prst="rect">
@@ -6784,7 +6934,7 @@
         </p:nvSpPr>
         <p:spPr>
           <a:xfrm>
-            <a:off x="10667101" y="969794"/>
+            <a:off x="10686765" y="969794"/>
             <a:ext cx="564578" cy="369332"/>
           </a:xfrm>
           <a:prstGeom prst="rect">
@@ -6818,8 +6968,8 @@
         </p:nvSpPr>
         <p:spPr>
           <a:xfrm>
-            <a:off x="558144" y="855398"/>
-            <a:ext cx="11152075" cy="1055385"/>
+            <a:off x="1699719" y="855398"/>
+            <a:ext cx="10030164" cy="1055385"/>
           </a:xfrm>
           <a:prstGeom prst="rect">
             <a:avLst/>
@@ -6861,59 +7011,14 @@
       </p:sp>
       <p:sp>
         <p:nvSpPr>
-          <p:cNvPr id="114" name="テキスト ボックス 113"/>
-          <p:cNvSpPr txBox="1"/>
-          <p:nvPr/>
-        </p:nvSpPr>
-        <p:spPr>
-          <a:xfrm>
-            <a:off x="567548" y="890492"/>
-            <a:ext cx="1083951" cy="369332"/>
-          </a:xfrm>
-          <a:prstGeom prst="rect">
-            <a:avLst/>
-          </a:prstGeom>
-          <a:noFill/>
-        </p:spPr>
-        <p:txBody>
-          <a:bodyPr wrap="none" rtlCol="0">
-            <a:spAutoFit/>
-          </a:bodyPr>
-          <a:lstStyle/>
-          <a:p>
-            <a:pPr algn="ctr"/>
-            <a:r>
-              <a:rPr lang="en-US" altLang="ja-JP" smtClean="0">
-                <a:solidFill>
-                  <a:schemeClr val="tx1">
-                    <a:lumMod val="50000"/>
-                    <a:lumOff val="50000"/>
-                  </a:schemeClr>
-                </a:solidFill>
-              </a:rPr>
-              <a:t>Optional</a:t>
-            </a:r>
-            <a:endParaRPr kumimoji="1" lang="ja-JP" altLang="en-US" dirty="0">
-              <a:solidFill>
-                <a:schemeClr val="tx1">
-                  <a:lumMod val="50000"/>
-                  <a:lumOff val="50000"/>
-                </a:schemeClr>
-              </a:solidFill>
-            </a:endParaRPr>
-          </a:p>
-        </p:txBody>
-      </p:sp>
-      <p:sp>
-        <p:nvSpPr>
           <p:cNvPr id="86" name="正方形/長方形 85"/>
           <p:cNvSpPr/>
           <p:nvPr/>
         </p:nvSpPr>
         <p:spPr>
           <a:xfrm>
-            <a:off x="522031" y="5728629"/>
-            <a:ext cx="11188188" cy="2165318"/>
+            <a:off x="198063" y="5728629"/>
+            <a:ext cx="11531820" cy="2483934"/>
           </a:xfrm>
           <a:prstGeom prst="rect">
             <a:avLst/>
@@ -6962,7 +7067,7 @@
         </p:nvSpPr>
         <p:spPr>
           <a:xfrm>
-            <a:off x="1815623" y="6004048"/>
+            <a:off x="1766462" y="6092536"/>
             <a:ext cx="3637920" cy="1096855"/>
           </a:xfrm>
           <a:prstGeom prst="can">
@@ -7011,7 +7116,7 @@
         </p:nvSpPr>
         <p:spPr>
           <a:xfrm>
-            <a:off x="3333927" y="5972442"/>
+            <a:off x="3333927" y="6051098"/>
             <a:ext cx="697627" cy="369332"/>
           </a:xfrm>
           <a:prstGeom prst="rect">
@@ -7044,8 +7149,8 @@
         </p:nvCxnSpPr>
         <p:spPr>
           <a:xfrm rot="5400000">
-            <a:off x="10077189" y="5444353"/>
-            <a:ext cx="1435356" cy="730759"/>
+            <a:off x="10052609" y="5488597"/>
+            <a:ext cx="1523844" cy="730759"/>
           </a:xfrm>
           <a:prstGeom prst="bentConnector2">
             <a:avLst/>
@@ -7090,7 +7195,7 @@
         </p:blipFill>
         <p:spPr>
           <a:xfrm>
-            <a:off x="6954786" y="8370665"/>
+            <a:off x="6974450" y="8616475"/>
             <a:ext cx="647369" cy="375474"/>
           </a:xfrm>
           <a:prstGeom prst="rect">
@@ -7106,7 +7211,7 @@
         </p:nvSpPr>
         <p:spPr>
           <a:xfrm>
-            <a:off x="6668522" y="8734249"/>
+            <a:off x="6688186" y="8980059"/>
             <a:ext cx="1285929" cy="276999"/>
           </a:xfrm>
           <a:prstGeom prst="rect">
@@ -7145,7 +7250,7 @@
         </p:blipFill>
         <p:spPr>
           <a:xfrm>
-            <a:off x="4716369" y="6567265"/>
+            <a:off x="4647543" y="6655753"/>
             <a:ext cx="647369" cy="375474"/>
           </a:xfrm>
           <a:prstGeom prst="rect">
@@ -7161,7 +7266,7 @@
         </p:nvSpPr>
         <p:spPr>
           <a:xfrm>
-            <a:off x="5857529" y="6338789"/>
+            <a:off x="5936186" y="6427277"/>
             <a:ext cx="649567" cy="369332"/>
           </a:xfrm>
           <a:prstGeom prst="rect">
@@ -7195,6 +7300,116 @@
           </a:p>
         </p:txBody>
       </p:sp>
+      <p:pic>
+        <p:nvPicPr>
+          <p:cNvPr id="107" name="図 106"/>
+          <p:cNvPicPr>
+            <a:picLocks noChangeAspect="1"/>
+          </p:cNvPicPr>
+          <p:nvPr/>
+        </p:nvPicPr>
+        <p:blipFill>
+          <a:blip r:embed="rId8"/>
+          <a:stretch>
+            <a:fillRect/>
+          </a:stretch>
+        </p:blipFill>
+        <p:spPr>
+          <a:xfrm>
+            <a:off x="377971" y="776518"/>
+            <a:ext cx="1096979" cy="1171833"/>
+          </a:xfrm>
+          <a:prstGeom prst="rect">
+            <a:avLst/>
+          </a:prstGeom>
+          <a:solidFill>
+            <a:schemeClr val="accent4">
+              <a:lumMod val="20000"/>
+              <a:lumOff val="80000"/>
+            </a:schemeClr>
+          </a:solidFill>
+          <a:ln>
+            <a:solidFill>
+              <a:schemeClr val="accent4">
+                <a:lumMod val="20000"/>
+                <a:lumOff val="80000"/>
+              </a:schemeClr>
+            </a:solidFill>
+          </a:ln>
+        </p:spPr>
+      </p:pic>
+      <p:pic>
+        <p:nvPicPr>
+          <p:cNvPr id="116" name="図 115"/>
+          <p:cNvPicPr>
+            <a:picLocks noChangeAspect="1"/>
+          </p:cNvPicPr>
+          <p:nvPr/>
+        </p:nvPicPr>
+        <p:blipFill>
+          <a:blip r:embed="rId9"/>
+          <a:stretch>
+            <a:fillRect/>
+          </a:stretch>
+        </p:blipFill>
+        <p:spPr>
+          <a:xfrm>
+            <a:off x="388422" y="5978395"/>
+            <a:ext cx="1065224" cy="1310615"/>
+          </a:xfrm>
+          <a:prstGeom prst="rect">
+            <a:avLst/>
+          </a:prstGeom>
+        </p:spPr>
+      </p:pic>
+      <p:pic>
+        <p:nvPicPr>
+          <p:cNvPr id="136" name="図 135"/>
+          <p:cNvPicPr>
+            <a:picLocks noChangeAspect="1"/>
+          </p:cNvPicPr>
+          <p:nvPr/>
+        </p:nvPicPr>
+        <p:blipFill>
+          <a:blip r:embed="rId10"/>
+          <a:stretch>
+            <a:fillRect/>
+          </a:stretch>
+        </p:blipFill>
+        <p:spPr>
+          <a:xfrm>
+            <a:off x="487124" y="440156"/>
+            <a:ext cx="877000" cy="456040"/>
+          </a:xfrm>
+          <a:prstGeom prst="rect">
+            <a:avLst/>
+          </a:prstGeom>
+        </p:spPr>
+      </p:pic>
+      <p:pic>
+        <p:nvPicPr>
+          <p:cNvPr id="140" name="図 139"/>
+          <p:cNvPicPr>
+            <a:picLocks noChangeAspect="1"/>
+          </p:cNvPicPr>
+          <p:nvPr/>
+        </p:nvPicPr>
+        <p:blipFill>
+          <a:blip r:embed="rId10"/>
+          <a:stretch>
+            <a:fillRect/>
+          </a:stretch>
+        </p:blipFill>
+        <p:spPr>
+          <a:xfrm>
+            <a:off x="490727" y="5546014"/>
+            <a:ext cx="877000" cy="456040"/>
+          </a:xfrm>
+          <a:prstGeom prst="rect">
+            <a:avLst/>
+          </a:prstGeom>
+        </p:spPr>
+      </p:pic>
     </p:spTree>
     <p:extLst>
       <p:ext uri="{BB962C8B-B14F-4D97-AF65-F5344CB8AC3E}">

--- a/images.pptx
+++ b/images.pptx
@@ -7095,16 +7095,8 @@
             <a:pPr algn="ctr"/>
             <a:r>
               <a:rPr lang="en-US" altLang="ja-JP" dirty="0" smtClean="0"/>
-              <a:t>PostgreSQL </a:t>
-            </a:r>
-          </a:p>
-          <a:p>
-            <a:pPr algn="ctr"/>
-            <a:r>
-              <a:rPr lang="en-US" altLang="ja-JP" dirty="0" smtClean="0"/>
-              <a:t>(on Amazon RDS)</a:t>
-            </a:r>
-            <a:endParaRPr lang="en-US" altLang="ja-JP" dirty="0" smtClean="0"/>
+              <a:t>PostgreSQL</a:t>
+            </a:r>
           </a:p>
         </p:txBody>
       </p:sp>

--- a/images.pptx
+++ b/images.pptx
@@ -197,7 +197,7 @@
           <a:p>
             <a:fld id="{BC451F63-61CF-B94D-955A-F098561CC757}" type="datetimeFigureOut">
               <a:rPr kumimoji="1" lang="ja-JP" altLang="en-US" smtClean="0"/>
-              <a:t>2016/3/5</a:t>
+              <a:t>2016/3/6</a:t>
             </a:fld>
             <a:endParaRPr kumimoji="1" lang="ja-JP" altLang="en-US"/>
           </a:p>
@@ -712,7 +712,7 @@
           <a:p>
             <a:fld id="{D2D8EA25-67A6-EA48-A0F9-B2976239D8A5}" type="datetimeFigureOut">
               <a:rPr kumimoji="1" lang="ja-JP" altLang="en-US" smtClean="0"/>
-              <a:t>2016/3/5</a:t>
+              <a:t>2016/3/6</a:t>
             </a:fld>
             <a:endParaRPr kumimoji="1" lang="ja-JP" altLang="en-US"/>
           </a:p>
@@ -914,7 +914,7 @@
           <a:p>
             <a:fld id="{D2D8EA25-67A6-EA48-A0F9-B2976239D8A5}" type="datetimeFigureOut">
               <a:rPr kumimoji="1" lang="ja-JP" altLang="en-US" smtClean="0"/>
-              <a:t>2016/3/5</a:t>
+              <a:t>2016/3/6</a:t>
             </a:fld>
             <a:endParaRPr kumimoji="1" lang="ja-JP" altLang="en-US"/>
           </a:p>
@@ -1126,7 +1126,7 @@
           <a:p>
             <a:fld id="{D2D8EA25-67A6-EA48-A0F9-B2976239D8A5}" type="datetimeFigureOut">
               <a:rPr kumimoji="1" lang="ja-JP" altLang="en-US" smtClean="0"/>
-              <a:t>2016/3/5</a:t>
+              <a:t>2016/3/6</a:t>
             </a:fld>
             <a:endParaRPr kumimoji="1" lang="ja-JP" altLang="en-US"/>
           </a:p>
@@ -1328,7 +1328,7 @@
           <a:p>
             <a:fld id="{D2D8EA25-67A6-EA48-A0F9-B2976239D8A5}" type="datetimeFigureOut">
               <a:rPr kumimoji="1" lang="ja-JP" altLang="en-US" smtClean="0"/>
-              <a:t>2016/3/5</a:t>
+              <a:t>2016/3/6</a:t>
             </a:fld>
             <a:endParaRPr kumimoji="1" lang="ja-JP" altLang="en-US"/>
           </a:p>
@@ -1574,7 +1574,7 @@
           <a:p>
             <a:fld id="{D2D8EA25-67A6-EA48-A0F9-B2976239D8A5}" type="datetimeFigureOut">
               <a:rPr kumimoji="1" lang="ja-JP" altLang="en-US" smtClean="0"/>
-              <a:t>2016/3/5</a:t>
+              <a:t>2016/3/6</a:t>
             </a:fld>
             <a:endParaRPr kumimoji="1" lang="ja-JP" altLang="en-US"/>
           </a:p>
@@ -1870,7 +1870,7 @@
           <a:p>
             <a:fld id="{D2D8EA25-67A6-EA48-A0F9-B2976239D8A5}" type="datetimeFigureOut">
               <a:rPr kumimoji="1" lang="ja-JP" altLang="en-US" smtClean="0"/>
-              <a:t>2016/3/5</a:t>
+              <a:t>2016/3/6</a:t>
             </a:fld>
             <a:endParaRPr kumimoji="1" lang="ja-JP" altLang="en-US"/>
           </a:p>
@@ -2301,7 +2301,7 @@
           <a:p>
             <a:fld id="{D2D8EA25-67A6-EA48-A0F9-B2976239D8A5}" type="datetimeFigureOut">
               <a:rPr kumimoji="1" lang="ja-JP" altLang="en-US" smtClean="0"/>
-              <a:t>2016/3/5</a:t>
+              <a:t>2016/3/6</a:t>
             </a:fld>
             <a:endParaRPr kumimoji="1" lang="ja-JP" altLang="en-US"/>
           </a:p>
@@ -2419,7 +2419,7 @@
           <a:p>
             <a:fld id="{D2D8EA25-67A6-EA48-A0F9-B2976239D8A5}" type="datetimeFigureOut">
               <a:rPr kumimoji="1" lang="ja-JP" altLang="en-US" smtClean="0"/>
-              <a:t>2016/3/5</a:t>
+              <a:t>2016/3/6</a:t>
             </a:fld>
             <a:endParaRPr kumimoji="1" lang="ja-JP" altLang="en-US"/>
           </a:p>
@@ -2514,7 +2514,7 @@
           <a:p>
             <a:fld id="{D2D8EA25-67A6-EA48-A0F9-B2976239D8A5}" type="datetimeFigureOut">
               <a:rPr kumimoji="1" lang="ja-JP" altLang="en-US" smtClean="0"/>
-              <a:t>2016/3/5</a:t>
+              <a:t>2016/3/6</a:t>
             </a:fld>
             <a:endParaRPr kumimoji="1" lang="ja-JP" altLang="en-US"/>
           </a:p>
@@ -2823,7 +2823,7 @@
           <a:p>
             <a:fld id="{D2D8EA25-67A6-EA48-A0F9-B2976239D8A5}" type="datetimeFigureOut">
               <a:rPr kumimoji="1" lang="ja-JP" altLang="en-US" smtClean="0"/>
-              <a:t>2016/3/5</a:t>
+              <a:t>2016/3/6</a:t>
             </a:fld>
             <a:endParaRPr kumimoji="1" lang="ja-JP" altLang="en-US"/>
           </a:p>
@@ -3076,7 +3076,7 @@
           <a:p>
             <a:fld id="{D2D8EA25-67A6-EA48-A0F9-B2976239D8A5}" type="datetimeFigureOut">
               <a:rPr kumimoji="1" lang="ja-JP" altLang="en-US" smtClean="0"/>
-              <a:t>2016/3/5</a:t>
+              <a:t>2016/3/6</a:t>
             </a:fld>
             <a:endParaRPr kumimoji="1" lang="ja-JP" altLang="en-US"/>
           </a:p>
@@ -3321,7 +3321,7 @@
           <a:p>
             <a:fld id="{D2D8EA25-67A6-EA48-A0F9-B2976239D8A5}" type="datetimeFigureOut">
               <a:rPr kumimoji="1" lang="ja-JP" altLang="en-US" smtClean="0"/>
-              <a:t>2016/3/5</a:t>
+              <a:t>2016/3/6</a:t>
             </a:fld>
             <a:endParaRPr kumimoji="1" lang="ja-JP" altLang="en-US"/>
           </a:p>
@@ -3890,6 +3890,16 @@
           <a:prstGeom prst="roundRect">
             <a:avLst/>
           </a:prstGeom>
+          <a:solidFill>
+            <a:schemeClr val="accent6"/>
+          </a:solidFill>
+          <a:ln>
+            <a:solidFill>
+              <a:schemeClr val="accent6">
+                <a:lumMod val="75000"/>
+              </a:schemeClr>
+            </a:solidFill>
+          </a:ln>
         </p:spPr>
         <p:style>
           <a:lnRef idx="1">
@@ -3911,33 +3921,61 @@
           <a:p>
             <a:pPr algn="ctr"/>
             <a:r>
-              <a:rPr lang="en-US" altLang="ja-JP" dirty="0" err="1" smtClean="0"/>
+              <a:rPr lang="en-US" altLang="ja-JP" dirty="0" err="1" smtClean="0">
+                <a:solidFill>
+                  <a:schemeClr val="bg1"/>
+                </a:solidFill>
+              </a:rPr>
               <a:t>a</a:t>
             </a:r>
             <a:r>
-              <a:rPr kumimoji="1" lang="en-US" altLang="ja-JP" dirty="0" err="1" smtClean="0"/>
+              <a:rPr kumimoji="1" lang="en-US" altLang="ja-JP" dirty="0" err="1" smtClean="0">
+                <a:solidFill>
+                  <a:schemeClr val="bg1"/>
+                </a:solidFill>
+              </a:rPr>
               <a:t>pi</a:t>
             </a:r>
             <a:r>
-              <a:rPr kumimoji="1" lang="en-US" altLang="ja-JP" dirty="0" smtClean="0"/>
+              <a:rPr kumimoji="1" lang="en-US" altLang="ja-JP" dirty="0" smtClean="0">
+                <a:solidFill>
+                  <a:schemeClr val="bg1"/>
+                </a:solidFill>
+              </a:rPr>
               <a:t>-resource</a:t>
             </a:r>
           </a:p>
           <a:p>
             <a:pPr algn="ctr"/>
             <a:r>
-              <a:rPr lang="en-US" altLang="ja-JP" dirty="0" smtClean="0"/>
+              <a:rPr lang="en-US" altLang="ja-JP" dirty="0" smtClean="0">
+                <a:solidFill>
+                  <a:schemeClr val="bg1"/>
+                </a:solidFill>
+              </a:rPr>
               <a:t>(/</a:t>
             </a:r>
             <a:r>
-              <a:rPr lang="en-US" altLang="ja-JP" dirty="0" err="1" smtClean="0"/>
+              <a:rPr lang="en-US" altLang="ja-JP" dirty="0" err="1" smtClean="0">
+                <a:solidFill>
+                  <a:schemeClr val="bg1"/>
+                </a:solidFill>
+              </a:rPr>
               <a:t>api</a:t>
             </a:r>
             <a:r>
-              <a:rPr lang="en-US" altLang="ja-JP" dirty="0" smtClean="0"/>
+              <a:rPr lang="en-US" altLang="ja-JP" dirty="0" smtClean="0">
+                <a:solidFill>
+                  <a:schemeClr val="bg1"/>
+                </a:solidFill>
+              </a:rPr>
               <a:t>-r)</a:t>
             </a:r>
-            <a:endParaRPr kumimoji="1" lang="en-US" altLang="ja-JP" dirty="0" smtClean="0"/>
+            <a:endParaRPr kumimoji="1" lang="en-US" altLang="ja-JP" dirty="0" smtClean="0">
+              <a:solidFill>
+                <a:schemeClr val="bg1"/>
+              </a:solidFill>
+            </a:endParaRPr>
           </a:p>
         </p:txBody>
       </p:sp>
@@ -3955,6 +3993,16 @@
           <a:prstGeom prst="roundRect">
             <a:avLst/>
           </a:prstGeom>
+          <a:solidFill>
+            <a:schemeClr val="accent6"/>
+          </a:solidFill>
+          <a:ln>
+            <a:solidFill>
+              <a:schemeClr val="accent6">
+                <a:lumMod val="75000"/>
+              </a:schemeClr>
+            </a:solidFill>
+          </a:ln>
         </p:spPr>
         <p:style>
           <a:lnRef idx="1">
@@ -3976,23 +4024,43 @@
           <a:p>
             <a:pPr algn="ctr"/>
             <a:r>
-              <a:rPr lang="en-US" altLang="ja-JP" dirty="0" err="1" smtClean="0"/>
+              <a:rPr lang="en-US" altLang="ja-JP" dirty="0" err="1" smtClean="0">
+                <a:solidFill>
+                  <a:schemeClr val="bg1"/>
+                </a:solidFill>
+              </a:rPr>
               <a:t>api-auth</a:t>
             </a:r>
-            <a:endParaRPr lang="en-US" altLang="ja-JP" dirty="0" smtClean="0"/>
+            <a:endParaRPr lang="en-US" altLang="ja-JP" dirty="0" smtClean="0">
+              <a:solidFill>
+                <a:schemeClr val="bg1"/>
+              </a:solidFill>
+            </a:endParaRPr>
           </a:p>
           <a:p>
             <a:pPr algn="ctr"/>
             <a:r>
-              <a:rPr lang="en-US" altLang="ja-JP" dirty="0" smtClean="0"/>
+              <a:rPr lang="en-US" altLang="ja-JP" dirty="0" smtClean="0">
+                <a:solidFill>
+                  <a:schemeClr val="bg1"/>
+                </a:solidFill>
+              </a:rPr>
               <a:t>(/</a:t>
             </a:r>
             <a:r>
-              <a:rPr lang="en-US" altLang="ja-JP" dirty="0" err="1" smtClean="0"/>
+              <a:rPr lang="en-US" altLang="ja-JP" dirty="0" err="1" smtClean="0">
+                <a:solidFill>
+                  <a:schemeClr val="bg1"/>
+                </a:solidFill>
+              </a:rPr>
               <a:t>api</a:t>
             </a:r>
             <a:r>
-              <a:rPr lang="en-US" altLang="ja-JP" dirty="0" smtClean="0"/>
+              <a:rPr lang="en-US" altLang="ja-JP" dirty="0" smtClean="0">
+                <a:solidFill>
+                  <a:schemeClr val="bg1"/>
+                </a:solidFill>
+              </a:rPr>
               <a:t>-a)</a:t>
             </a:r>
           </a:p>
@@ -4012,6 +4080,16 @@
           <a:prstGeom prst="roundRect">
             <a:avLst/>
           </a:prstGeom>
+          <a:solidFill>
+            <a:schemeClr val="accent6"/>
+          </a:solidFill>
+          <a:ln>
+            <a:solidFill>
+              <a:schemeClr val="accent6">
+                <a:lumMod val="75000"/>
+              </a:schemeClr>
+            </a:solidFill>
+          </a:ln>
         </p:spPr>
         <p:style>
           <a:lnRef idx="1">
@@ -4033,26 +4111,46 @@
           <a:p>
             <a:pPr algn="ctr"/>
             <a:r>
-              <a:rPr lang="en-US" altLang="ja-JP" dirty="0" err="1" smtClean="0"/>
+              <a:rPr lang="en-US" altLang="ja-JP" dirty="0" err="1" smtClean="0">
+                <a:solidFill>
+                  <a:schemeClr val="bg1"/>
+                </a:solidFill>
+              </a:rPr>
               <a:t>api</a:t>
             </a:r>
             <a:r>
-              <a:rPr lang="en-US" altLang="ja-JP" dirty="0" smtClean="0"/>
+              <a:rPr lang="en-US" altLang="ja-JP" dirty="0" smtClean="0">
+                <a:solidFill>
+                  <a:schemeClr val="bg1"/>
+                </a:solidFill>
+              </a:rPr>
               <a:t>-client</a:t>
             </a:r>
           </a:p>
           <a:p>
             <a:pPr algn="ctr"/>
             <a:r>
-              <a:rPr lang="en-US" altLang="ja-JP" dirty="0" smtClean="0"/>
+              <a:rPr lang="en-US" altLang="ja-JP" dirty="0" smtClean="0">
+                <a:solidFill>
+                  <a:schemeClr val="bg1"/>
+                </a:solidFill>
+              </a:rPr>
               <a:t>(/</a:t>
             </a:r>
             <a:r>
-              <a:rPr lang="en-US" altLang="ja-JP" dirty="0" err="1" smtClean="0"/>
+              <a:rPr lang="en-US" altLang="ja-JP" dirty="0" err="1" smtClean="0">
+                <a:solidFill>
+                  <a:schemeClr val="bg1"/>
+                </a:solidFill>
+              </a:rPr>
               <a:t>api</a:t>
             </a:r>
             <a:r>
-              <a:rPr lang="en-US" altLang="ja-JP" dirty="0" smtClean="0"/>
+              <a:rPr lang="en-US" altLang="ja-JP" dirty="0" smtClean="0">
+                <a:solidFill>
+                  <a:schemeClr val="bg1"/>
+                </a:solidFill>
+              </a:rPr>
               <a:t>-c)</a:t>
             </a:r>
           </a:p>
@@ -4072,6 +4170,16 @@
           <a:prstGeom prst="roundRect">
             <a:avLst/>
           </a:prstGeom>
+          <a:solidFill>
+            <a:schemeClr val="accent6"/>
+          </a:solidFill>
+          <a:ln>
+            <a:solidFill>
+              <a:schemeClr val="accent6">
+                <a:lumMod val="75000"/>
+              </a:schemeClr>
+            </a:solidFill>
+          </a:ln>
         </p:spPr>
         <p:style>
           <a:lnRef idx="1">
@@ -4093,30 +4201,54 @@
           <a:p>
             <a:pPr algn="ctr"/>
             <a:r>
-              <a:rPr lang="en-US" altLang="ja-JP" dirty="0" smtClean="0"/>
+              <a:rPr lang="en-US" altLang="ja-JP" dirty="0" smtClean="0">
+                <a:solidFill>
+                  <a:schemeClr val="bg1"/>
+                </a:solidFill>
+              </a:rPr>
               <a:t>screen-</a:t>
             </a:r>
           </a:p>
           <a:p>
             <a:pPr algn="ctr"/>
             <a:r>
-              <a:rPr lang="en-US" altLang="ja-JP" dirty="0" err="1" smtClean="0"/>
+              <a:rPr lang="en-US" altLang="ja-JP" dirty="0" err="1" smtClean="0">
+                <a:solidFill>
+                  <a:schemeClr val="bg1"/>
+                </a:solidFill>
+              </a:rPr>
               <a:t>jsp</a:t>
             </a:r>
-            <a:endParaRPr lang="en-US" altLang="ja-JP" dirty="0" smtClean="0"/>
+            <a:endParaRPr lang="en-US" altLang="ja-JP" dirty="0" smtClean="0">
+              <a:solidFill>
+                <a:schemeClr val="bg1"/>
+              </a:solidFill>
+            </a:endParaRPr>
           </a:p>
           <a:p>
             <a:pPr algn="ctr"/>
             <a:r>
-              <a:rPr lang="en-US" altLang="ja-JP" dirty="0" smtClean="0"/>
+              <a:rPr lang="en-US" altLang="ja-JP" dirty="0" smtClean="0">
+                <a:solidFill>
+                  <a:schemeClr val="bg1"/>
+                </a:solidFill>
+              </a:rPr>
               <a:t>(/</a:t>
             </a:r>
             <a:r>
-              <a:rPr lang="en-US" altLang="ja-JP" dirty="0" err="1" smtClean="0"/>
+              <a:rPr lang="en-US" altLang="ja-JP" dirty="0" err="1" smtClean="0">
+                <a:solidFill>
+                  <a:schemeClr val="bg1"/>
+                </a:solidFill>
+              </a:rPr>
               <a:t>scr</a:t>
             </a:r>
             <a:r>
-              <a:rPr lang="en-US" altLang="ja-JP" dirty="0" smtClean="0"/>
+              <a:rPr lang="en-US" altLang="ja-JP" dirty="0" smtClean="0">
+                <a:solidFill>
+                  <a:schemeClr val="bg1"/>
+                </a:solidFill>
+              </a:rPr>
               <a:t>-j)</a:t>
             </a:r>
           </a:p>
@@ -4136,6 +4268,16 @@
           <a:prstGeom prst="roundRect">
             <a:avLst/>
           </a:prstGeom>
+          <a:solidFill>
+            <a:schemeClr val="accent6"/>
+          </a:solidFill>
+          <a:ln>
+            <a:solidFill>
+              <a:schemeClr val="accent6">
+                <a:lumMod val="75000"/>
+              </a:schemeClr>
+            </a:solidFill>
+          </a:ln>
         </p:spPr>
         <p:style>
           <a:lnRef idx="1">
@@ -4157,30 +4299,54 @@
           <a:p>
             <a:pPr algn="ctr"/>
             <a:r>
-              <a:rPr lang="en-US" altLang="ja-JP" dirty="0" smtClean="0"/>
+              <a:rPr lang="en-US" altLang="ja-JP" dirty="0" smtClean="0">
+                <a:solidFill>
+                  <a:schemeClr val="bg1"/>
+                </a:solidFill>
+              </a:rPr>
               <a:t>screen-</a:t>
             </a:r>
           </a:p>
           <a:p>
             <a:pPr algn="ctr"/>
             <a:r>
-              <a:rPr lang="en-US" altLang="ja-JP" dirty="0" err="1" smtClean="0"/>
+              <a:rPr lang="en-US" altLang="ja-JP" dirty="0" err="1" smtClean="0">
+                <a:solidFill>
+                  <a:schemeClr val="bg1"/>
+                </a:solidFill>
+              </a:rPr>
               <a:t>freemarker</a:t>
             </a:r>
-            <a:endParaRPr lang="en-US" altLang="ja-JP" dirty="0" smtClean="0"/>
+            <a:endParaRPr lang="en-US" altLang="ja-JP" dirty="0" smtClean="0">
+              <a:solidFill>
+                <a:schemeClr val="bg1"/>
+              </a:solidFill>
+            </a:endParaRPr>
           </a:p>
           <a:p>
             <a:pPr algn="ctr"/>
             <a:r>
-              <a:rPr lang="en-US" altLang="ja-JP" dirty="0" smtClean="0"/>
+              <a:rPr lang="en-US" altLang="ja-JP" dirty="0" smtClean="0">
+                <a:solidFill>
+                  <a:schemeClr val="bg1"/>
+                </a:solidFill>
+              </a:rPr>
               <a:t>(/</a:t>
             </a:r>
             <a:r>
-              <a:rPr lang="en-US" altLang="ja-JP" dirty="0" err="1" smtClean="0"/>
+              <a:rPr lang="en-US" altLang="ja-JP" dirty="0" err="1" smtClean="0">
+                <a:solidFill>
+                  <a:schemeClr val="bg1"/>
+                </a:solidFill>
+              </a:rPr>
               <a:t>scr</a:t>
             </a:r>
             <a:r>
-              <a:rPr lang="en-US" altLang="ja-JP" dirty="0" smtClean="0"/>
+              <a:rPr lang="en-US" altLang="ja-JP" dirty="0" smtClean="0">
+                <a:solidFill>
+                  <a:schemeClr val="bg1"/>
+                </a:solidFill>
+              </a:rPr>
               <a:t>-f)</a:t>
             </a:r>
           </a:p>
@@ -4200,6 +4366,16 @@
           <a:prstGeom prst="roundRect">
             <a:avLst/>
           </a:prstGeom>
+          <a:solidFill>
+            <a:schemeClr val="accent6"/>
+          </a:solidFill>
+          <a:ln>
+            <a:solidFill>
+              <a:schemeClr val="accent6">
+                <a:lumMod val="75000"/>
+              </a:schemeClr>
+            </a:solidFill>
+          </a:ln>
         </p:spPr>
         <p:style>
           <a:lnRef idx="1">
@@ -4221,30 +4397,54 @@
           <a:p>
             <a:pPr algn="ctr"/>
             <a:r>
-              <a:rPr lang="en-US" altLang="ja-JP" dirty="0" smtClean="0"/>
+              <a:rPr lang="en-US" altLang="ja-JP" dirty="0" smtClean="0">
+                <a:solidFill>
+                  <a:schemeClr val="bg1"/>
+                </a:solidFill>
+              </a:rPr>
               <a:t>screen-</a:t>
             </a:r>
           </a:p>
           <a:p>
             <a:pPr algn="ctr"/>
             <a:r>
-              <a:rPr lang="en-US" altLang="ja-JP" dirty="0" err="1" smtClean="0"/>
+              <a:rPr lang="en-US" altLang="ja-JP" dirty="0" err="1" smtClean="0">
+                <a:solidFill>
+                  <a:schemeClr val="bg1"/>
+                </a:solidFill>
+              </a:rPr>
               <a:t>thymeleaf</a:t>
             </a:r>
-            <a:endParaRPr lang="en-US" altLang="ja-JP" dirty="0" smtClean="0"/>
+            <a:endParaRPr lang="en-US" altLang="ja-JP" dirty="0" smtClean="0">
+              <a:solidFill>
+                <a:schemeClr val="bg1"/>
+              </a:solidFill>
+            </a:endParaRPr>
           </a:p>
           <a:p>
             <a:pPr algn="ctr"/>
             <a:r>
-              <a:rPr lang="en-US" altLang="ja-JP" dirty="0" smtClean="0"/>
+              <a:rPr lang="en-US" altLang="ja-JP" dirty="0" smtClean="0">
+                <a:solidFill>
+                  <a:schemeClr val="bg1"/>
+                </a:solidFill>
+              </a:rPr>
               <a:t>(/</a:t>
             </a:r>
             <a:r>
-              <a:rPr lang="en-US" altLang="ja-JP" dirty="0" err="1" smtClean="0"/>
+              <a:rPr lang="en-US" altLang="ja-JP" dirty="0" err="1" smtClean="0">
+                <a:solidFill>
+                  <a:schemeClr val="bg1"/>
+                </a:solidFill>
+              </a:rPr>
               <a:t>scr</a:t>
             </a:r>
             <a:r>
-              <a:rPr lang="en-US" altLang="ja-JP" dirty="0" smtClean="0"/>
+              <a:rPr lang="en-US" altLang="ja-JP" dirty="0" smtClean="0">
+                <a:solidFill>
+                  <a:schemeClr val="bg1"/>
+                </a:solidFill>
+              </a:rPr>
               <a:t>-t)</a:t>
             </a:r>
           </a:p>
@@ -5417,6 +5617,16 @@
           <a:prstGeom prst="roundRect">
             <a:avLst/>
           </a:prstGeom>
+          <a:solidFill>
+            <a:schemeClr val="accent6"/>
+          </a:solidFill>
+          <a:ln>
+            <a:solidFill>
+              <a:schemeClr val="accent6">
+                <a:lumMod val="75000"/>
+              </a:schemeClr>
+            </a:solidFill>
+          </a:ln>
         </p:spPr>
         <p:style>
           <a:lnRef idx="1">
@@ -5438,22 +5648,38 @@
           <a:p>
             <a:pPr algn="ctr"/>
             <a:r>
-              <a:rPr lang="en-US" altLang="ja-JP" dirty="0" smtClean="0"/>
+              <a:rPr lang="en-US" altLang="ja-JP" dirty="0" smtClean="0">
+                <a:solidFill>
+                  <a:schemeClr val="bg1"/>
+                </a:solidFill>
+              </a:rPr>
               <a:t>database</a:t>
             </a:r>
           </a:p>
           <a:p>
             <a:pPr algn="ctr"/>
             <a:r>
-              <a:rPr lang="en-US" altLang="ja-JP" dirty="0" smtClean="0"/>
+              <a:rPr lang="en-US" altLang="ja-JP" dirty="0" smtClean="0">
+                <a:solidFill>
+                  <a:schemeClr val="bg1"/>
+                </a:solidFill>
+              </a:rPr>
               <a:t>(/</a:t>
             </a:r>
             <a:r>
-              <a:rPr lang="en-US" altLang="ja-JP" dirty="0" err="1" smtClean="0"/>
+              <a:rPr lang="en-US" altLang="ja-JP" dirty="0" err="1" smtClean="0">
+                <a:solidFill>
+                  <a:schemeClr val="bg1"/>
+                </a:solidFill>
+              </a:rPr>
               <a:t>db</a:t>
             </a:r>
             <a:r>
-              <a:rPr lang="en-US" altLang="ja-JP" dirty="0" smtClean="0"/>
+              <a:rPr lang="en-US" altLang="ja-JP" dirty="0" smtClean="0">
+                <a:solidFill>
+                  <a:schemeClr val="bg1"/>
+                </a:solidFill>
+              </a:rPr>
               <a:t>)</a:t>
             </a:r>
           </a:p>
@@ -5633,6 +5859,16 @@
           <a:prstGeom prst="roundRect">
             <a:avLst/>
           </a:prstGeom>
+          <a:solidFill>
+            <a:schemeClr val="accent6"/>
+          </a:solidFill>
+          <a:ln>
+            <a:solidFill>
+              <a:schemeClr val="accent6">
+                <a:lumMod val="75000"/>
+              </a:schemeClr>
+            </a:solidFill>
+          </a:ln>
         </p:spPr>
         <p:style>
           <a:lnRef idx="1">
@@ -5654,7 +5890,11 @@
           <a:p>
             <a:pPr algn="ctr"/>
             <a:r>
-              <a:rPr lang="en-US" altLang="ja-JP" sz="1200" dirty="0" smtClean="0"/>
+              <a:rPr lang="en-US" altLang="ja-JP" sz="1200" dirty="0" smtClean="0">
+                <a:solidFill>
+                  <a:schemeClr val="bg1"/>
+                </a:solidFill>
+              </a:rPr>
               <a:t>Spring Boot Application</a:t>
             </a:r>
           </a:p>

--- a/images.pptx
+++ b/images.pptx
@@ -197,7 +197,7 @@
           <a:p>
             <a:fld id="{BC451F63-61CF-B94D-955A-F098561CC757}" type="datetimeFigureOut">
               <a:rPr kumimoji="1" lang="ja-JP" altLang="en-US" smtClean="0"/>
-              <a:t>2016/3/6</a:t>
+              <a:t>2016/3/20</a:t>
             </a:fld>
             <a:endParaRPr kumimoji="1" lang="ja-JP" altLang="en-US"/>
           </a:p>
@@ -712,7 +712,7 @@
           <a:p>
             <a:fld id="{D2D8EA25-67A6-EA48-A0F9-B2976239D8A5}" type="datetimeFigureOut">
               <a:rPr kumimoji="1" lang="ja-JP" altLang="en-US" smtClean="0"/>
-              <a:t>2016/3/6</a:t>
+              <a:t>2016/3/20</a:t>
             </a:fld>
             <a:endParaRPr kumimoji="1" lang="ja-JP" altLang="en-US"/>
           </a:p>
@@ -914,7 +914,7 @@
           <a:p>
             <a:fld id="{D2D8EA25-67A6-EA48-A0F9-B2976239D8A5}" type="datetimeFigureOut">
               <a:rPr kumimoji="1" lang="ja-JP" altLang="en-US" smtClean="0"/>
-              <a:t>2016/3/6</a:t>
+              <a:t>2016/3/20</a:t>
             </a:fld>
             <a:endParaRPr kumimoji="1" lang="ja-JP" altLang="en-US"/>
           </a:p>
@@ -1126,7 +1126,7 @@
           <a:p>
             <a:fld id="{D2D8EA25-67A6-EA48-A0F9-B2976239D8A5}" type="datetimeFigureOut">
               <a:rPr kumimoji="1" lang="ja-JP" altLang="en-US" smtClean="0"/>
-              <a:t>2016/3/6</a:t>
+              <a:t>2016/3/20</a:t>
             </a:fld>
             <a:endParaRPr kumimoji="1" lang="ja-JP" altLang="en-US"/>
           </a:p>
@@ -1328,7 +1328,7 @@
           <a:p>
             <a:fld id="{D2D8EA25-67A6-EA48-A0F9-B2976239D8A5}" type="datetimeFigureOut">
               <a:rPr kumimoji="1" lang="ja-JP" altLang="en-US" smtClean="0"/>
-              <a:t>2016/3/6</a:t>
+              <a:t>2016/3/20</a:t>
             </a:fld>
             <a:endParaRPr kumimoji="1" lang="ja-JP" altLang="en-US"/>
           </a:p>
@@ -1574,7 +1574,7 @@
           <a:p>
             <a:fld id="{D2D8EA25-67A6-EA48-A0F9-B2976239D8A5}" type="datetimeFigureOut">
               <a:rPr kumimoji="1" lang="ja-JP" altLang="en-US" smtClean="0"/>
-              <a:t>2016/3/6</a:t>
+              <a:t>2016/3/20</a:t>
             </a:fld>
             <a:endParaRPr kumimoji="1" lang="ja-JP" altLang="en-US"/>
           </a:p>
@@ -1870,7 +1870,7 @@
           <a:p>
             <a:fld id="{D2D8EA25-67A6-EA48-A0F9-B2976239D8A5}" type="datetimeFigureOut">
               <a:rPr kumimoji="1" lang="ja-JP" altLang="en-US" smtClean="0"/>
-              <a:t>2016/3/6</a:t>
+              <a:t>2016/3/20</a:t>
             </a:fld>
             <a:endParaRPr kumimoji="1" lang="ja-JP" altLang="en-US"/>
           </a:p>
@@ -2301,7 +2301,7 @@
           <a:p>
             <a:fld id="{D2D8EA25-67A6-EA48-A0F9-B2976239D8A5}" type="datetimeFigureOut">
               <a:rPr kumimoji="1" lang="ja-JP" altLang="en-US" smtClean="0"/>
-              <a:t>2016/3/6</a:t>
+              <a:t>2016/3/20</a:t>
             </a:fld>
             <a:endParaRPr kumimoji="1" lang="ja-JP" altLang="en-US"/>
           </a:p>
@@ -2419,7 +2419,7 @@
           <a:p>
             <a:fld id="{D2D8EA25-67A6-EA48-A0F9-B2976239D8A5}" type="datetimeFigureOut">
               <a:rPr kumimoji="1" lang="ja-JP" altLang="en-US" smtClean="0"/>
-              <a:t>2016/3/6</a:t>
+              <a:t>2016/3/20</a:t>
             </a:fld>
             <a:endParaRPr kumimoji="1" lang="ja-JP" altLang="en-US"/>
           </a:p>
@@ -2514,7 +2514,7 @@
           <a:p>
             <a:fld id="{D2D8EA25-67A6-EA48-A0F9-B2976239D8A5}" type="datetimeFigureOut">
               <a:rPr kumimoji="1" lang="ja-JP" altLang="en-US" smtClean="0"/>
-              <a:t>2016/3/6</a:t>
+              <a:t>2016/3/20</a:t>
             </a:fld>
             <a:endParaRPr kumimoji="1" lang="ja-JP" altLang="en-US"/>
           </a:p>
@@ -2823,7 +2823,7 @@
           <a:p>
             <a:fld id="{D2D8EA25-67A6-EA48-A0F9-B2976239D8A5}" type="datetimeFigureOut">
               <a:rPr kumimoji="1" lang="ja-JP" altLang="en-US" smtClean="0"/>
-              <a:t>2016/3/6</a:t>
+              <a:t>2016/3/20</a:t>
             </a:fld>
             <a:endParaRPr kumimoji="1" lang="ja-JP" altLang="en-US"/>
           </a:p>
@@ -3076,7 +3076,7 @@
           <a:p>
             <a:fld id="{D2D8EA25-67A6-EA48-A0F9-B2976239D8A5}" type="datetimeFigureOut">
               <a:rPr kumimoji="1" lang="ja-JP" altLang="en-US" smtClean="0"/>
-              <a:t>2016/3/6</a:t>
+              <a:t>2016/3/20</a:t>
             </a:fld>
             <a:endParaRPr kumimoji="1" lang="ja-JP" altLang="en-US"/>
           </a:p>
@@ -3321,7 +3321,7 @@
           <a:p>
             <a:fld id="{D2D8EA25-67A6-EA48-A0F9-B2976239D8A5}" type="datetimeFigureOut">
               <a:rPr kumimoji="1" lang="ja-JP" altLang="en-US" smtClean="0"/>
-              <a:t>2016/3/6</a:t>
+              <a:t>2016/3/20</a:t>
             </a:fld>
             <a:endParaRPr kumimoji="1" lang="ja-JP" altLang="en-US"/>
           </a:p>
@@ -3728,14 +3728,14 @@
       </p:grpSpPr>
       <p:sp>
         <p:nvSpPr>
-          <p:cNvPr id="119" name="正方形/長方形 118"/>
+          <p:cNvPr id="124" name="正方形/長方形 123"/>
           <p:cNvSpPr/>
           <p:nvPr/>
         </p:nvSpPr>
         <p:spPr>
           <a:xfrm>
-            <a:off x="324461" y="5916571"/>
-            <a:ext cx="5508771" cy="1429609"/>
+            <a:off x="6703120" y="5400577"/>
+            <a:ext cx="5560804" cy="2096671"/>
           </a:xfrm>
           <a:prstGeom prst="rect">
             <a:avLst/>
@@ -3778,14 +3778,14 @@
       </p:sp>
       <p:sp>
         <p:nvSpPr>
-          <p:cNvPr id="115" name="正方形/長方形 114"/>
+          <p:cNvPr id="119" name="正方形/長方形 118"/>
           <p:cNvSpPr/>
           <p:nvPr/>
         </p:nvSpPr>
         <p:spPr>
           <a:xfrm>
-            <a:off x="6550720" y="5248177"/>
-            <a:ext cx="5560804" cy="2096671"/>
+            <a:off x="403120" y="5916571"/>
+            <a:ext cx="5430112" cy="1429609"/>
           </a:xfrm>
           <a:prstGeom prst="rect">
             <a:avLst/>
@@ -3828,14 +3828,14 @@
       </p:sp>
       <p:sp>
         <p:nvSpPr>
-          <p:cNvPr id="113" name="正方形/長方形 112"/>
+          <p:cNvPr id="115" name="正方形/長方形 114"/>
           <p:cNvSpPr/>
           <p:nvPr/>
         </p:nvSpPr>
         <p:spPr>
           <a:xfrm>
-            <a:off x="324461" y="741027"/>
-            <a:ext cx="11787063" cy="4689529"/>
+            <a:off x="11280219" y="2210080"/>
+            <a:ext cx="2864265" cy="5287168"/>
           </a:xfrm>
           <a:prstGeom prst="rect">
             <a:avLst/>
@@ -3878,6 +3878,56 @@
       </p:sp>
       <p:sp>
         <p:nvSpPr>
+          <p:cNvPr id="113" name="正方形/長方形 112"/>
+          <p:cNvSpPr/>
+          <p:nvPr/>
+        </p:nvSpPr>
+        <p:spPr>
+          <a:xfrm>
+            <a:off x="403119" y="651609"/>
+            <a:ext cx="12477492" cy="4778948"/>
+          </a:xfrm>
+          <a:prstGeom prst="rect">
+            <a:avLst/>
+          </a:prstGeom>
+          <a:solidFill>
+            <a:schemeClr val="accent4">
+              <a:lumMod val="20000"/>
+              <a:lumOff val="80000"/>
+            </a:schemeClr>
+          </a:solidFill>
+          <a:ln>
+            <a:noFill/>
+            <a:prstDash val="dash"/>
+          </a:ln>
+        </p:spPr>
+        <p:style>
+          <a:lnRef idx="2">
+            <a:schemeClr val="accent1">
+              <a:shade val="50000"/>
+            </a:schemeClr>
+          </a:lnRef>
+          <a:fillRef idx="1">
+            <a:schemeClr val="accent1"/>
+          </a:fillRef>
+          <a:effectRef idx="0">
+            <a:schemeClr val="accent1"/>
+          </a:effectRef>
+          <a:fontRef idx="minor">
+            <a:schemeClr val="lt1"/>
+          </a:fontRef>
+        </p:style>
+        <p:txBody>
+          <a:bodyPr rtlCol="0" anchor="ctr"/>
+          <a:lstStyle/>
+          <a:p>
+            <a:pPr algn="ctr"/>
+            <a:endParaRPr kumimoji="1" lang="ja-JP" altLang="en-US"/>
+          </a:p>
+        </p:txBody>
+      </p:sp>
+      <p:sp>
+        <p:nvSpPr>
           <p:cNvPr id="4" name="角丸四角形 3"/>
           <p:cNvSpPr/>
           <p:nvPr/>
@@ -4458,7 +4508,7 @@
         </p:nvSpPr>
         <p:spPr>
           <a:xfrm>
-            <a:off x="6811231" y="6067470"/>
+            <a:off x="7283181" y="6067470"/>
             <a:ext cx="3637920" cy="1096855"/>
           </a:xfrm>
           <a:prstGeom prst="can">
@@ -4599,8 +4649,8 @@
         </p:nvSpPr>
         <p:spPr>
           <a:xfrm>
-            <a:off x="198063" y="8380298"/>
-            <a:ext cx="11803502" cy="1016484"/>
+            <a:off x="198063" y="8645770"/>
+            <a:ext cx="12997474" cy="1016484"/>
           </a:xfrm>
           <a:prstGeom prst="rect">
             <a:avLst/>
@@ -5110,8 +5160,8 @@
         </p:nvSpPr>
         <p:spPr>
           <a:xfrm>
-            <a:off x="324461" y="-115318"/>
-            <a:ext cx="11787063" cy="524544"/>
+            <a:off x="324462" y="-479111"/>
+            <a:ext cx="13820022" cy="524544"/>
           </a:xfrm>
           <a:prstGeom prst="roundRect">
             <a:avLst/>
@@ -5153,8 +5203,8 @@
         </p:nvCxnSpPr>
         <p:spPr>
           <a:xfrm>
-            <a:off x="2918532" y="409226"/>
-            <a:ext cx="6247" cy="2327888"/>
+            <a:off x="2924779" y="45433"/>
+            <a:ext cx="0" cy="2691681"/>
           </a:xfrm>
           <a:prstGeom prst="straightConnector1">
             <a:avLst/>
@@ -5194,8 +5244,8 @@
         </p:nvCxnSpPr>
         <p:spPr>
           <a:xfrm>
-            <a:off x="4070368" y="409226"/>
-            <a:ext cx="13979" cy="3746454"/>
+            <a:off x="4069011" y="45433"/>
+            <a:ext cx="15336" cy="4110247"/>
           </a:xfrm>
           <a:prstGeom prst="straightConnector1">
             <a:avLst/>
@@ -5235,8 +5285,8 @@
         </p:nvCxnSpPr>
         <p:spPr>
           <a:xfrm>
-            <a:off x="6129140" y="409226"/>
-            <a:ext cx="0" cy="2338162"/>
+            <a:off x="6129140" y="45433"/>
+            <a:ext cx="0" cy="2701955"/>
           </a:xfrm>
           <a:prstGeom prst="straightConnector1">
             <a:avLst/>
@@ -5276,8 +5326,8 @@
         </p:nvCxnSpPr>
         <p:spPr>
           <a:xfrm>
-            <a:off x="8135809" y="409226"/>
-            <a:ext cx="0" cy="2327888"/>
+            <a:off x="8135809" y="45433"/>
+            <a:ext cx="0" cy="2691681"/>
           </a:xfrm>
           <a:prstGeom prst="straightConnector1">
             <a:avLst/>
@@ -5317,8 +5367,8 @@
         </p:nvCxnSpPr>
         <p:spPr>
           <a:xfrm>
-            <a:off x="10075685" y="409226"/>
-            <a:ext cx="17625" cy="2327888"/>
+            <a:off x="10075060" y="45433"/>
+            <a:ext cx="18250" cy="2691681"/>
           </a:xfrm>
           <a:prstGeom prst="straightConnector1">
             <a:avLst/>
@@ -5526,7 +5576,7 @@
         </p:nvSpPr>
         <p:spPr>
           <a:xfrm>
-            <a:off x="109831" y="9481086"/>
+            <a:off x="109831" y="9746558"/>
             <a:ext cx="3066377" cy="369332"/>
           </a:xfrm>
           <a:prstGeom prst="rect">
@@ -5576,7 +5626,7 @@
           </a:xfrm>
           <a:prstGeom prst="bentConnector3">
             <a:avLst>
-              <a:gd name="adj1" fmla="val 111446"/>
+              <a:gd name="adj1" fmla="val 118830"/>
             </a:avLst>
           </a:prstGeom>
           <a:ln w="38100">
@@ -5693,7 +5743,7 @@
         </p:nvSpPr>
         <p:spPr>
           <a:xfrm>
-            <a:off x="8326179" y="6024446"/>
+            <a:off x="8837457" y="6024446"/>
             <a:ext cx="825867" cy="369332"/>
           </a:xfrm>
           <a:prstGeom prst="rect">
@@ -5724,9 +5774,9 @@
           <p:nvPr/>
         </p:nvCxnSpPr>
         <p:spPr>
-          <a:xfrm flipH="1">
-            <a:off x="11179910" y="409226"/>
-            <a:ext cx="1" cy="3768428"/>
+          <a:xfrm>
+            <a:off x="11179910" y="45433"/>
+            <a:ext cx="0" cy="4132221"/>
           </a:xfrm>
           <a:prstGeom prst="straightConnector1">
             <a:avLst/>
@@ -5853,7 +5903,7 @@
         </p:nvSpPr>
         <p:spPr>
           <a:xfrm>
-            <a:off x="1281462" y="8619445"/>
+            <a:off x="1281462" y="8884917"/>
             <a:ext cx="1117436" cy="594722"/>
           </a:xfrm>
           <a:prstGeom prst="roundRect">
@@ -5908,7 +5958,7 @@
         </p:nvSpPr>
         <p:spPr>
           <a:xfrm>
-            <a:off x="2560538" y="8623052"/>
+            <a:off x="2560538" y="8888524"/>
             <a:ext cx="939885" cy="591116"/>
           </a:xfrm>
           <a:prstGeom prst="can">
@@ -5950,7 +6000,7 @@
         </p:nvSpPr>
         <p:spPr>
           <a:xfrm>
-            <a:off x="3730314" y="8619446"/>
+            <a:off x="3730314" y="8884918"/>
             <a:ext cx="811805" cy="594722"/>
           </a:xfrm>
           <a:prstGeom prst="rect">
@@ -5992,7 +6042,7 @@
         </p:nvCxnSpPr>
         <p:spPr>
           <a:xfrm>
-            <a:off x="8964527" y="9138587"/>
+            <a:off x="8964527" y="9404059"/>
             <a:ext cx="817620" cy="0"/>
           </a:xfrm>
           <a:prstGeom prst="straightConnector1">
@@ -6031,7 +6081,7 @@
         </p:nvSpPr>
         <p:spPr>
           <a:xfrm>
-            <a:off x="9046201" y="8645491"/>
+            <a:off x="9046201" y="8910963"/>
             <a:ext cx="671979" cy="461665"/>
           </a:xfrm>
           <a:prstGeom prst="rect">
@@ -6067,7 +6117,7 @@
         </p:nvCxnSpPr>
         <p:spPr>
           <a:xfrm>
-            <a:off x="10995820" y="9138223"/>
+            <a:off x="10995820" y="9403695"/>
             <a:ext cx="817620" cy="0"/>
           </a:xfrm>
           <a:prstGeom prst="straightConnector1">
@@ -6105,7 +6155,7 @@
         </p:nvSpPr>
         <p:spPr>
           <a:xfrm>
-            <a:off x="11054048" y="8770813"/>
+            <a:off x="11054048" y="9026453"/>
             <a:ext cx="569387" cy="276999"/>
           </a:xfrm>
           <a:prstGeom prst="rect">
@@ -6135,7 +6185,7 @@
         </p:nvCxnSpPr>
         <p:spPr>
           <a:xfrm>
-            <a:off x="9994011" y="9138323"/>
+            <a:off x="9994011" y="9403795"/>
             <a:ext cx="817620" cy="0"/>
           </a:xfrm>
           <a:prstGeom prst="straightConnector1">
@@ -6174,7 +6224,7 @@
         </p:nvSpPr>
         <p:spPr>
           <a:xfrm>
-            <a:off x="10075685" y="8656950"/>
+            <a:off x="10075685" y="8922422"/>
             <a:ext cx="692818" cy="461665"/>
           </a:xfrm>
           <a:prstGeom prst="rect">
@@ -6257,7 +6307,7 @@
         </p:nvSpPr>
         <p:spPr>
           <a:xfrm>
-            <a:off x="176408" y="8380135"/>
+            <a:off x="176408" y="8645607"/>
             <a:ext cx="1037463" cy="369332"/>
           </a:xfrm>
           <a:prstGeom prst="rect">
@@ -6291,64 +6341,18 @@
           </a:p>
         </p:txBody>
       </p:sp>
-      <p:sp>
-        <p:nvSpPr>
-          <p:cNvPr id="52" name="角丸四角形 51"/>
-          <p:cNvSpPr/>
-          <p:nvPr/>
-        </p:nvSpPr>
-        <p:spPr>
-          <a:xfrm>
-            <a:off x="1835287" y="1288972"/>
-            <a:ext cx="9750240" cy="478037"/>
-          </a:xfrm>
-          <a:prstGeom prst="roundRect">
-            <a:avLst/>
-          </a:prstGeom>
-          <a:solidFill>
-            <a:srgbClr val="182BA2"/>
-          </a:solidFill>
-        </p:spPr>
-        <p:style>
-          <a:lnRef idx="1">
-            <a:schemeClr val="accent1"/>
-          </a:lnRef>
-          <a:fillRef idx="1002">
-            <a:schemeClr val="dk2"/>
-          </a:fillRef>
-          <a:effectRef idx="1">
-            <a:schemeClr val="accent1"/>
-          </a:effectRef>
-          <a:fontRef idx="minor">
-            <a:schemeClr val="dk1"/>
-          </a:fontRef>
-        </p:style>
-        <p:txBody>
-          <a:bodyPr rtlCol="0" anchor="ctr"/>
-          <a:lstStyle/>
-          <a:p>
-            <a:pPr algn="ctr"/>
-            <a:r>
-              <a:rPr lang="en-US" altLang="ja-JP" b="1" dirty="0" smtClean="0">
-                <a:solidFill>
-                  <a:schemeClr val="bg1"/>
-                </a:solidFill>
-              </a:rPr>
-              <a:t>Apache</a:t>
-            </a:r>
-          </a:p>
-        </p:txBody>
-      </p:sp>
       <p:pic>
         <p:nvPicPr>
-          <p:cNvPr id="1026" name="Picture 2" descr="https://httpd.apache.org/docs/current/ja/images/feather.png"/>
+          <p:cNvPr id="1030" name="Picture 6" descr="omcat Home">
+            <a:hlinkClick r:id="rId3"/>
+          </p:cNvPr>
           <p:cNvPicPr>
             <a:picLocks noChangeAspect="1" noChangeArrowheads="1"/>
           </p:cNvPicPr>
           <p:nvPr/>
         </p:nvPicPr>
         <p:blipFill>
-          <a:blip r:embed="rId3">
+          <a:blip r:embed="rId4">
             <a:extLst>
               <a:ext uri="{28A0092B-C50C-407E-A947-70E740481C1C}">
                 <a14:useLocalDpi xmlns:a14="http://schemas.microsoft.com/office/drawing/2010/main" val="0"/>
@@ -6362,8 +6366,8 @@
         </p:blipFill>
         <p:spPr bwMode="auto">
           <a:xfrm>
-            <a:off x="7224470" y="1348972"/>
-            <a:ext cx="1208719" cy="341171"/>
+            <a:off x="2069195" y="4789609"/>
+            <a:ext cx="475335" cy="338999"/>
           </a:xfrm>
           <a:prstGeom prst="rect">
             <a:avLst/>
@@ -6382,9 +6386,265 @@
       </p:pic>
       <p:pic>
         <p:nvPicPr>
-          <p:cNvPr id="1030" name="Picture 6" descr="omcat Home">
-            <a:hlinkClick r:id="rId4"/>
+          <p:cNvPr id="62" name="Picture 6" descr="omcat Home">
+            <a:hlinkClick r:id="rId3"/>
           </p:cNvPr>
+          <p:cNvPicPr>
+            <a:picLocks noChangeAspect="1" noChangeArrowheads="1"/>
+          </p:cNvPicPr>
+          <p:nvPr/>
+        </p:nvPicPr>
+        <p:blipFill>
+          <a:blip r:embed="rId4">
+            <a:extLst>
+              <a:ext uri="{28A0092B-C50C-407E-A947-70E740481C1C}">
+                <a14:useLocalDpi xmlns:a14="http://schemas.microsoft.com/office/drawing/2010/main" val="0"/>
+              </a:ext>
+            </a:extLst>
+          </a:blip>
+          <a:srcRect/>
+          <a:stretch>
+            <a:fillRect/>
+          </a:stretch>
+        </p:blipFill>
+        <p:spPr bwMode="auto">
+          <a:xfrm>
+            <a:off x="4436862" y="4792135"/>
+            <a:ext cx="475335" cy="338999"/>
+          </a:xfrm>
+          <a:prstGeom prst="rect">
+            <a:avLst/>
+          </a:prstGeom>
+          <a:noFill/>
+          <a:extLst>
+            <a:ext uri="{909E8E84-426E-40DD-AFC4-6F175D3DCCD1}">
+              <a14:hiddenFill xmlns:a14="http://schemas.microsoft.com/office/drawing/2010/main">
+                <a:solidFill>
+                  <a:srgbClr val="FFFFFF"/>
+                </a:solidFill>
+              </a14:hiddenFill>
+            </a:ext>
+          </a:extLst>
+        </p:spPr>
+      </p:pic>
+      <p:pic>
+        <p:nvPicPr>
+          <p:cNvPr id="64" name="Picture 6" descr="omcat Home">
+            <a:hlinkClick r:id="rId3"/>
+          </p:cNvPr>
+          <p:cNvPicPr>
+            <a:picLocks noChangeAspect="1" noChangeArrowheads="1"/>
+          </p:cNvPicPr>
+          <p:nvPr/>
+        </p:nvPicPr>
+        <p:blipFill>
+          <a:blip r:embed="rId4">
+            <a:extLst>
+              <a:ext uri="{28A0092B-C50C-407E-A947-70E740481C1C}">
+                <a14:useLocalDpi xmlns:a14="http://schemas.microsoft.com/office/drawing/2010/main" val="0"/>
+              </a:ext>
+            </a:extLst>
+          </a:blip>
+          <a:srcRect/>
+          <a:stretch>
+            <a:fillRect/>
+          </a:stretch>
+        </p:blipFill>
+        <p:spPr bwMode="auto">
+          <a:xfrm>
+            <a:off x="3277160" y="3385587"/>
+            <a:ext cx="475335" cy="338999"/>
+          </a:xfrm>
+          <a:prstGeom prst="rect">
+            <a:avLst/>
+          </a:prstGeom>
+          <a:noFill/>
+          <a:extLst>
+            <a:ext uri="{909E8E84-426E-40DD-AFC4-6F175D3DCCD1}">
+              <a14:hiddenFill xmlns:a14="http://schemas.microsoft.com/office/drawing/2010/main">
+                <a:solidFill>
+                  <a:srgbClr val="FFFFFF"/>
+                </a:solidFill>
+              </a14:hiddenFill>
+            </a:ext>
+          </a:extLst>
+        </p:spPr>
+      </p:pic>
+      <p:pic>
+        <p:nvPicPr>
+          <p:cNvPr id="65" name="Picture 6" descr="omcat Home">
+            <a:hlinkClick r:id="rId3"/>
+          </p:cNvPr>
+          <p:cNvPicPr>
+            <a:picLocks noChangeAspect="1" noChangeArrowheads="1"/>
+          </p:cNvPicPr>
+          <p:nvPr/>
+        </p:nvPicPr>
+        <p:blipFill>
+          <a:blip r:embed="rId4">
+            <a:extLst>
+              <a:ext uri="{28A0092B-C50C-407E-A947-70E740481C1C}">
+                <a14:useLocalDpi xmlns:a14="http://schemas.microsoft.com/office/drawing/2010/main" val="0"/>
+              </a:ext>
+            </a:extLst>
+          </a:blip>
+          <a:srcRect/>
+          <a:stretch>
+            <a:fillRect/>
+          </a:stretch>
+        </p:blipFill>
+        <p:spPr bwMode="auto">
+          <a:xfrm>
+            <a:off x="6503220" y="3391358"/>
+            <a:ext cx="475335" cy="338999"/>
+          </a:xfrm>
+          <a:prstGeom prst="rect">
+            <a:avLst/>
+          </a:prstGeom>
+          <a:noFill/>
+          <a:extLst>
+            <a:ext uri="{909E8E84-426E-40DD-AFC4-6F175D3DCCD1}">
+              <a14:hiddenFill xmlns:a14="http://schemas.microsoft.com/office/drawing/2010/main">
+                <a:solidFill>
+                  <a:srgbClr val="FFFFFF"/>
+                </a:solidFill>
+              </a14:hiddenFill>
+            </a:ext>
+          </a:extLst>
+        </p:spPr>
+      </p:pic>
+      <p:pic>
+        <p:nvPicPr>
+          <p:cNvPr id="67" name="Picture 6" descr="omcat Home">
+            <a:hlinkClick r:id="rId3"/>
+          </p:cNvPr>
+          <p:cNvPicPr>
+            <a:picLocks noChangeAspect="1" noChangeArrowheads="1"/>
+          </p:cNvPicPr>
+          <p:nvPr/>
+        </p:nvPicPr>
+        <p:blipFill>
+          <a:blip r:embed="rId4">
+            <a:extLst>
+              <a:ext uri="{28A0092B-C50C-407E-A947-70E740481C1C}">
+                <a14:useLocalDpi xmlns:a14="http://schemas.microsoft.com/office/drawing/2010/main" val="0"/>
+              </a:ext>
+            </a:extLst>
+          </a:blip>
+          <a:srcRect/>
+          <a:stretch>
+            <a:fillRect/>
+          </a:stretch>
+        </p:blipFill>
+        <p:spPr bwMode="auto">
+          <a:xfrm>
+            <a:off x="8501446" y="3381845"/>
+            <a:ext cx="475335" cy="338999"/>
+          </a:xfrm>
+          <a:prstGeom prst="rect">
+            <a:avLst/>
+          </a:prstGeom>
+          <a:noFill/>
+          <a:extLst>
+            <a:ext uri="{909E8E84-426E-40DD-AFC4-6F175D3DCCD1}">
+              <a14:hiddenFill xmlns:a14="http://schemas.microsoft.com/office/drawing/2010/main">
+                <a:solidFill>
+                  <a:srgbClr val="FFFFFF"/>
+                </a:solidFill>
+              </a14:hiddenFill>
+            </a:ext>
+          </a:extLst>
+        </p:spPr>
+      </p:pic>
+      <p:pic>
+        <p:nvPicPr>
+          <p:cNvPr id="68" name="Picture 6" descr="omcat Home">
+            <a:hlinkClick r:id="rId3"/>
+          </p:cNvPr>
+          <p:cNvPicPr>
+            <a:picLocks noChangeAspect="1" noChangeArrowheads="1"/>
+          </p:cNvPicPr>
+          <p:nvPr/>
+        </p:nvPicPr>
+        <p:blipFill>
+          <a:blip r:embed="rId4">
+            <a:extLst>
+              <a:ext uri="{28A0092B-C50C-407E-A947-70E740481C1C}">
+                <a14:useLocalDpi xmlns:a14="http://schemas.microsoft.com/office/drawing/2010/main" val="0"/>
+              </a:ext>
+            </a:extLst>
+          </a:blip>
+          <a:srcRect/>
+          <a:stretch>
+            <a:fillRect/>
+          </a:stretch>
+        </p:blipFill>
+        <p:spPr bwMode="auto">
+          <a:xfrm>
+            <a:off x="10449098" y="3393568"/>
+            <a:ext cx="475335" cy="338999"/>
+          </a:xfrm>
+          <a:prstGeom prst="rect">
+            <a:avLst/>
+          </a:prstGeom>
+          <a:noFill/>
+          <a:extLst>
+            <a:ext uri="{909E8E84-426E-40DD-AFC4-6F175D3DCCD1}">
+              <a14:hiddenFill xmlns:a14="http://schemas.microsoft.com/office/drawing/2010/main">
+                <a:solidFill>
+                  <a:srgbClr val="FFFFFF"/>
+                </a:solidFill>
+              </a14:hiddenFill>
+            </a:ext>
+          </a:extLst>
+        </p:spPr>
+      </p:pic>
+      <p:pic>
+        <p:nvPicPr>
+          <p:cNvPr id="70" name="Picture 6" descr="omcat Home">
+            <a:hlinkClick r:id="rId3"/>
+          </p:cNvPr>
+          <p:cNvPicPr>
+            <a:picLocks noChangeAspect="1" noChangeArrowheads="1"/>
+          </p:cNvPicPr>
+          <p:nvPr/>
+        </p:nvPicPr>
+        <p:blipFill>
+          <a:blip r:embed="rId4">
+            <a:extLst>
+              <a:ext uri="{28A0092B-C50C-407E-A947-70E740481C1C}">
+                <a14:useLocalDpi xmlns:a14="http://schemas.microsoft.com/office/drawing/2010/main" val="0"/>
+              </a:ext>
+            </a:extLst>
+          </a:blip>
+          <a:srcRect/>
+          <a:stretch>
+            <a:fillRect/>
+          </a:stretch>
+        </p:blipFill>
+        <p:spPr bwMode="auto">
+          <a:xfrm>
+            <a:off x="11526230" y="4818767"/>
+            <a:ext cx="475335" cy="338999"/>
+          </a:xfrm>
+          <a:prstGeom prst="rect">
+            <a:avLst/>
+          </a:prstGeom>
+          <a:noFill/>
+          <a:extLst>
+            <a:ext uri="{909E8E84-426E-40DD-AFC4-6F175D3DCCD1}">
+              <a14:hiddenFill xmlns:a14="http://schemas.microsoft.com/office/drawing/2010/main">
+                <a:solidFill>
+                  <a:srgbClr val="FFFFFF"/>
+                </a:solidFill>
+              </a14:hiddenFill>
+            </a:ext>
+          </a:extLst>
+        </p:spPr>
+      </p:pic>
+      <p:pic>
+        <p:nvPicPr>
+          <p:cNvPr id="74" name="Picture 2" descr="https://httpd.apache.org/docs/current/ja/images/feather.png"/>
           <p:cNvPicPr>
             <a:picLocks noChangeAspect="1" noChangeArrowheads="1"/>
           </p:cNvPicPr>
@@ -6405,8 +6665,8 @@
         </p:blipFill>
         <p:spPr bwMode="auto">
           <a:xfrm>
-            <a:off x="2069195" y="4789609"/>
-            <a:ext cx="475335" cy="338999"/>
+            <a:off x="4798065" y="8996654"/>
+            <a:ext cx="777823" cy="219547"/>
           </a:xfrm>
           <a:prstGeom prst="rect">
             <a:avLst/>
@@ -6425,9 +6685,1568 @@
       </p:pic>
       <p:pic>
         <p:nvPicPr>
-          <p:cNvPr id="62" name="Picture 6" descr="omcat Home">
-            <a:hlinkClick r:id="rId4"/>
+          <p:cNvPr id="75" name="Picture 6" descr="omcat Home">
+            <a:hlinkClick r:id="rId3"/>
           </p:cNvPr>
+          <p:cNvPicPr>
+            <a:picLocks noChangeAspect="1" noChangeArrowheads="1"/>
+          </p:cNvPicPr>
+          <p:nvPr/>
+        </p:nvPicPr>
+        <p:blipFill>
+          <a:blip r:embed="rId4">
+            <a:extLst>
+              <a:ext uri="{28A0092B-C50C-407E-A947-70E740481C1C}">
+                <a14:useLocalDpi xmlns:a14="http://schemas.microsoft.com/office/drawing/2010/main" val="0"/>
+              </a:ext>
+            </a:extLst>
+          </a:blip>
+          <a:srcRect/>
+          <a:stretch>
+            <a:fillRect/>
+          </a:stretch>
+        </p:blipFill>
+        <p:spPr bwMode="auto">
+          <a:xfrm>
+            <a:off x="5919110" y="8901361"/>
+            <a:ext cx="475335" cy="338999"/>
+          </a:xfrm>
+          <a:prstGeom prst="rect">
+            <a:avLst/>
+          </a:prstGeom>
+          <a:noFill/>
+          <a:extLst>
+            <a:ext uri="{909E8E84-426E-40DD-AFC4-6F175D3DCCD1}">
+              <a14:hiddenFill xmlns:a14="http://schemas.microsoft.com/office/drawing/2010/main">
+                <a:solidFill>
+                  <a:srgbClr val="FFFFFF"/>
+                </a:solidFill>
+              </a14:hiddenFill>
+            </a:ext>
+          </a:extLst>
+        </p:spPr>
+      </p:pic>
+      <p:sp>
+        <p:nvSpPr>
+          <p:cNvPr id="76" name="テキスト ボックス 75"/>
+          <p:cNvSpPr txBox="1"/>
+          <p:nvPr/>
+        </p:nvSpPr>
+        <p:spPr>
+          <a:xfrm>
+            <a:off x="4702087" y="9247588"/>
+            <a:ext cx="970137" cy="276999"/>
+          </a:xfrm>
+          <a:prstGeom prst="rect">
+            <a:avLst/>
+          </a:prstGeom>
+          <a:noFill/>
+        </p:spPr>
+        <p:txBody>
+          <a:bodyPr wrap="none" rtlCol="0">
+            <a:spAutoFit/>
+          </a:bodyPr>
+          <a:lstStyle/>
+          <a:p>
+            <a:r>
+              <a:rPr lang="en-US" altLang="ja-JP" sz="1200" dirty="0" smtClean="0"/>
+              <a:t>Apache 2.2</a:t>
+            </a:r>
+            <a:endParaRPr kumimoji="1" lang="ja-JP" altLang="en-US" sz="1200" dirty="0"/>
+          </a:p>
+        </p:txBody>
+      </p:sp>
+      <p:sp>
+        <p:nvSpPr>
+          <p:cNvPr id="77" name="テキスト ボックス 76"/>
+          <p:cNvSpPr txBox="1"/>
+          <p:nvPr/>
+        </p:nvSpPr>
+        <p:spPr>
+          <a:xfrm>
+            <a:off x="5682666" y="9251945"/>
+            <a:ext cx="974947" cy="276999"/>
+          </a:xfrm>
+          <a:prstGeom prst="rect">
+            <a:avLst/>
+          </a:prstGeom>
+          <a:noFill/>
+        </p:spPr>
+        <p:txBody>
+          <a:bodyPr wrap="none" rtlCol="0">
+            <a:spAutoFit/>
+          </a:bodyPr>
+          <a:lstStyle/>
+          <a:p>
+            <a:r>
+              <a:rPr lang="en-US" altLang="ja-JP" sz="1200" smtClean="0"/>
+              <a:t>Tomcat 8.0</a:t>
+            </a:r>
+            <a:endParaRPr kumimoji="1" lang="ja-JP" altLang="en-US" sz="1200" dirty="0"/>
+          </a:p>
+        </p:txBody>
+      </p:sp>
+      <p:pic>
+        <p:nvPicPr>
+          <p:cNvPr id="1033" name="Picture 9" descr="2 database logo"/>
+          <p:cNvPicPr>
+            <a:picLocks noChangeAspect="1" noChangeArrowheads="1"/>
+          </p:cNvPicPr>
+          <p:nvPr/>
+        </p:nvPicPr>
+        <p:blipFill>
+          <a:blip r:embed="rId6">
+            <a:extLst>
+              <a:ext uri="{28A0092B-C50C-407E-A947-70E740481C1C}">
+                <a14:useLocalDpi xmlns:a14="http://schemas.microsoft.com/office/drawing/2010/main" val="0"/>
+              </a:ext>
+            </a:extLst>
+          </a:blip>
+          <a:srcRect/>
+          <a:stretch>
+            <a:fillRect/>
+          </a:stretch>
+        </p:blipFill>
+        <p:spPr bwMode="auto">
+          <a:xfrm>
+            <a:off x="10198929" y="6694132"/>
+            <a:ext cx="661640" cy="360010"/>
+          </a:xfrm>
+          <a:prstGeom prst="rect">
+            <a:avLst/>
+          </a:prstGeom>
+          <a:noFill/>
+          <a:extLst>
+            <a:ext uri="{909E8E84-426E-40DD-AFC4-6F175D3DCCD1}">
+              <a14:hiddenFill xmlns:a14="http://schemas.microsoft.com/office/drawing/2010/main">
+                <a:solidFill>
+                  <a:srgbClr val="FFFFFF"/>
+                </a:solidFill>
+              </a14:hiddenFill>
+            </a:ext>
+          </a:extLst>
+        </p:spPr>
+      </p:pic>
+      <p:pic>
+        <p:nvPicPr>
+          <p:cNvPr id="78" name="Picture 9" descr="2 database logo"/>
+          <p:cNvPicPr>
+            <a:picLocks noChangeAspect="1" noChangeArrowheads="1"/>
+          </p:cNvPicPr>
+          <p:nvPr/>
+        </p:nvPicPr>
+        <p:blipFill>
+          <a:blip r:embed="rId6">
+            <a:extLst>
+              <a:ext uri="{28A0092B-C50C-407E-A947-70E740481C1C}">
+                <a14:useLocalDpi xmlns:a14="http://schemas.microsoft.com/office/drawing/2010/main" val="0"/>
+              </a:ext>
+            </a:extLst>
+          </a:blip>
+          <a:srcRect/>
+          <a:stretch>
+            <a:fillRect/>
+          </a:stretch>
+        </p:blipFill>
+        <p:spPr bwMode="auto">
+          <a:xfrm>
+            <a:off x="8048591" y="8881295"/>
+            <a:ext cx="657855" cy="357950"/>
+          </a:xfrm>
+          <a:prstGeom prst="rect">
+            <a:avLst/>
+          </a:prstGeom>
+          <a:noFill/>
+          <a:extLst>
+            <a:ext uri="{909E8E84-426E-40DD-AFC4-6F175D3DCCD1}">
+              <a14:hiddenFill xmlns:a14="http://schemas.microsoft.com/office/drawing/2010/main">
+                <a:solidFill>
+                  <a:srgbClr val="FFFFFF"/>
+                </a:solidFill>
+              </a14:hiddenFill>
+            </a:ext>
+          </a:extLst>
+        </p:spPr>
+      </p:pic>
+      <p:sp>
+        <p:nvSpPr>
+          <p:cNvPr id="79" name="テキスト ボックス 78"/>
+          <p:cNvSpPr txBox="1"/>
+          <p:nvPr/>
+        </p:nvSpPr>
+        <p:spPr>
+          <a:xfrm>
+            <a:off x="8067893" y="9247589"/>
+            <a:ext cx="638315" cy="276999"/>
+          </a:xfrm>
+          <a:prstGeom prst="rect">
+            <a:avLst/>
+          </a:prstGeom>
+          <a:noFill/>
+        </p:spPr>
+        <p:txBody>
+          <a:bodyPr wrap="none" rtlCol="0">
+            <a:spAutoFit/>
+          </a:bodyPr>
+          <a:lstStyle/>
+          <a:p>
+            <a:pPr algn="ctr"/>
+            <a:r>
+              <a:rPr lang="en-US" altLang="ja-JP" sz="1200" dirty="0" smtClean="0"/>
+              <a:t>H2 1.4</a:t>
+            </a:r>
+            <a:endParaRPr kumimoji="1" lang="ja-JP" altLang="en-US" sz="1200" dirty="0"/>
+          </a:p>
+        </p:txBody>
+      </p:sp>
+      <p:sp>
+        <p:nvSpPr>
+          <p:cNvPr id="80" name="テキスト ボックス 79"/>
+          <p:cNvSpPr txBox="1"/>
+          <p:nvPr/>
+        </p:nvSpPr>
+        <p:spPr>
+          <a:xfrm>
+            <a:off x="2078237" y="949243"/>
+            <a:ext cx="840295" cy="369332"/>
+          </a:xfrm>
+          <a:prstGeom prst="rect">
+            <a:avLst/>
+          </a:prstGeom>
+          <a:noFill/>
+        </p:spPr>
+        <p:txBody>
+          <a:bodyPr wrap="none" rtlCol="0">
+            <a:spAutoFit/>
+          </a:bodyPr>
+          <a:lstStyle/>
+          <a:p>
+            <a:r>
+              <a:rPr lang="en-US" altLang="ja-JP" dirty="0" smtClean="0"/>
+              <a:t>/</a:t>
+            </a:r>
+            <a:r>
+              <a:rPr lang="en-US" altLang="ja-JP" dirty="0" err="1" smtClean="0"/>
+              <a:t>api</a:t>
+            </a:r>
+            <a:r>
+              <a:rPr lang="en-US" altLang="ja-JP" dirty="0" smtClean="0"/>
+              <a:t>-c</a:t>
+            </a:r>
+            <a:endParaRPr kumimoji="1" lang="ja-JP" altLang="en-US" dirty="0"/>
+          </a:p>
+        </p:txBody>
+      </p:sp>
+      <p:sp>
+        <p:nvSpPr>
+          <p:cNvPr id="81" name="テキスト ボックス 80"/>
+          <p:cNvSpPr txBox="1"/>
+          <p:nvPr/>
+        </p:nvSpPr>
+        <p:spPr>
+          <a:xfrm>
+            <a:off x="3220455" y="940298"/>
+            <a:ext cx="849913" cy="369332"/>
+          </a:xfrm>
+          <a:prstGeom prst="rect">
+            <a:avLst/>
+          </a:prstGeom>
+          <a:noFill/>
+        </p:spPr>
+        <p:txBody>
+          <a:bodyPr wrap="none" rtlCol="0">
+            <a:spAutoFit/>
+          </a:bodyPr>
+          <a:lstStyle/>
+          <a:p>
+            <a:r>
+              <a:rPr lang="en-US" altLang="ja-JP" dirty="0" smtClean="0"/>
+              <a:t>/</a:t>
+            </a:r>
+            <a:r>
+              <a:rPr lang="en-US" altLang="ja-JP" dirty="0" err="1" smtClean="0"/>
+              <a:t>api</a:t>
+            </a:r>
+            <a:r>
+              <a:rPr lang="en-US" altLang="ja-JP" dirty="0" smtClean="0"/>
+              <a:t>-a</a:t>
+            </a:r>
+            <a:endParaRPr kumimoji="1" lang="ja-JP" altLang="en-US" dirty="0"/>
+          </a:p>
+        </p:txBody>
+      </p:sp>
+      <p:sp>
+        <p:nvSpPr>
+          <p:cNvPr id="82" name="テキスト ボックス 81"/>
+          <p:cNvSpPr txBox="1"/>
+          <p:nvPr/>
+        </p:nvSpPr>
+        <p:spPr>
+          <a:xfrm>
+            <a:off x="5344696" y="956295"/>
+            <a:ext cx="798617" cy="369332"/>
+          </a:xfrm>
+          <a:prstGeom prst="rect">
+            <a:avLst/>
+          </a:prstGeom>
+          <a:noFill/>
+        </p:spPr>
+        <p:txBody>
+          <a:bodyPr wrap="none" rtlCol="0">
+            <a:spAutoFit/>
+          </a:bodyPr>
+          <a:lstStyle/>
+          <a:p>
+            <a:r>
+              <a:rPr lang="en-US" altLang="ja-JP" dirty="0" smtClean="0"/>
+              <a:t>/</a:t>
+            </a:r>
+            <a:r>
+              <a:rPr lang="en-US" altLang="ja-JP" dirty="0" err="1" smtClean="0"/>
+              <a:t>scr</a:t>
+            </a:r>
+            <a:r>
+              <a:rPr lang="en-US" altLang="ja-JP" dirty="0" smtClean="0"/>
+              <a:t>-t</a:t>
+            </a:r>
+            <a:endParaRPr kumimoji="1" lang="ja-JP" altLang="en-US" dirty="0"/>
+          </a:p>
+        </p:txBody>
+      </p:sp>
+      <p:sp>
+        <p:nvSpPr>
+          <p:cNvPr id="83" name="テキスト ボックス 82"/>
+          <p:cNvSpPr txBox="1"/>
+          <p:nvPr/>
+        </p:nvSpPr>
+        <p:spPr>
+          <a:xfrm>
+            <a:off x="7370684" y="963531"/>
+            <a:ext cx="798617" cy="369332"/>
+          </a:xfrm>
+          <a:prstGeom prst="rect">
+            <a:avLst/>
+          </a:prstGeom>
+          <a:noFill/>
+        </p:spPr>
+        <p:txBody>
+          <a:bodyPr wrap="none" rtlCol="0">
+            <a:spAutoFit/>
+          </a:bodyPr>
+          <a:lstStyle/>
+          <a:p>
+            <a:r>
+              <a:rPr lang="en-US" altLang="ja-JP" dirty="0" smtClean="0"/>
+              <a:t>/</a:t>
+            </a:r>
+            <a:r>
+              <a:rPr lang="en-US" altLang="ja-JP" dirty="0" err="1" smtClean="0"/>
+              <a:t>scr</a:t>
+            </a:r>
+            <a:r>
+              <a:rPr lang="en-US" altLang="ja-JP" dirty="0" smtClean="0"/>
+              <a:t>-f</a:t>
+            </a:r>
+            <a:endParaRPr kumimoji="1" lang="ja-JP" altLang="en-US" dirty="0"/>
+          </a:p>
+        </p:txBody>
+      </p:sp>
+      <p:sp>
+        <p:nvSpPr>
+          <p:cNvPr id="84" name="テキスト ボックス 83"/>
+          <p:cNvSpPr txBox="1"/>
+          <p:nvPr/>
+        </p:nvSpPr>
+        <p:spPr>
+          <a:xfrm>
+            <a:off x="9325433" y="950804"/>
+            <a:ext cx="798617" cy="369332"/>
+          </a:xfrm>
+          <a:prstGeom prst="rect">
+            <a:avLst/>
+          </a:prstGeom>
+          <a:noFill/>
+        </p:spPr>
+        <p:txBody>
+          <a:bodyPr wrap="none" rtlCol="0">
+            <a:spAutoFit/>
+          </a:bodyPr>
+          <a:lstStyle/>
+          <a:p>
+            <a:r>
+              <a:rPr lang="en-US" altLang="ja-JP" dirty="0" smtClean="0"/>
+              <a:t>/</a:t>
+            </a:r>
+            <a:r>
+              <a:rPr lang="en-US" altLang="ja-JP" dirty="0" err="1" smtClean="0"/>
+              <a:t>scr</a:t>
+            </a:r>
+            <a:r>
+              <a:rPr lang="en-US" altLang="ja-JP" dirty="0" smtClean="0"/>
+              <a:t>-j</a:t>
+            </a:r>
+            <a:endParaRPr kumimoji="1" lang="ja-JP" altLang="en-US" dirty="0"/>
+          </a:p>
+        </p:txBody>
+      </p:sp>
+      <p:sp>
+        <p:nvSpPr>
+          <p:cNvPr id="85" name="テキスト ボックス 84"/>
+          <p:cNvSpPr txBox="1"/>
+          <p:nvPr/>
+        </p:nvSpPr>
+        <p:spPr>
+          <a:xfrm>
+            <a:off x="10647436" y="950130"/>
+            <a:ext cx="564578" cy="369332"/>
+          </a:xfrm>
+          <a:prstGeom prst="rect">
+            <a:avLst/>
+          </a:prstGeom>
+          <a:noFill/>
+        </p:spPr>
+        <p:txBody>
+          <a:bodyPr wrap="none" rtlCol="0">
+            <a:spAutoFit/>
+          </a:bodyPr>
+          <a:lstStyle/>
+          <a:p>
+            <a:r>
+              <a:rPr lang="en-US" altLang="ja-JP" dirty="0" smtClean="0"/>
+              <a:t>/</a:t>
+            </a:r>
+            <a:r>
+              <a:rPr lang="en-US" altLang="ja-JP" dirty="0" err="1" smtClean="0"/>
+              <a:t>db</a:t>
+            </a:r>
+            <a:endParaRPr kumimoji="1" lang="ja-JP" altLang="en-US" dirty="0"/>
+          </a:p>
+        </p:txBody>
+      </p:sp>
+      <p:sp>
+        <p:nvSpPr>
+          <p:cNvPr id="93" name="正方形/長方形 92"/>
+          <p:cNvSpPr/>
+          <p:nvPr/>
+        </p:nvSpPr>
+        <p:spPr>
+          <a:xfrm>
+            <a:off x="1699718" y="855398"/>
+            <a:ext cx="11072367" cy="1055385"/>
+          </a:xfrm>
+          <a:prstGeom prst="rect">
+            <a:avLst/>
+          </a:prstGeom>
+          <a:noFill/>
+          <a:ln>
+            <a:solidFill>
+              <a:schemeClr val="bg1">
+                <a:lumMod val="65000"/>
+              </a:schemeClr>
+            </a:solidFill>
+            <a:prstDash val="dash"/>
+          </a:ln>
+        </p:spPr>
+        <p:style>
+          <a:lnRef idx="2">
+            <a:schemeClr val="accent1">
+              <a:shade val="50000"/>
+            </a:schemeClr>
+          </a:lnRef>
+          <a:fillRef idx="1">
+            <a:schemeClr val="accent1"/>
+          </a:fillRef>
+          <a:effectRef idx="0">
+            <a:schemeClr val="accent1"/>
+          </a:effectRef>
+          <a:fontRef idx="minor">
+            <a:schemeClr val="lt1"/>
+          </a:fontRef>
+        </p:style>
+        <p:txBody>
+          <a:bodyPr rtlCol="0" anchor="ctr"/>
+          <a:lstStyle/>
+          <a:p>
+            <a:pPr algn="ctr"/>
+            <a:endParaRPr kumimoji="1" lang="ja-JP" altLang="en-US"/>
+          </a:p>
+        </p:txBody>
+      </p:sp>
+      <p:sp>
+        <p:nvSpPr>
+          <p:cNvPr id="86" name="正方形/長方形 85"/>
+          <p:cNvSpPr/>
+          <p:nvPr/>
+        </p:nvSpPr>
+        <p:spPr>
+          <a:xfrm>
+            <a:off x="198063" y="5728629"/>
+            <a:ext cx="11531820" cy="2483934"/>
+          </a:xfrm>
+          <a:prstGeom prst="rect">
+            <a:avLst/>
+          </a:prstGeom>
+          <a:noFill/>
+          <a:ln w="28575">
+            <a:solidFill>
+              <a:schemeClr val="tx1">
+                <a:lumMod val="65000"/>
+                <a:lumOff val="35000"/>
+              </a:schemeClr>
+            </a:solidFill>
+            <a:prstDash val="dash"/>
+          </a:ln>
+        </p:spPr>
+        <p:style>
+          <a:lnRef idx="2">
+            <a:schemeClr val="accent1">
+              <a:shade val="50000"/>
+            </a:schemeClr>
+          </a:lnRef>
+          <a:fillRef idx="1">
+            <a:schemeClr val="accent1"/>
+          </a:fillRef>
+          <a:effectRef idx="0">
+            <a:schemeClr val="accent1"/>
+          </a:effectRef>
+          <a:fontRef idx="minor">
+            <a:schemeClr val="lt1"/>
+          </a:fontRef>
+        </p:style>
+        <p:txBody>
+          <a:bodyPr rtlCol="0" anchor="ctr"/>
+          <a:lstStyle/>
+          <a:p>
+            <a:pPr algn="ctr"/>
+            <a:endParaRPr kumimoji="1" lang="ja-JP" altLang="en-US"/>
+          </a:p>
+        </p:txBody>
+      </p:sp>
+      <p:sp>
+        <p:nvSpPr>
+          <p:cNvPr id="90" name="円柱 89"/>
+          <p:cNvSpPr/>
+          <p:nvPr/>
+        </p:nvSpPr>
+        <p:spPr>
+          <a:xfrm>
+            <a:off x="1697638" y="6092536"/>
+            <a:ext cx="3637920" cy="1096855"/>
+          </a:xfrm>
+          <a:prstGeom prst="can">
+            <a:avLst/>
+          </a:prstGeom>
+        </p:spPr>
+        <p:style>
+          <a:lnRef idx="1">
+            <a:schemeClr val="accent3"/>
+          </a:lnRef>
+          <a:fillRef idx="2">
+            <a:schemeClr val="accent3"/>
+          </a:fillRef>
+          <a:effectRef idx="1">
+            <a:schemeClr val="accent3"/>
+          </a:effectRef>
+          <a:fontRef idx="minor">
+            <a:schemeClr val="dk1"/>
+          </a:fontRef>
+        </p:style>
+        <p:txBody>
+          <a:bodyPr rtlCol="0" anchor="ctr"/>
+          <a:lstStyle/>
+          <a:p>
+            <a:pPr algn="ctr"/>
+            <a:r>
+              <a:rPr lang="en-US" altLang="ja-JP" dirty="0" smtClean="0"/>
+              <a:t>PostgreSQL</a:t>
+            </a:r>
+          </a:p>
+        </p:txBody>
+      </p:sp>
+      <p:sp>
+        <p:nvSpPr>
+          <p:cNvPr id="91" name="テキスト ボックス 90"/>
+          <p:cNvSpPr txBox="1"/>
+          <p:nvPr/>
+        </p:nvSpPr>
+        <p:spPr>
+          <a:xfrm>
+            <a:off x="3314263" y="6051098"/>
+            <a:ext cx="697627" cy="369332"/>
+          </a:xfrm>
+          <a:prstGeom prst="rect">
+            <a:avLst/>
+          </a:prstGeom>
+          <a:noFill/>
+        </p:spPr>
+        <p:txBody>
+          <a:bodyPr wrap="none" rtlCol="0">
+            <a:spAutoFit/>
+          </a:bodyPr>
+          <a:lstStyle/>
+          <a:p>
+            <a:r>
+              <a:rPr kumimoji="1" lang="en-US" altLang="ja-JP" smtClean="0"/>
+              <a:t>5432</a:t>
+            </a:r>
+            <a:endParaRPr kumimoji="1" lang="ja-JP" altLang="en-US" dirty="0"/>
+          </a:p>
+        </p:txBody>
+      </p:sp>
+      <p:cxnSp>
+        <p:nvCxnSpPr>
+          <p:cNvPr id="99" name="直線矢印コネクタ 98"/>
+          <p:cNvCxnSpPr>
+            <a:stCxn id="36" idx="2"/>
+            <a:endCxn id="11" idx="4"/>
+          </p:cNvCxnSpPr>
+          <p:nvPr/>
+        </p:nvCxnSpPr>
+        <p:spPr>
+          <a:xfrm rot="5400000">
+            <a:off x="10288584" y="5724572"/>
+            <a:ext cx="1523844" cy="258809"/>
+          </a:xfrm>
+          <a:prstGeom prst="bentConnector2">
+            <a:avLst/>
+          </a:prstGeom>
+          <a:ln w="38100">
+            <a:solidFill>
+              <a:schemeClr val="bg1">
+                <a:lumMod val="65000"/>
+              </a:schemeClr>
+            </a:solidFill>
+            <a:tailEnd type="triangle"/>
+          </a:ln>
+        </p:spPr>
+        <p:style>
+          <a:lnRef idx="1">
+            <a:schemeClr val="accent1"/>
+          </a:lnRef>
+          <a:fillRef idx="0">
+            <a:schemeClr val="accent1"/>
+          </a:fillRef>
+          <a:effectRef idx="0">
+            <a:schemeClr val="accent1"/>
+          </a:effectRef>
+          <a:fontRef idx="minor">
+            <a:schemeClr val="tx1"/>
+          </a:fontRef>
+        </p:style>
+      </p:cxnSp>
+      <p:pic>
+        <p:nvPicPr>
+          <p:cNvPr id="96" name="図 95"/>
+          <p:cNvPicPr>
+            <a:picLocks noChangeAspect="1"/>
+          </p:cNvPicPr>
+          <p:nvPr/>
+        </p:nvPicPr>
+        <p:blipFill>
+          <a:blip r:embed="rId7"/>
+          <a:stretch>
+            <a:fillRect/>
+          </a:stretch>
+        </p:blipFill>
+        <p:spPr>
+          <a:xfrm>
+            <a:off x="6974450" y="8881947"/>
+            <a:ext cx="647369" cy="375474"/>
+          </a:xfrm>
+          <a:prstGeom prst="rect">
+            <a:avLst/>
+          </a:prstGeom>
+        </p:spPr>
+      </p:pic>
+      <p:sp>
+        <p:nvSpPr>
+          <p:cNvPr id="109" name="テキスト ボックス 108"/>
+          <p:cNvSpPr txBox="1"/>
+          <p:nvPr/>
+        </p:nvSpPr>
+        <p:spPr>
+          <a:xfrm>
+            <a:off x="6688186" y="9245531"/>
+            <a:ext cx="1285929" cy="276999"/>
+          </a:xfrm>
+          <a:prstGeom prst="rect">
+            <a:avLst/>
+          </a:prstGeom>
+          <a:noFill/>
+        </p:spPr>
+        <p:txBody>
+          <a:bodyPr wrap="none" rtlCol="0">
+            <a:spAutoFit/>
+          </a:bodyPr>
+          <a:lstStyle/>
+          <a:p>
+            <a:pPr algn="ctr"/>
+            <a:r>
+              <a:rPr kumimoji="1" lang="en-US" altLang="ja-JP" sz="1200" dirty="0" smtClean="0"/>
+              <a:t>PostgreSQL 9.4</a:t>
+            </a:r>
+            <a:endParaRPr kumimoji="1" lang="ja-JP" altLang="en-US" sz="1200" dirty="0"/>
+          </a:p>
+        </p:txBody>
+      </p:sp>
+      <p:pic>
+        <p:nvPicPr>
+          <p:cNvPr id="110" name="図 109"/>
+          <p:cNvPicPr>
+            <a:picLocks noChangeAspect="1"/>
+          </p:cNvPicPr>
+          <p:nvPr/>
+        </p:nvPicPr>
+        <p:blipFill>
+          <a:blip r:embed="rId7"/>
+          <a:stretch>
+            <a:fillRect/>
+          </a:stretch>
+        </p:blipFill>
+        <p:spPr>
+          <a:xfrm>
+            <a:off x="4608215" y="6655753"/>
+            <a:ext cx="647369" cy="375474"/>
+          </a:xfrm>
+          <a:prstGeom prst="rect">
+            <a:avLst/>
+          </a:prstGeom>
+        </p:spPr>
+      </p:pic>
+      <p:sp>
+        <p:nvSpPr>
+          <p:cNvPr id="111" name="テキスト ボックス 110"/>
+          <p:cNvSpPr txBox="1"/>
+          <p:nvPr/>
+        </p:nvSpPr>
+        <p:spPr>
+          <a:xfrm>
+            <a:off x="5936186" y="6427277"/>
+            <a:ext cx="649567" cy="369332"/>
+          </a:xfrm>
+          <a:prstGeom prst="rect">
+            <a:avLst/>
+          </a:prstGeom>
+          <a:noFill/>
+        </p:spPr>
+        <p:txBody>
+          <a:bodyPr wrap="square" rtlCol="0">
+            <a:spAutoFit/>
+          </a:bodyPr>
+          <a:lstStyle/>
+          <a:p>
+            <a:r>
+              <a:rPr lang="en-US" altLang="ja-JP" smtClean="0">
+                <a:solidFill>
+                  <a:schemeClr val="bg1">
+                    <a:lumMod val="50000"/>
+                  </a:schemeClr>
+                </a:solidFill>
+              </a:rPr>
+              <a:t>OR</a:t>
+            </a:r>
+            <a:endParaRPr kumimoji="1" lang="ja-JP" altLang="en-US" dirty="0">
+              <a:solidFill>
+                <a:schemeClr val="bg1">
+                  <a:lumMod val="50000"/>
+                </a:schemeClr>
+              </a:solidFill>
+            </a:endParaRPr>
+          </a:p>
+        </p:txBody>
+      </p:sp>
+      <p:sp>
+        <p:nvSpPr>
+          <p:cNvPr id="92" name="角丸四角形 91"/>
+          <p:cNvSpPr/>
+          <p:nvPr/>
+        </p:nvSpPr>
+        <p:spPr>
+          <a:xfrm>
+            <a:off x="11756262" y="2789789"/>
+            <a:ext cx="1458936" cy="914400"/>
+          </a:xfrm>
+          <a:prstGeom prst="roundRect">
+            <a:avLst/>
+          </a:prstGeom>
+          <a:solidFill>
+            <a:schemeClr val="accent6"/>
+          </a:solidFill>
+          <a:ln>
+            <a:solidFill>
+              <a:schemeClr val="accent6">
+                <a:lumMod val="75000"/>
+              </a:schemeClr>
+            </a:solidFill>
+          </a:ln>
+        </p:spPr>
+        <p:style>
+          <a:lnRef idx="1">
+            <a:schemeClr val="accent1"/>
+          </a:lnRef>
+          <a:fillRef idx="2">
+            <a:schemeClr val="accent1"/>
+          </a:fillRef>
+          <a:effectRef idx="1">
+            <a:schemeClr val="accent1"/>
+          </a:effectRef>
+          <a:fontRef idx="minor">
+            <a:schemeClr val="dk1"/>
+          </a:fontRef>
+        </p:style>
+        <p:txBody>
+          <a:bodyPr rtlCol="0" anchor="ctr"/>
+          <a:lstStyle/>
+          <a:p>
+            <a:pPr algn="ctr"/>
+            <a:r>
+              <a:rPr lang="en-US" altLang="ja-JP" dirty="0" err="1" smtClean="0">
+                <a:solidFill>
+                  <a:schemeClr val="bg1"/>
+                </a:solidFill>
+              </a:rPr>
+              <a:t>jms</a:t>
+            </a:r>
+            <a:r>
+              <a:rPr lang="en-US" altLang="ja-JP" dirty="0" smtClean="0">
+                <a:solidFill>
+                  <a:schemeClr val="bg1"/>
+                </a:solidFill>
+              </a:rPr>
+              <a:t>-consumer</a:t>
+            </a:r>
+            <a:endParaRPr lang="en-US" altLang="ja-JP" dirty="0" smtClean="0">
+              <a:solidFill>
+                <a:schemeClr val="bg1"/>
+              </a:solidFill>
+            </a:endParaRPr>
+          </a:p>
+          <a:p>
+            <a:pPr algn="ctr"/>
+            <a:r>
+              <a:rPr lang="en-US" altLang="ja-JP" dirty="0" smtClean="0">
+                <a:solidFill>
+                  <a:schemeClr val="bg1"/>
+                </a:solidFill>
+              </a:rPr>
+              <a:t>(/</a:t>
+            </a:r>
+            <a:r>
+              <a:rPr lang="en-US" altLang="ja-JP" dirty="0" err="1" smtClean="0">
+                <a:solidFill>
+                  <a:schemeClr val="bg1"/>
+                </a:solidFill>
+              </a:rPr>
+              <a:t>jms</a:t>
+            </a:r>
+            <a:r>
+              <a:rPr lang="en-US" altLang="ja-JP" dirty="0" smtClean="0">
+                <a:solidFill>
+                  <a:schemeClr val="bg1"/>
+                </a:solidFill>
+              </a:rPr>
+              <a:t>-c)</a:t>
+            </a:r>
+            <a:endParaRPr lang="en-US" altLang="ja-JP" dirty="0" smtClean="0">
+              <a:solidFill>
+                <a:schemeClr val="bg1"/>
+              </a:solidFill>
+            </a:endParaRPr>
+          </a:p>
+        </p:txBody>
+      </p:sp>
+      <p:sp>
+        <p:nvSpPr>
+          <p:cNvPr id="94" name="正方形/長方形 93"/>
+          <p:cNvSpPr/>
+          <p:nvPr/>
+        </p:nvSpPr>
+        <p:spPr>
+          <a:xfrm>
+            <a:off x="13076888" y="651610"/>
+            <a:ext cx="1070190" cy="1339782"/>
+          </a:xfrm>
+          <a:prstGeom prst="rect">
+            <a:avLst/>
+          </a:prstGeom>
+          <a:solidFill>
+            <a:schemeClr val="accent4">
+              <a:lumMod val="20000"/>
+              <a:lumOff val="80000"/>
+            </a:schemeClr>
+          </a:solidFill>
+          <a:ln>
+            <a:noFill/>
+            <a:prstDash val="dash"/>
+          </a:ln>
+        </p:spPr>
+        <p:style>
+          <a:lnRef idx="2">
+            <a:schemeClr val="accent1">
+              <a:shade val="50000"/>
+            </a:schemeClr>
+          </a:lnRef>
+          <a:fillRef idx="1">
+            <a:schemeClr val="accent1"/>
+          </a:fillRef>
+          <a:effectRef idx="0">
+            <a:schemeClr val="accent1"/>
+          </a:effectRef>
+          <a:fontRef idx="minor">
+            <a:schemeClr val="lt1"/>
+          </a:fontRef>
+        </p:style>
+        <p:txBody>
+          <a:bodyPr rtlCol="0" anchor="ctr"/>
+          <a:lstStyle/>
+          <a:p>
+            <a:pPr algn="ctr"/>
+            <a:endParaRPr kumimoji="1" lang="ja-JP" altLang="en-US"/>
+          </a:p>
+        </p:txBody>
+      </p:sp>
+      <p:cxnSp>
+        <p:nvCxnSpPr>
+          <p:cNvPr id="95" name="直線矢印コネクタ 98"/>
+          <p:cNvCxnSpPr>
+            <a:stCxn id="92" idx="2"/>
+            <a:endCxn id="86" idx="3"/>
+          </p:cNvCxnSpPr>
+          <p:nvPr/>
+        </p:nvCxnSpPr>
+        <p:spPr>
+          <a:xfrm rot="5400000">
+            <a:off x="10474604" y="4959469"/>
+            <a:ext cx="3266407" cy="755847"/>
+          </a:xfrm>
+          <a:prstGeom prst="bentConnector2">
+            <a:avLst/>
+          </a:prstGeom>
+          <a:ln w="38100">
+            <a:solidFill>
+              <a:schemeClr val="bg1">
+                <a:lumMod val="65000"/>
+              </a:schemeClr>
+            </a:solidFill>
+            <a:tailEnd type="triangle"/>
+          </a:ln>
+        </p:spPr>
+        <p:style>
+          <a:lnRef idx="1">
+            <a:schemeClr val="accent1"/>
+          </a:lnRef>
+          <a:fillRef idx="0">
+            <a:schemeClr val="accent1"/>
+          </a:fillRef>
+          <a:effectRef idx="0">
+            <a:schemeClr val="accent1"/>
+          </a:effectRef>
+          <a:fontRef idx="minor">
+            <a:schemeClr val="tx1"/>
+          </a:fontRef>
+        </p:style>
+      </p:cxnSp>
+      <p:sp>
+        <p:nvSpPr>
+          <p:cNvPr id="98" name="テキスト ボックス 97"/>
+          <p:cNvSpPr txBox="1"/>
+          <p:nvPr/>
+        </p:nvSpPr>
+        <p:spPr>
+          <a:xfrm>
+            <a:off x="11535230" y="2460643"/>
+            <a:ext cx="825867" cy="369332"/>
+          </a:xfrm>
+          <a:prstGeom prst="rect">
+            <a:avLst/>
+          </a:prstGeom>
+          <a:noFill/>
+        </p:spPr>
+        <p:txBody>
+          <a:bodyPr wrap="none" rtlCol="0">
+            <a:spAutoFit/>
+          </a:bodyPr>
+          <a:lstStyle/>
+          <a:p>
+            <a:r>
+              <a:rPr kumimoji="1" lang="en-US" altLang="ja-JP" dirty="0" smtClean="0"/>
+              <a:t>20000</a:t>
+            </a:r>
+            <a:endParaRPr kumimoji="1" lang="ja-JP" altLang="en-US" dirty="0"/>
+          </a:p>
+        </p:txBody>
+      </p:sp>
+      <p:grpSp>
+        <p:nvGrpSpPr>
+          <p:cNvPr id="25" name="図形グループ 24"/>
+          <p:cNvGrpSpPr/>
+          <p:nvPr/>
+        </p:nvGrpSpPr>
+        <p:grpSpPr>
+          <a:xfrm>
+            <a:off x="411412" y="6143352"/>
+            <a:ext cx="894752" cy="797465"/>
+            <a:chOff x="-1341383" y="5624533"/>
+            <a:chExt cx="894752" cy="797465"/>
+          </a:xfrm>
+        </p:grpSpPr>
+        <p:pic>
+          <p:nvPicPr>
+            <p:cNvPr id="102" name="Picture 5"/>
+            <p:cNvPicPr>
+              <a:picLocks noChangeAspect="1"/>
+            </p:cNvPicPr>
+            <p:nvPr/>
+          </p:nvPicPr>
+          <p:blipFill>
+            <a:blip r:embed="rId8">
+              <a:extLst>
+                <a:ext uri="{28A0092B-C50C-407E-A947-70E740481C1C}">
+                  <a14:useLocalDpi xmlns:a14="http://schemas.microsoft.com/office/drawing/2010/main" val="0"/>
+                </a:ext>
+              </a:extLst>
+            </a:blip>
+            <a:stretch>
+              <a:fillRect/>
+            </a:stretch>
+          </p:blipFill>
+          <p:spPr>
+            <a:xfrm>
+              <a:off x="-1154690" y="5624533"/>
+              <a:ext cx="521366" cy="602830"/>
+            </a:xfrm>
+            <a:prstGeom prst="rect">
+              <a:avLst/>
+            </a:prstGeom>
+          </p:spPr>
+        </p:pic>
+        <p:sp>
+          <p:nvSpPr>
+            <p:cNvPr id="103" name="TextBox 397"/>
+            <p:cNvSpPr txBox="1"/>
+            <p:nvPr/>
+          </p:nvSpPr>
+          <p:spPr>
+            <a:xfrm>
+              <a:off x="-1341383" y="6266366"/>
+              <a:ext cx="894752" cy="155632"/>
+            </a:xfrm>
+            <a:prstGeom prst="rect">
+              <a:avLst/>
+            </a:prstGeom>
+            <a:noFill/>
+          </p:spPr>
+          <p:txBody>
+            <a:bodyPr wrap="square" lIns="0" tIns="0" rIns="0" bIns="0" rtlCol="0" anchor="t">
+              <a:noAutofit/>
+            </a:bodyPr>
+            <a:lstStyle/>
+            <a:p>
+              <a:pPr algn="ctr"/>
+              <a:r>
+                <a:rPr lang="en-US" sz="1000" b="1" dirty="0" smtClean="0"/>
+                <a:t>Amazon</a:t>
+              </a:r>
+              <a:br>
+                <a:rPr lang="en-US" sz="1000" b="1" dirty="0" smtClean="0"/>
+              </a:br>
+              <a:r>
+                <a:rPr lang="en-US" sz="1000" b="1" dirty="0" smtClean="0"/>
+                <a:t>RDS</a:t>
+              </a:r>
+              <a:endParaRPr lang="en-US" b="1" dirty="0"/>
+            </a:p>
+          </p:txBody>
+        </p:sp>
+      </p:grpSp>
+      <p:grpSp>
+        <p:nvGrpSpPr>
+          <p:cNvPr id="26" name="図形グループ 25"/>
+          <p:cNvGrpSpPr/>
+          <p:nvPr/>
+        </p:nvGrpSpPr>
+        <p:grpSpPr>
+          <a:xfrm>
+            <a:off x="572888" y="878176"/>
+            <a:ext cx="643781" cy="836556"/>
+            <a:chOff x="-1225976" y="1036405"/>
+            <a:chExt cx="643781" cy="836556"/>
+          </a:xfrm>
+        </p:grpSpPr>
+        <p:pic>
+          <p:nvPicPr>
+            <p:cNvPr id="105" name="Picture 7"/>
+            <p:cNvPicPr>
+              <a:picLocks noChangeAspect="1"/>
+            </p:cNvPicPr>
+            <p:nvPr/>
+          </p:nvPicPr>
+          <p:blipFill>
+            <a:blip r:embed="rId9">
+              <a:extLst>
+                <a:ext uri="{28A0092B-C50C-407E-A947-70E740481C1C}">
+                  <a14:useLocalDpi xmlns:a14="http://schemas.microsoft.com/office/drawing/2010/main" val="0"/>
+                </a:ext>
+              </a:extLst>
+            </a:blip>
+            <a:stretch>
+              <a:fillRect/>
+            </a:stretch>
+          </p:blipFill>
+          <p:spPr>
+            <a:xfrm>
+              <a:off x="-1176476" y="1036405"/>
+              <a:ext cx="544781" cy="653738"/>
+            </a:xfrm>
+            <a:prstGeom prst="rect">
+              <a:avLst/>
+            </a:prstGeom>
+          </p:spPr>
+        </p:pic>
+        <p:sp>
+          <p:nvSpPr>
+            <p:cNvPr id="106" name="TextBox 213"/>
+            <p:cNvSpPr txBox="1"/>
+            <p:nvPr/>
+          </p:nvSpPr>
+          <p:spPr>
+            <a:xfrm>
+              <a:off x="-1225976" y="1717329"/>
+              <a:ext cx="643781" cy="155632"/>
+            </a:xfrm>
+            <a:prstGeom prst="rect">
+              <a:avLst/>
+            </a:prstGeom>
+            <a:noFill/>
+          </p:spPr>
+          <p:txBody>
+            <a:bodyPr wrap="square" lIns="0" tIns="0" rIns="0" bIns="0" rtlCol="0" anchor="t">
+              <a:noAutofit/>
+            </a:bodyPr>
+            <a:lstStyle/>
+            <a:p>
+              <a:pPr algn="ctr"/>
+              <a:r>
+                <a:rPr lang="en-US" sz="1000" b="1" dirty="0" smtClean="0"/>
+                <a:t>Amazon EC2</a:t>
+              </a:r>
+              <a:endParaRPr lang="en-US" b="1" dirty="0"/>
+            </a:p>
+          </p:txBody>
+        </p:sp>
+      </p:grpSp>
+      <p:grpSp>
+        <p:nvGrpSpPr>
+          <p:cNvPr id="29" name="図形グループ 28"/>
+          <p:cNvGrpSpPr/>
+          <p:nvPr/>
+        </p:nvGrpSpPr>
+        <p:grpSpPr>
+          <a:xfrm>
+            <a:off x="13183396" y="915835"/>
+            <a:ext cx="894752" cy="816688"/>
+            <a:chOff x="12990515" y="3971434"/>
+            <a:chExt cx="894752" cy="816688"/>
+          </a:xfrm>
+        </p:grpSpPr>
+        <p:pic>
+          <p:nvPicPr>
+            <p:cNvPr id="108" name="Picture 113"/>
+            <p:cNvPicPr>
+              <a:picLocks noChangeAspect="1"/>
+            </p:cNvPicPr>
+            <p:nvPr/>
+          </p:nvPicPr>
+          <p:blipFill>
+            <a:blip r:embed="rId10">
+              <a:extLst>
+                <a:ext uri="{28A0092B-C50C-407E-A947-70E740481C1C}">
+                  <a14:useLocalDpi xmlns:a14="http://schemas.microsoft.com/office/drawing/2010/main" val="0"/>
+                </a:ext>
+              </a:extLst>
+            </a:blip>
+            <a:stretch>
+              <a:fillRect/>
+            </a:stretch>
+          </p:blipFill>
+          <p:spPr>
+            <a:xfrm>
+              <a:off x="13183778" y="3971434"/>
+              <a:ext cx="544780" cy="653736"/>
+            </a:xfrm>
+            <a:prstGeom prst="rect">
+              <a:avLst/>
+            </a:prstGeom>
+          </p:spPr>
+        </p:pic>
+        <p:sp>
+          <p:nvSpPr>
+            <p:cNvPr id="112" name="TextBox 594"/>
+            <p:cNvSpPr txBox="1"/>
+            <p:nvPr/>
+          </p:nvSpPr>
+          <p:spPr>
+            <a:xfrm>
+              <a:off x="12990515" y="4632490"/>
+              <a:ext cx="894752" cy="155632"/>
+            </a:xfrm>
+            <a:prstGeom prst="rect">
+              <a:avLst/>
+            </a:prstGeom>
+            <a:noFill/>
+          </p:spPr>
+          <p:txBody>
+            <a:bodyPr wrap="square" lIns="0" tIns="0" rIns="0" bIns="0" rtlCol="0" anchor="t">
+              <a:noAutofit/>
+            </a:bodyPr>
+            <a:lstStyle/>
+            <a:p>
+              <a:pPr algn="ctr"/>
+              <a:r>
+                <a:rPr lang="en-US" sz="1000" b="1" dirty="0" smtClean="0"/>
+                <a:t>Amazon</a:t>
+              </a:r>
+              <a:br>
+                <a:rPr lang="en-US" sz="1000" b="1" dirty="0" smtClean="0"/>
+              </a:br>
+              <a:r>
+                <a:rPr lang="en-US" sz="1000" b="1" dirty="0" smtClean="0"/>
+                <a:t>SQS</a:t>
+              </a:r>
+              <a:endParaRPr lang="en-US" b="1" dirty="0"/>
+            </a:p>
+          </p:txBody>
+        </p:sp>
+      </p:grpSp>
+      <p:pic>
+        <p:nvPicPr>
+          <p:cNvPr id="114" name="Picture 14"/>
+          <p:cNvPicPr>
+            <a:picLocks noChangeAspect="1"/>
+          </p:cNvPicPr>
+          <p:nvPr/>
+        </p:nvPicPr>
+        <p:blipFill>
+          <a:blip r:embed="rId11">
+            <a:extLst>
+              <a:ext uri="{28A0092B-C50C-407E-A947-70E740481C1C}">
+                <a14:useLocalDpi xmlns:a14="http://schemas.microsoft.com/office/drawing/2010/main" val="0"/>
+              </a:ext>
+            </a:extLst>
+          </a:blip>
+          <a:stretch>
+            <a:fillRect/>
+          </a:stretch>
+        </p:blipFill>
+        <p:spPr>
+          <a:xfrm>
+            <a:off x="124578" y="419484"/>
+            <a:ext cx="603504" cy="393954"/>
+          </a:xfrm>
+          <a:prstGeom prst="rect">
+            <a:avLst/>
+          </a:prstGeom>
+        </p:spPr>
+      </p:pic>
+      <p:pic>
+        <p:nvPicPr>
+          <p:cNvPr id="117" name="Picture 14"/>
+          <p:cNvPicPr>
+            <a:picLocks noChangeAspect="1"/>
+          </p:cNvPicPr>
+          <p:nvPr/>
+        </p:nvPicPr>
+        <p:blipFill>
+          <a:blip r:embed="rId11">
+            <a:extLst>
+              <a:ext uri="{28A0092B-C50C-407E-A947-70E740481C1C}">
+                <a14:useLocalDpi xmlns:a14="http://schemas.microsoft.com/office/drawing/2010/main" val="0"/>
+              </a:ext>
+            </a:extLst>
+          </a:blip>
+          <a:stretch>
+            <a:fillRect/>
+          </a:stretch>
+        </p:blipFill>
+        <p:spPr>
+          <a:xfrm>
+            <a:off x="155324" y="5716750"/>
+            <a:ext cx="603504" cy="393954"/>
+          </a:xfrm>
+          <a:prstGeom prst="rect">
+            <a:avLst/>
+          </a:prstGeom>
+        </p:spPr>
+      </p:pic>
+      <p:pic>
+        <p:nvPicPr>
+          <p:cNvPr id="118" name="Picture 14"/>
+          <p:cNvPicPr>
+            <a:picLocks noChangeAspect="1"/>
+          </p:cNvPicPr>
+          <p:nvPr/>
+        </p:nvPicPr>
+        <p:blipFill>
+          <a:blip r:embed="rId11">
+            <a:extLst>
+              <a:ext uri="{28A0092B-C50C-407E-A947-70E740481C1C}">
+                <a14:useLocalDpi xmlns:a14="http://schemas.microsoft.com/office/drawing/2010/main" val="0"/>
+              </a:ext>
+            </a:extLst>
+          </a:blip>
+          <a:stretch>
+            <a:fillRect/>
+          </a:stretch>
+        </p:blipFill>
+        <p:spPr>
+          <a:xfrm>
+            <a:off x="13811121" y="459989"/>
+            <a:ext cx="603504" cy="393954"/>
+          </a:xfrm>
+          <a:prstGeom prst="rect">
+            <a:avLst/>
+          </a:prstGeom>
+        </p:spPr>
+      </p:pic>
+      <p:cxnSp>
+        <p:nvCxnSpPr>
+          <p:cNvPr id="121" name="直線矢印コネクタ 120"/>
+          <p:cNvCxnSpPr/>
+          <p:nvPr/>
+        </p:nvCxnSpPr>
+        <p:spPr>
+          <a:xfrm>
+            <a:off x="11954466" y="9388945"/>
+            <a:ext cx="817620" cy="0"/>
+          </a:xfrm>
+          <a:prstGeom prst="straightConnector1">
+            <a:avLst/>
+          </a:prstGeom>
+          <a:ln w="38100">
+            <a:solidFill>
+              <a:schemeClr val="accent2">
+                <a:lumMod val="60000"/>
+                <a:lumOff val="40000"/>
+              </a:schemeClr>
+            </a:solidFill>
+            <a:tailEnd type="triangle"/>
+          </a:ln>
+        </p:spPr>
+        <p:style>
+          <a:lnRef idx="1">
+            <a:schemeClr val="accent1"/>
+          </a:lnRef>
+          <a:fillRef idx="0">
+            <a:schemeClr val="accent1"/>
+          </a:fillRef>
+          <a:effectRef idx="0">
+            <a:schemeClr val="accent1"/>
+          </a:effectRef>
+          <a:fontRef idx="minor">
+            <a:schemeClr val="tx1"/>
+          </a:fontRef>
+        </p:style>
+      </p:cxnSp>
+      <p:sp>
+        <p:nvSpPr>
+          <p:cNvPr id="122" name="テキスト ボックス 121"/>
+          <p:cNvSpPr txBox="1"/>
+          <p:nvPr/>
+        </p:nvSpPr>
+        <p:spPr>
+          <a:xfrm>
+            <a:off x="12071687" y="9021535"/>
+            <a:ext cx="482824" cy="276999"/>
+          </a:xfrm>
+          <a:prstGeom prst="rect">
+            <a:avLst/>
+          </a:prstGeom>
+          <a:noFill/>
+        </p:spPr>
+        <p:txBody>
+          <a:bodyPr wrap="none" rtlCol="0">
+            <a:spAutoFit/>
+          </a:bodyPr>
+          <a:lstStyle/>
+          <a:p>
+            <a:r>
+              <a:rPr kumimoji="1" lang="en-US" altLang="ja-JP" sz="1200" dirty="0" smtClean="0"/>
+              <a:t>JMS</a:t>
+            </a:r>
+            <a:endParaRPr kumimoji="1" lang="ja-JP" altLang="en-US" sz="1200" dirty="0"/>
+          </a:p>
+        </p:txBody>
+      </p:sp>
+      <p:cxnSp>
+        <p:nvCxnSpPr>
+          <p:cNvPr id="123" name="直線矢印コネクタ 122"/>
+          <p:cNvCxnSpPr>
+            <a:stCxn id="92" idx="3"/>
+            <a:endCxn id="94" idx="2"/>
+          </p:cNvCxnSpPr>
+          <p:nvPr/>
+        </p:nvCxnSpPr>
+        <p:spPr>
+          <a:xfrm flipV="1">
+            <a:off x="13215198" y="1991392"/>
+            <a:ext cx="396785" cy="1255597"/>
+          </a:xfrm>
+          <a:prstGeom prst="bentConnector2">
+            <a:avLst/>
+          </a:prstGeom>
+          <a:ln w="38100">
+            <a:solidFill>
+              <a:schemeClr val="accent2">
+                <a:lumMod val="60000"/>
+                <a:lumOff val="40000"/>
+              </a:schemeClr>
+            </a:solidFill>
+            <a:tailEnd type="triangle"/>
+          </a:ln>
+        </p:spPr>
+        <p:style>
+          <a:lnRef idx="1">
+            <a:schemeClr val="accent1"/>
+          </a:lnRef>
+          <a:fillRef idx="0">
+            <a:schemeClr val="accent1"/>
+          </a:fillRef>
+          <a:effectRef idx="0">
+            <a:schemeClr val="accent1"/>
+          </a:effectRef>
+          <a:fontRef idx="minor">
+            <a:schemeClr val="tx1"/>
+          </a:fontRef>
+        </p:style>
+      </p:cxnSp>
+      <p:cxnSp>
+        <p:nvCxnSpPr>
+          <p:cNvPr id="137" name="直線矢印コネクタ 136"/>
+          <p:cNvCxnSpPr/>
+          <p:nvPr/>
+        </p:nvCxnSpPr>
+        <p:spPr>
+          <a:xfrm>
+            <a:off x="12481402" y="45433"/>
+            <a:ext cx="14116" cy="2744356"/>
+          </a:xfrm>
+          <a:prstGeom prst="straightConnector1">
+            <a:avLst/>
+          </a:prstGeom>
+          <a:ln w="38100">
+            <a:solidFill>
+              <a:schemeClr val="accent6">
+                <a:lumMod val="60000"/>
+                <a:lumOff val="40000"/>
+              </a:schemeClr>
+            </a:solidFill>
+            <a:tailEnd type="triangle"/>
+          </a:ln>
+        </p:spPr>
+        <p:style>
+          <a:lnRef idx="1">
+            <a:schemeClr val="accent1"/>
+          </a:lnRef>
+          <a:fillRef idx="0">
+            <a:schemeClr val="accent1"/>
+          </a:fillRef>
+          <a:effectRef idx="0">
+            <a:schemeClr val="accent1"/>
+          </a:effectRef>
+          <a:fontRef idx="minor">
+            <a:schemeClr val="tx1"/>
+          </a:fontRef>
+        </p:style>
+      </p:cxnSp>
+      <p:sp>
+        <p:nvSpPr>
+          <p:cNvPr id="52" name="角丸四角形 51"/>
+          <p:cNvSpPr/>
+          <p:nvPr/>
+        </p:nvSpPr>
+        <p:spPr>
+          <a:xfrm>
+            <a:off x="1828677" y="1328617"/>
+            <a:ext cx="10848326" cy="478037"/>
+          </a:xfrm>
+          <a:prstGeom prst="roundRect">
+            <a:avLst/>
+          </a:prstGeom>
+          <a:solidFill>
+            <a:srgbClr val="182BA2"/>
+          </a:solidFill>
+        </p:spPr>
+        <p:style>
+          <a:lnRef idx="1">
+            <a:schemeClr val="accent1"/>
+          </a:lnRef>
+          <a:fillRef idx="1002">
+            <a:schemeClr val="dk2"/>
+          </a:fillRef>
+          <a:effectRef idx="1">
+            <a:schemeClr val="accent1"/>
+          </a:effectRef>
+          <a:fontRef idx="minor">
+            <a:schemeClr val="dk1"/>
+          </a:fontRef>
+        </p:style>
+        <p:txBody>
+          <a:bodyPr rtlCol="0" anchor="ctr"/>
+          <a:lstStyle/>
+          <a:p>
+            <a:pPr algn="ctr"/>
+            <a:r>
+              <a:rPr lang="en-US" altLang="ja-JP" b="1" dirty="0" smtClean="0">
+                <a:solidFill>
+                  <a:schemeClr val="bg1"/>
+                </a:solidFill>
+              </a:rPr>
+              <a:t>Apache</a:t>
+            </a:r>
+          </a:p>
+        </p:txBody>
+      </p:sp>
+      <p:sp>
+        <p:nvSpPr>
+          <p:cNvPr id="138" name="テキスト ボックス 137"/>
+          <p:cNvSpPr txBox="1"/>
+          <p:nvPr/>
+        </p:nvSpPr>
+        <p:spPr>
+          <a:xfrm>
+            <a:off x="11497296" y="956295"/>
+            <a:ext cx="965329" cy="369332"/>
+          </a:xfrm>
+          <a:prstGeom prst="rect">
+            <a:avLst/>
+          </a:prstGeom>
+          <a:noFill/>
+        </p:spPr>
+        <p:txBody>
+          <a:bodyPr wrap="none" rtlCol="0">
+            <a:spAutoFit/>
+          </a:bodyPr>
+          <a:lstStyle/>
+          <a:p>
+            <a:r>
+              <a:rPr lang="en-US" altLang="ja-JP" dirty="0" smtClean="0"/>
+              <a:t>/ </a:t>
+            </a:r>
+            <a:r>
+              <a:rPr lang="en-US" altLang="ja-JP" dirty="0" err="1" smtClean="0"/>
+              <a:t>jms</a:t>
+            </a:r>
+            <a:r>
+              <a:rPr lang="en-US" altLang="ja-JP" dirty="0" smtClean="0"/>
+              <a:t>-c</a:t>
+            </a:r>
+            <a:endParaRPr kumimoji="1" lang="ja-JP" altLang="en-US" dirty="0"/>
+          </a:p>
+        </p:txBody>
+      </p:sp>
+      <p:pic>
+        <p:nvPicPr>
+          <p:cNvPr id="139" name="Picture 2" descr="https://httpd.apache.org/docs/current/ja/images/feather.png"/>
           <p:cNvPicPr>
             <a:picLocks noChangeAspect="1" noChangeArrowheads="1"/>
           </p:cNvPicPr>
@@ -6448,8 +8267,8 @@
         </p:blipFill>
         <p:spPr bwMode="auto">
           <a:xfrm>
-            <a:off x="4436862" y="4792135"/>
-            <a:ext cx="475335" cy="338999"/>
+            <a:off x="7897248" y="1417611"/>
+            <a:ext cx="1208719" cy="341171"/>
           </a:xfrm>
           <a:prstGeom prst="rect">
             <a:avLst/>
@@ -6466,230 +8285,15 @@
           </a:extLst>
         </p:spPr>
       </p:pic>
-      <p:pic>
-        <p:nvPicPr>
-          <p:cNvPr id="64" name="Picture 6" descr="omcat Home">
-            <a:hlinkClick r:id="rId4"/>
-          </p:cNvPr>
-          <p:cNvPicPr>
-            <a:picLocks noChangeAspect="1" noChangeArrowheads="1"/>
-          </p:cNvPicPr>
-          <p:nvPr/>
-        </p:nvPicPr>
-        <p:blipFill>
-          <a:blip r:embed="rId5">
-            <a:extLst>
-              <a:ext uri="{28A0092B-C50C-407E-A947-70E740481C1C}">
-                <a14:useLocalDpi xmlns:a14="http://schemas.microsoft.com/office/drawing/2010/main" val="0"/>
-              </a:ext>
-            </a:extLst>
-          </a:blip>
-          <a:srcRect/>
-          <a:stretch>
-            <a:fillRect/>
-          </a:stretch>
-        </p:blipFill>
-        <p:spPr bwMode="auto">
-          <a:xfrm>
-            <a:off x="3277160" y="3385587"/>
-            <a:ext cx="475335" cy="338999"/>
-          </a:xfrm>
-          <a:prstGeom prst="rect">
-            <a:avLst/>
-          </a:prstGeom>
-          <a:noFill/>
-          <a:extLst>
-            <a:ext uri="{909E8E84-426E-40DD-AFC4-6F175D3DCCD1}">
-              <a14:hiddenFill xmlns:a14="http://schemas.microsoft.com/office/drawing/2010/main">
-                <a:solidFill>
-                  <a:srgbClr val="FFFFFF"/>
-                </a:solidFill>
-              </a14:hiddenFill>
-            </a:ext>
-          </a:extLst>
-        </p:spPr>
-      </p:pic>
-      <p:pic>
-        <p:nvPicPr>
-          <p:cNvPr id="65" name="Picture 6" descr="omcat Home">
-            <a:hlinkClick r:id="rId4"/>
-          </p:cNvPr>
-          <p:cNvPicPr>
-            <a:picLocks noChangeAspect="1" noChangeArrowheads="1"/>
-          </p:cNvPicPr>
-          <p:nvPr/>
-        </p:nvPicPr>
-        <p:blipFill>
-          <a:blip r:embed="rId5">
-            <a:extLst>
-              <a:ext uri="{28A0092B-C50C-407E-A947-70E740481C1C}">
-                <a14:useLocalDpi xmlns:a14="http://schemas.microsoft.com/office/drawing/2010/main" val="0"/>
-              </a:ext>
-            </a:extLst>
-          </a:blip>
-          <a:srcRect/>
-          <a:stretch>
-            <a:fillRect/>
-          </a:stretch>
-        </p:blipFill>
-        <p:spPr bwMode="auto">
-          <a:xfrm>
-            <a:off x="6503220" y="3391358"/>
-            <a:ext cx="475335" cy="338999"/>
-          </a:xfrm>
-          <a:prstGeom prst="rect">
-            <a:avLst/>
-          </a:prstGeom>
-          <a:noFill/>
-          <a:extLst>
-            <a:ext uri="{909E8E84-426E-40DD-AFC4-6F175D3DCCD1}">
-              <a14:hiddenFill xmlns:a14="http://schemas.microsoft.com/office/drawing/2010/main">
-                <a:solidFill>
-                  <a:srgbClr val="FFFFFF"/>
-                </a:solidFill>
-              </a14:hiddenFill>
-            </a:ext>
-          </a:extLst>
-        </p:spPr>
-      </p:pic>
-      <p:pic>
-        <p:nvPicPr>
-          <p:cNvPr id="67" name="Picture 6" descr="omcat Home">
-            <a:hlinkClick r:id="rId4"/>
-          </p:cNvPr>
-          <p:cNvPicPr>
-            <a:picLocks noChangeAspect="1" noChangeArrowheads="1"/>
-          </p:cNvPicPr>
-          <p:nvPr/>
-        </p:nvPicPr>
-        <p:blipFill>
-          <a:blip r:embed="rId5">
-            <a:extLst>
-              <a:ext uri="{28A0092B-C50C-407E-A947-70E740481C1C}">
-                <a14:useLocalDpi xmlns:a14="http://schemas.microsoft.com/office/drawing/2010/main" val="0"/>
-              </a:ext>
-            </a:extLst>
-          </a:blip>
-          <a:srcRect/>
-          <a:stretch>
-            <a:fillRect/>
-          </a:stretch>
-        </p:blipFill>
-        <p:spPr bwMode="auto">
-          <a:xfrm>
-            <a:off x="8501446" y="3381845"/>
-            <a:ext cx="475335" cy="338999"/>
-          </a:xfrm>
-          <a:prstGeom prst="rect">
-            <a:avLst/>
-          </a:prstGeom>
-          <a:noFill/>
-          <a:extLst>
-            <a:ext uri="{909E8E84-426E-40DD-AFC4-6F175D3DCCD1}">
-              <a14:hiddenFill xmlns:a14="http://schemas.microsoft.com/office/drawing/2010/main">
-                <a:solidFill>
-                  <a:srgbClr val="FFFFFF"/>
-                </a:solidFill>
-              </a14:hiddenFill>
-            </a:ext>
-          </a:extLst>
-        </p:spPr>
-      </p:pic>
-      <p:pic>
-        <p:nvPicPr>
-          <p:cNvPr id="68" name="Picture 6" descr="omcat Home">
-            <a:hlinkClick r:id="rId4"/>
-          </p:cNvPr>
-          <p:cNvPicPr>
-            <a:picLocks noChangeAspect="1" noChangeArrowheads="1"/>
-          </p:cNvPicPr>
-          <p:nvPr/>
-        </p:nvPicPr>
-        <p:blipFill>
-          <a:blip r:embed="rId5">
-            <a:extLst>
-              <a:ext uri="{28A0092B-C50C-407E-A947-70E740481C1C}">
-                <a14:useLocalDpi xmlns:a14="http://schemas.microsoft.com/office/drawing/2010/main" val="0"/>
-              </a:ext>
-            </a:extLst>
-          </a:blip>
-          <a:srcRect/>
-          <a:stretch>
-            <a:fillRect/>
-          </a:stretch>
-        </p:blipFill>
-        <p:spPr bwMode="auto">
-          <a:xfrm>
-            <a:off x="10449098" y="3393568"/>
-            <a:ext cx="475335" cy="338999"/>
-          </a:xfrm>
-          <a:prstGeom prst="rect">
-            <a:avLst/>
-          </a:prstGeom>
-          <a:noFill/>
-          <a:extLst>
-            <a:ext uri="{909E8E84-426E-40DD-AFC4-6F175D3DCCD1}">
-              <a14:hiddenFill xmlns:a14="http://schemas.microsoft.com/office/drawing/2010/main">
-                <a:solidFill>
-                  <a:srgbClr val="FFFFFF"/>
-                </a:solidFill>
-              </a14:hiddenFill>
-            </a:ext>
-          </a:extLst>
-        </p:spPr>
-      </p:pic>
-      <p:pic>
-        <p:nvPicPr>
-          <p:cNvPr id="70" name="Picture 6" descr="omcat Home">
-            <a:hlinkClick r:id="rId4"/>
-          </p:cNvPr>
-          <p:cNvPicPr>
-            <a:picLocks noChangeAspect="1" noChangeArrowheads="1"/>
-          </p:cNvPicPr>
-          <p:nvPr/>
-        </p:nvPicPr>
-        <p:blipFill>
-          <a:blip r:embed="rId5">
-            <a:extLst>
-              <a:ext uri="{28A0092B-C50C-407E-A947-70E740481C1C}">
-                <a14:useLocalDpi xmlns:a14="http://schemas.microsoft.com/office/drawing/2010/main" val="0"/>
-              </a:ext>
-            </a:extLst>
-          </a:blip>
-          <a:srcRect/>
-          <a:stretch>
-            <a:fillRect/>
-          </a:stretch>
-        </p:blipFill>
-        <p:spPr bwMode="auto">
-          <a:xfrm>
-            <a:off x="11526230" y="4818767"/>
-            <a:ext cx="475335" cy="338999"/>
-          </a:xfrm>
-          <a:prstGeom prst="rect">
-            <a:avLst/>
-          </a:prstGeom>
-          <a:noFill/>
-          <a:extLst>
-            <a:ext uri="{909E8E84-426E-40DD-AFC4-6F175D3DCCD1}">
-              <a14:hiddenFill xmlns:a14="http://schemas.microsoft.com/office/drawing/2010/main">
-                <a:solidFill>
-                  <a:srgbClr val="FFFFFF"/>
-                </a:solidFill>
-              </a14:hiddenFill>
-            </a:ext>
-          </a:extLst>
-        </p:spPr>
-      </p:pic>
-      <p:sp>
-        <p:nvSpPr>
-          <p:cNvPr id="71" name="テキスト ボックス 70"/>
+      <p:sp>
+        <p:nvSpPr>
+          <p:cNvPr id="141" name="テキスト ボックス 140"/>
           <p:cNvSpPr txBox="1"/>
           <p:nvPr/>
         </p:nvSpPr>
         <p:spPr>
           <a:xfrm>
-            <a:off x="8356759" y="1349311"/>
+            <a:off x="9018755" y="1419193"/>
             <a:ext cx="450764" cy="369332"/>
           </a:xfrm>
           <a:prstGeom prst="rect">
@@ -6704,7 +8308,7 @@
           <a:lstStyle/>
           <a:p>
             <a:r>
-              <a:rPr kumimoji="1" lang="en-US" altLang="ja-JP" b="1" smtClean="0">
+              <a:rPr kumimoji="1" lang="en-US" altLang="ja-JP" b="1" dirty="0" smtClean="0">
                 <a:solidFill>
                   <a:schemeClr val="bg1"/>
                 </a:solidFill>
@@ -6719,678 +8323,29 @@
           </a:p>
         </p:txBody>
       </p:sp>
-      <p:pic>
-        <p:nvPicPr>
-          <p:cNvPr id="74" name="Picture 2" descr="https://httpd.apache.org/docs/current/ja/images/feather.png"/>
-          <p:cNvPicPr>
-            <a:picLocks noChangeAspect="1" noChangeArrowheads="1"/>
-          </p:cNvPicPr>
-          <p:nvPr/>
-        </p:nvPicPr>
-        <p:blipFill>
-          <a:blip r:embed="rId3">
-            <a:extLst>
-              <a:ext uri="{28A0092B-C50C-407E-A947-70E740481C1C}">
-                <a14:useLocalDpi xmlns:a14="http://schemas.microsoft.com/office/drawing/2010/main" val="0"/>
-              </a:ext>
-            </a:extLst>
-          </a:blip>
-          <a:srcRect/>
-          <a:stretch>
-            <a:fillRect/>
-          </a:stretch>
-        </p:blipFill>
-        <p:spPr bwMode="auto">
-          <a:xfrm>
-            <a:off x="4798065" y="8731182"/>
-            <a:ext cx="777823" cy="219547"/>
-          </a:xfrm>
-          <a:prstGeom prst="rect">
-            <a:avLst/>
-          </a:prstGeom>
-          <a:noFill/>
-          <a:extLst>
-            <a:ext uri="{909E8E84-426E-40DD-AFC4-6F175D3DCCD1}">
-              <a14:hiddenFill xmlns:a14="http://schemas.microsoft.com/office/drawing/2010/main">
-                <a:solidFill>
-                  <a:srgbClr val="FFFFFF"/>
-                </a:solidFill>
-              </a14:hiddenFill>
-            </a:ext>
-          </a:extLst>
-        </p:spPr>
-      </p:pic>
-      <p:pic>
-        <p:nvPicPr>
-          <p:cNvPr id="75" name="Picture 6" descr="omcat Home">
-            <a:hlinkClick r:id="rId4"/>
-          </p:cNvPr>
-          <p:cNvPicPr>
-            <a:picLocks noChangeAspect="1" noChangeArrowheads="1"/>
-          </p:cNvPicPr>
-          <p:nvPr/>
-        </p:nvPicPr>
-        <p:blipFill>
-          <a:blip r:embed="rId5">
-            <a:extLst>
-              <a:ext uri="{28A0092B-C50C-407E-A947-70E740481C1C}">
-                <a14:useLocalDpi xmlns:a14="http://schemas.microsoft.com/office/drawing/2010/main" val="0"/>
-              </a:ext>
-            </a:extLst>
-          </a:blip>
-          <a:srcRect/>
-          <a:stretch>
-            <a:fillRect/>
-          </a:stretch>
-        </p:blipFill>
-        <p:spPr bwMode="auto">
-          <a:xfrm>
-            <a:off x="5919110" y="8635889"/>
-            <a:ext cx="475335" cy="338999"/>
-          </a:xfrm>
-          <a:prstGeom prst="rect">
-            <a:avLst/>
-          </a:prstGeom>
-          <a:noFill/>
-          <a:extLst>
-            <a:ext uri="{909E8E84-426E-40DD-AFC4-6F175D3DCCD1}">
-              <a14:hiddenFill xmlns:a14="http://schemas.microsoft.com/office/drawing/2010/main">
-                <a:solidFill>
-                  <a:srgbClr val="FFFFFF"/>
-                </a:solidFill>
-              </a14:hiddenFill>
-            </a:ext>
-          </a:extLst>
-        </p:spPr>
-      </p:pic>
-      <p:sp>
-        <p:nvSpPr>
-          <p:cNvPr id="76" name="テキスト ボックス 75"/>
-          <p:cNvSpPr txBox="1"/>
-          <p:nvPr/>
-        </p:nvSpPr>
-        <p:spPr>
-          <a:xfrm>
-            <a:off x="4702087" y="8982116"/>
-            <a:ext cx="970137" cy="276999"/>
-          </a:xfrm>
-          <a:prstGeom prst="rect">
-            <a:avLst/>
-          </a:prstGeom>
-          <a:noFill/>
-        </p:spPr>
-        <p:txBody>
-          <a:bodyPr wrap="none" rtlCol="0">
-            <a:spAutoFit/>
-          </a:bodyPr>
-          <a:lstStyle/>
-          <a:p>
-            <a:r>
-              <a:rPr lang="en-US" altLang="ja-JP" sz="1200" dirty="0" smtClean="0"/>
-              <a:t>Apache 2.2</a:t>
-            </a:r>
-            <a:endParaRPr kumimoji="1" lang="ja-JP" altLang="en-US" sz="1200" dirty="0"/>
-          </a:p>
-        </p:txBody>
-      </p:sp>
-      <p:sp>
-        <p:nvSpPr>
-          <p:cNvPr id="77" name="テキスト ボックス 76"/>
-          <p:cNvSpPr txBox="1"/>
-          <p:nvPr/>
-        </p:nvSpPr>
-        <p:spPr>
-          <a:xfrm>
-            <a:off x="5682666" y="8986473"/>
-            <a:ext cx="974947" cy="276999"/>
-          </a:xfrm>
-          <a:prstGeom prst="rect">
-            <a:avLst/>
-          </a:prstGeom>
-          <a:noFill/>
-        </p:spPr>
-        <p:txBody>
-          <a:bodyPr wrap="none" rtlCol="0">
-            <a:spAutoFit/>
-          </a:bodyPr>
-          <a:lstStyle/>
-          <a:p>
-            <a:r>
-              <a:rPr lang="en-US" altLang="ja-JP" sz="1200" smtClean="0"/>
-              <a:t>Tomcat 8.0</a:t>
-            </a:r>
-            <a:endParaRPr kumimoji="1" lang="ja-JP" altLang="en-US" sz="1200" dirty="0"/>
-          </a:p>
-        </p:txBody>
-      </p:sp>
-      <p:pic>
-        <p:nvPicPr>
-          <p:cNvPr id="1033" name="Picture 9" descr="2 database logo"/>
-          <p:cNvPicPr>
-            <a:picLocks noChangeAspect="1" noChangeArrowheads="1"/>
-          </p:cNvPicPr>
-          <p:nvPr/>
-        </p:nvPicPr>
-        <p:blipFill>
-          <a:blip r:embed="rId6">
-            <a:extLst>
-              <a:ext uri="{28A0092B-C50C-407E-A947-70E740481C1C}">
-                <a14:useLocalDpi xmlns:a14="http://schemas.microsoft.com/office/drawing/2010/main" val="0"/>
-              </a:ext>
-            </a:extLst>
-          </a:blip>
-          <a:srcRect/>
-          <a:stretch>
-            <a:fillRect/>
-          </a:stretch>
-        </p:blipFill>
-        <p:spPr bwMode="auto">
-          <a:xfrm>
-            <a:off x="9736814" y="6694132"/>
-            <a:ext cx="661640" cy="360010"/>
-          </a:xfrm>
-          <a:prstGeom prst="rect">
-            <a:avLst/>
-          </a:prstGeom>
-          <a:noFill/>
-          <a:extLst>
-            <a:ext uri="{909E8E84-426E-40DD-AFC4-6F175D3DCCD1}">
-              <a14:hiddenFill xmlns:a14="http://schemas.microsoft.com/office/drawing/2010/main">
-                <a:solidFill>
-                  <a:srgbClr val="FFFFFF"/>
-                </a:solidFill>
-              </a14:hiddenFill>
-            </a:ext>
-          </a:extLst>
-        </p:spPr>
-      </p:pic>
-      <p:pic>
-        <p:nvPicPr>
-          <p:cNvPr id="78" name="Picture 9" descr="2 database logo"/>
-          <p:cNvPicPr>
-            <a:picLocks noChangeAspect="1" noChangeArrowheads="1"/>
-          </p:cNvPicPr>
-          <p:nvPr/>
-        </p:nvPicPr>
-        <p:blipFill>
-          <a:blip r:embed="rId6">
-            <a:extLst>
-              <a:ext uri="{28A0092B-C50C-407E-A947-70E740481C1C}">
-                <a14:useLocalDpi xmlns:a14="http://schemas.microsoft.com/office/drawing/2010/main" val="0"/>
-              </a:ext>
-            </a:extLst>
-          </a:blip>
-          <a:srcRect/>
-          <a:stretch>
-            <a:fillRect/>
-          </a:stretch>
-        </p:blipFill>
-        <p:spPr bwMode="auto">
-          <a:xfrm>
-            <a:off x="8048591" y="8615823"/>
-            <a:ext cx="657855" cy="357950"/>
-          </a:xfrm>
-          <a:prstGeom prst="rect">
-            <a:avLst/>
-          </a:prstGeom>
-          <a:noFill/>
-          <a:extLst>
-            <a:ext uri="{909E8E84-426E-40DD-AFC4-6F175D3DCCD1}">
-              <a14:hiddenFill xmlns:a14="http://schemas.microsoft.com/office/drawing/2010/main">
-                <a:solidFill>
-                  <a:srgbClr val="FFFFFF"/>
-                </a:solidFill>
-              </a14:hiddenFill>
-            </a:ext>
-          </a:extLst>
-        </p:spPr>
-      </p:pic>
-      <p:sp>
-        <p:nvSpPr>
-          <p:cNvPr id="79" name="テキスト ボックス 78"/>
-          <p:cNvSpPr txBox="1"/>
-          <p:nvPr/>
-        </p:nvSpPr>
-        <p:spPr>
-          <a:xfrm>
-            <a:off x="8067893" y="8982117"/>
-            <a:ext cx="638315" cy="276999"/>
-          </a:xfrm>
-          <a:prstGeom prst="rect">
-            <a:avLst/>
-          </a:prstGeom>
-          <a:noFill/>
-        </p:spPr>
-        <p:txBody>
-          <a:bodyPr wrap="none" rtlCol="0">
-            <a:spAutoFit/>
-          </a:bodyPr>
-          <a:lstStyle/>
-          <a:p>
-            <a:pPr algn="ctr"/>
-            <a:r>
-              <a:rPr lang="en-US" altLang="ja-JP" sz="1200" dirty="0" smtClean="0"/>
-              <a:t>H2 1.4</a:t>
-            </a:r>
-            <a:endParaRPr kumimoji="1" lang="ja-JP" altLang="en-US" sz="1200" dirty="0"/>
-          </a:p>
-        </p:txBody>
-      </p:sp>
-      <p:sp>
-        <p:nvSpPr>
-          <p:cNvPr id="80" name="テキスト ボックス 79"/>
-          <p:cNvSpPr txBox="1"/>
-          <p:nvPr/>
-        </p:nvSpPr>
-        <p:spPr>
-          <a:xfrm>
-            <a:off x="2078237" y="949243"/>
-            <a:ext cx="840295" cy="369332"/>
-          </a:xfrm>
-          <a:prstGeom prst="rect">
-            <a:avLst/>
-          </a:prstGeom>
-          <a:noFill/>
-        </p:spPr>
-        <p:txBody>
-          <a:bodyPr wrap="none" rtlCol="0">
-            <a:spAutoFit/>
-          </a:bodyPr>
-          <a:lstStyle/>
-          <a:p>
-            <a:r>
-              <a:rPr lang="en-US" altLang="ja-JP" dirty="0" smtClean="0"/>
-              <a:t>/</a:t>
-            </a:r>
-            <a:r>
-              <a:rPr lang="en-US" altLang="ja-JP" dirty="0" err="1" smtClean="0"/>
-              <a:t>api</a:t>
-            </a:r>
-            <a:r>
-              <a:rPr lang="en-US" altLang="ja-JP" dirty="0" smtClean="0"/>
-              <a:t>-c</a:t>
-            </a:r>
-            <a:endParaRPr kumimoji="1" lang="ja-JP" altLang="en-US" dirty="0"/>
-          </a:p>
-        </p:txBody>
-      </p:sp>
-      <p:sp>
-        <p:nvSpPr>
-          <p:cNvPr id="81" name="テキスト ボックス 80"/>
-          <p:cNvSpPr txBox="1"/>
-          <p:nvPr/>
-        </p:nvSpPr>
-        <p:spPr>
-          <a:xfrm>
-            <a:off x="3220455" y="940298"/>
-            <a:ext cx="849913" cy="369332"/>
-          </a:xfrm>
-          <a:prstGeom prst="rect">
-            <a:avLst/>
-          </a:prstGeom>
-          <a:noFill/>
-        </p:spPr>
-        <p:txBody>
-          <a:bodyPr wrap="none" rtlCol="0">
-            <a:spAutoFit/>
-          </a:bodyPr>
-          <a:lstStyle/>
-          <a:p>
-            <a:r>
-              <a:rPr lang="en-US" altLang="ja-JP" dirty="0" smtClean="0"/>
-              <a:t>/</a:t>
-            </a:r>
-            <a:r>
-              <a:rPr lang="en-US" altLang="ja-JP" dirty="0" err="1" smtClean="0"/>
-              <a:t>api</a:t>
-            </a:r>
-            <a:r>
-              <a:rPr lang="en-US" altLang="ja-JP" dirty="0" smtClean="0"/>
-              <a:t>-a</a:t>
-            </a:r>
-            <a:endParaRPr kumimoji="1" lang="ja-JP" altLang="en-US" dirty="0"/>
-          </a:p>
-        </p:txBody>
-      </p:sp>
-      <p:sp>
-        <p:nvSpPr>
-          <p:cNvPr id="82" name="テキスト ボックス 81"/>
-          <p:cNvSpPr txBox="1"/>
-          <p:nvPr/>
-        </p:nvSpPr>
-        <p:spPr>
-          <a:xfrm>
-            <a:off x="5344696" y="956295"/>
-            <a:ext cx="798617" cy="369332"/>
-          </a:xfrm>
-          <a:prstGeom prst="rect">
-            <a:avLst/>
-          </a:prstGeom>
-          <a:noFill/>
-        </p:spPr>
-        <p:txBody>
-          <a:bodyPr wrap="none" rtlCol="0">
-            <a:spAutoFit/>
-          </a:bodyPr>
-          <a:lstStyle/>
-          <a:p>
-            <a:r>
-              <a:rPr lang="en-US" altLang="ja-JP" dirty="0" smtClean="0"/>
-              <a:t>/</a:t>
-            </a:r>
-            <a:r>
-              <a:rPr lang="en-US" altLang="ja-JP" dirty="0" err="1" smtClean="0"/>
-              <a:t>scr</a:t>
-            </a:r>
-            <a:r>
-              <a:rPr lang="en-US" altLang="ja-JP" dirty="0" smtClean="0"/>
-              <a:t>-t</a:t>
-            </a:r>
-            <a:endParaRPr kumimoji="1" lang="ja-JP" altLang="en-US" dirty="0"/>
-          </a:p>
-        </p:txBody>
-      </p:sp>
-      <p:sp>
-        <p:nvSpPr>
-          <p:cNvPr id="83" name="テキスト ボックス 82"/>
-          <p:cNvSpPr txBox="1"/>
-          <p:nvPr/>
-        </p:nvSpPr>
-        <p:spPr>
-          <a:xfrm>
-            <a:off x="7370684" y="963531"/>
-            <a:ext cx="798617" cy="369332"/>
-          </a:xfrm>
-          <a:prstGeom prst="rect">
-            <a:avLst/>
-          </a:prstGeom>
-          <a:noFill/>
-        </p:spPr>
-        <p:txBody>
-          <a:bodyPr wrap="none" rtlCol="0">
-            <a:spAutoFit/>
-          </a:bodyPr>
-          <a:lstStyle/>
-          <a:p>
-            <a:r>
-              <a:rPr lang="en-US" altLang="ja-JP" dirty="0" smtClean="0"/>
-              <a:t>/</a:t>
-            </a:r>
-            <a:r>
-              <a:rPr lang="en-US" altLang="ja-JP" dirty="0" err="1" smtClean="0"/>
-              <a:t>scr</a:t>
-            </a:r>
-            <a:r>
-              <a:rPr lang="en-US" altLang="ja-JP" dirty="0" smtClean="0"/>
-              <a:t>-f</a:t>
-            </a:r>
-            <a:endParaRPr kumimoji="1" lang="ja-JP" altLang="en-US" dirty="0"/>
-          </a:p>
-        </p:txBody>
-      </p:sp>
-      <p:sp>
-        <p:nvSpPr>
-          <p:cNvPr id="84" name="テキスト ボックス 83"/>
-          <p:cNvSpPr txBox="1"/>
-          <p:nvPr/>
-        </p:nvSpPr>
-        <p:spPr>
-          <a:xfrm>
-            <a:off x="9325433" y="950804"/>
-            <a:ext cx="798617" cy="369332"/>
-          </a:xfrm>
-          <a:prstGeom prst="rect">
-            <a:avLst/>
-          </a:prstGeom>
-          <a:noFill/>
-        </p:spPr>
-        <p:txBody>
-          <a:bodyPr wrap="none" rtlCol="0">
-            <a:spAutoFit/>
-          </a:bodyPr>
-          <a:lstStyle/>
-          <a:p>
-            <a:r>
-              <a:rPr lang="en-US" altLang="ja-JP" dirty="0" smtClean="0"/>
-              <a:t>/</a:t>
-            </a:r>
-            <a:r>
-              <a:rPr lang="en-US" altLang="ja-JP" dirty="0" err="1" smtClean="0"/>
-              <a:t>scr</a:t>
-            </a:r>
-            <a:r>
-              <a:rPr lang="en-US" altLang="ja-JP" dirty="0" smtClean="0"/>
-              <a:t>-j</a:t>
-            </a:r>
-            <a:endParaRPr kumimoji="1" lang="ja-JP" altLang="en-US" dirty="0"/>
-          </a:p>
-        </p:txBody>
-      </p:sp>
-      <p:sp>
-        <p:nvSpPr>
-          <p:cNvPr id="85" name="テキスト ボックス 84"/>
-          <p:cNvSpPr txBox="1"/>
-          <p:nvPr/>
-        </p:nvSpPr>
-        <p:spPr>
-          <a:xfrm>
-            <a:off x="10686765" y="969794"/>
-            <a:ext cx="564578" cy="369332"/>
-          </a:xfrm>
-          <a:prstGeom prst="rect">
-            <a:avLst/>
-          </a:prstGeom>
-          <a:noFill/>
-        </p:spPr>
-        <p:txBody>
-          <a:bodyPr wrap="none" rtlCol="0">
-            <a:spAutoFit/>
-          </a:bodyPr>
-          <a:lstStyle/>
-          <a:p>
-            <a:r>
-              <a:rPr lang="en-US" altLang="ja-JP" dirty="0" smtClean="0"/>
-              <a:t>/</a:t>
-            </a:r>
-            <a:r>
-              <a:rPr lang="en-US" altLang="ja-JP" dirty="0" err="1" smtClean="0"/>
-              <a:t>db</a:t>
-            </a:r>
-            <a:endParaRPr kumimoji="1" lang="ja-JP" altLang="en-US" dirty="0"/>
-          </a:p>
-        </p:txBody>
-      </p:sp>
-      <p:sp>
-        <p:nvSpPr>
-          <p:cNvPr id="93" name="正方形/長方形 92"/>
-          <p:cNvSpPr/>
-          <p:nvPr/>
-        </p:nvSpPr>
-        <p:spPr>
-          <a:xfrm>
-            <a:off x="1699719" y="855398"/>
-            <a:ext cx="10030164" cy="1055385"/>
-          </a:xfrm>
-          <a:prstGeom prst="rect">
-            <a:avLst/>
-          </a:prstGeom>
-          <a:noFill/>
-          <a:ln>
-            <a:solidFill>
-              <a:schemeClr val="bg1">
-                <a:lumMod val="65000"/>
-              </a:schemeClr>
-            </a:solidFill>
-            <a:prstDash val="dash"/>
-          </a:ln>
-        </p:spPr>
-        <p:style>
-          <a:lnRef idx="2">
-            <a:schemeClr val="accent1">
-              <a:shade val="50000"/>
-            </a:schemeClr>
-          </a:lnRef>
-          <a:fillRef idx="1">
-            <a:schemeClr val="accent1"/>
-          </a:fillRef>
-          <a:effectRef idx="0">
-            <a:schemeClr val="accent1"/>
-          </a:effectRef>
-          <a:fontRef idx="minor">
-            <a:schemeClr val="lt1"/>
-          </a:fontRef>
-        </p:style>
-        <p:txBody>
-          <a:bodyPr rtlCol="0" anchor="ctr"/>
-          <a:lstStyle/>
-          <a:p>
-            <a:pPr algn="ctr"/>
-            <a:endParaRPr kumimoji="1" lang="ja-JP" altLang="en-US"/>
-          </a:p>
-        </p:txBody>
-      </p:sp>
-      <p:sp>
-        <p:nvSpPr>
-          <p:cNvPr id="86" name="正方形/長方形 85"/>
-          <p:cNvSpPr/>
-          <p:nvPr/>
-        </p:nvSpPr>
-        <p:spPr>
-          <a:xfrm>
-            <a:off x="198063" y="5728629"/>
-            <a:ext cx="11531820" cy="2483934"/>
-          </a:xfrm>
-          <a:prstGeom prst="rect">
-            <a:avLst/>
-          </a:prstGeom>
-          <a:noFill/>
-          <a:ln w="28575">
-            <a:solidFill>
-              <a:schemeClr val="tx1">
-                <a:lumMod val="65000"/>
-                <a:lumOff val="35000"/>
-              </a:schemeClr>
-            </a:solidFill>
-            <a:prstDash val="dash"/>
-          </a:ln>
-        </p:spPr>
-        <p:style>
-          <a:lnRef idx="2">
-            <a:schemeClr val="accent1">
-              <a:shade val="50000"/>
-            </a:schemeClr>
-          </a:lnRef>
-          <a:fillRef idx="1">
-            <a:schemeClr val="accent1"/>
-          </a:fillRef>
-          <a:effectRef idx="0">
-            <a:schemeClr val="accent1"/>
-          </a:effectRef>
-          <a:fontRef idx="minor">
-            <a:schemeClr val="lt1"/>
-          </a:fontRef>
-        </p:style>
-        <p:txBody>
-          <a:bodyPr rtlCol="0" anchor="ctr"/>
-          <a:lstStyle/>
-          <a:p>
-            <a:pPr algn="ctr"/>
-            <a:endParaRPr kumimoji="1" lang="ja-JP" altLang="en-US"/>
-          </a:p>
-        </p:txBody>
-      </p:sp>
-      <p:sp>
-        <p:nvSpPr>
-          <p:cNvPr id="90" name="円柱 89"/>
-          <p:cNvSpPr/>
-          <p:nvPr/>
-        </p:nvSpPr>
-        <p:spPr>
-          <a:xfrm>
-            <a:off x="1766462" y="6092536"/>
-            <a:ext cx="3637920" cy="1096855"/>
-          </a:xfrm>
-          <a:prstGeom prst="can">
-            <a:avLst/>
-          </a:prstGeom>
-        </p:spPr>
-        <p:style>
-          <a:lnRef idx="1">
-            <a:schemeClr val="accent3"/>
-          </a:lnRef>
-          <a:fillRef idx="2">
-            <a:schemeClr val="accent3"/>
-          </a:fillRef>
-          <a:effectRef idx="1">
-            <a:schemeClr val="accent3"/>
-          </a:effectRef>
-          <a:fontRef idx="minor">
-            <a:schemeClr val="dk1"/>
-          </a:fontRef>
-        </p:style>
-        <p:txBody>
-          <a:bodyPr rtlCol="0" anchor="ctr"/>
-          <a:lstStyle/>
-          <a:p>
-            <a:pPr algn="ctr"/>
-            <a:r>
-              <a:rPr lang="en-US" altLang="ja-JP" dirty="0" smtClean="0"/>
-              <a:t>PostgreSQL</a:t>
-            </a:r>
-          </a:p>
-        </p:txBody>
-      </p:sp>
-      <p:sp>
-        <p:nvSpPr>
-          <p:cNvPr id="91" name="テキスト ボックス 90"/>
-          <p:cNvSpPr txBox="1"/>
-          <p:nvPr/>
-        </p:nvSpPr>
-        <p:spPr>
-          <a:xfrm>
-            <a:off x="3333927" y="6051098"/>
-            <a:ext cx="697627" cy="369332"/>
-          </a:xfrm>
-          <a:prstGeom prst="rect">
-            <a:avLst/>
-          </a:prstGeom>
-          <a:noFill/>
-        </p:spPr>
-        <p:txBody>
-          <a:bodyPr wrap="none" rtlCol="0">
-            <a:spAutoFit/>
-          </a:bodyPr>
-          <a:lstStyle/>
-          <a:p>
-            <a:r>
-              <a:rPr kumimoji="1" lang="en-US" altLang="ja-JP" smtClean="0"/>
-              <a:t>5432</a:t>
-            </a:r>
-            <a:endParaRPr kumimoji="1" lang="ja-JP" altLang="en-US" dirty="0"/>
-          </a:p>
-        </p:txBody>
-      </p:sp>
       <p:cxnSp>
         <p:nvCxnSpPr>
-          <p:cNvPr id="99" name="直線矢印コネクタ 98"/>
+          <p:cNvPr id="142" name="直線矢印コネクタ 141"/>
           <p:cNvCxnSpPr>
-            <a:stCxn id="36" idx="2"/>
-            <a:endCxn id="11" idx="4"/>
+            <a:endCxn id="94" idx="0"/>
           </p:cNvCxnSpPr>
           <p:nvPr/>
         </p:nvCxnSpPr>
         <p:spPr>
-          <a:xfrm rot="5400000">
-            <a:off x="10052609" y="5488597"/>
-            <a:ext cx="1523844" cy="730759"/>
-          </a:xfrm>
-          <a:prstGeom prst="bentConnector2">
-            <a:avLst/>
+          <a:xfrm rot="16200000" flipH="1">
+            <a:off x="13311603" y="351229"/>
+            <a:ext cx="598857" cy="1904"/>
+          </a:xfrm>
+          <a:prstGeom prst="bentConnector3">
+            <a:avLst>
+              <a:gd name="adj1" fmla="val 50000"/>
+            </a:avLst>
           </a:prstGeom>
           <a:ln w="38100">
             <a:solidFill>
-              <a:schemeClr val="bg1">
-                <a:lumMod val="65000"/>
+              <a:schemeClr val="accent6">
+                <a:lumMod val="60000"/>
+                <a:lumOff val="40000"/>
               </a:schemeClr>
             </a:solidFill>
             <a:tailEnd type="triangle"/>
@@ -7413,22 +8368,28 @@
       </p:cxnSp>
       <p:pic>
         <p:nvPicPr>
-          <p:cNvPr id="96" name="図 95"/>
+          <p:cNvPr id="146" name="Picture 3" descr="AWS-Management-Console.png"/>
           <p:cNvPicPr>
             <a:picLocks noChangeAspect="1"/>
           </p:cNvPicPr>
           <p:nvPr/>
         </p:nvPicPr>
         <p:blipFill>
-          <a:blip r:embed="rId7"/>
+          <a:blip r:embed="rId12">
+            <a:extLst>
+              <a:ext uri="{28A0092B-C50C-407E-A947-70E740481C1C}">
+                <a14:useLocalDpi xmlns:a14="http://schemas.microsoft.com/office/drawing/2010/main" val="0"/>
+              </a:ext>
+            </a:extLst>
+          </a:blip>
           <a:stretch>
             <a:fillRect/>
           </a:stretch>
         </p:blipFill>
         <p:spPr>
           <a:xfrm>
-            <a:off x="6974450" y="8616475"/>
-            <a:ext cx="647369" cy="375474"/>
+            <a:off x="13265764" y="-543280"/>
+            <a:ext cx="665507" cy="665507"/>
           </a:xfrm>
           <a:prstGeom prst="rect">
             <a:avLst/>
@@ -7437,14 +8398,14 @@
       </p:pic>
       <p:sp>
         <p:nvSpPr>
-          <p:cNvPr id="109" name="テキスト ボックス 108"/>
+          <p:cNvPr id="147" name="TextBox 18"/>
           <p:cNvSpPr txBox="1"/>
           <p:nvPr/>
         </p:nvSpPr>
         <p:spPr>
           <a:xfrm>
-            <a:off x="6688186" y="8980059"/>
-            <a:ext cx="1285929" cy="276999"/>
+            <a:off x="13056303" y="232909"/>
+            <a:ext cx="1078992" cy="155448"/>
           </a:xfrm>
           <a:prstGeom prst="rect">
             <a:avLst/>
@@ -7452,196 +8413,33 @@
           <a:noFill/>
         </p:spPr>
         <p:txBody>
-          <a:bodyPr wrap="none" rtlCol="0">
-            <a:spAutoFit/>
+          <a:bodyPr wrap="square" lIns="0" tIns="0" rIns="0" bIns="0" rtlCol="0">
+            <a:noAutofit/>
           </a:bodyPr>
           <a:lstStyle/>
           <a:p>
             <a:pPr algn="ctr"/>
             <a:r>
-              <a:rPr kumimoji="1" lang="en-US" altLang="ja-JP" sz="1200" dirty="0" smtClean="0"/>
-              <a:t>PostgreSQL 9.4</a:t>
-            </a:r>
-            <a:endParaRPr kumimoji="1" lang="ja-JP" altLang="en-US" sz="1200" dirty="0"/>
-          </a:p>
-        </p:txBody>
-      </p:sp>
-      <p:pic>
-        <p:nvPicPr>
-          <p:cNvPr id="110" name="図 109"/>
-          <p:cNvPicPr>
-            <a:picLocks noChangeAspect="1"/>
-          </p:cNvPicPr>
-          <p:nvPr/>
-        </p:nvPicPr>
-        <p:blipFill>
-          <a:blip r:embed="rId7"/>
-          <a:stretch>
-            <a:fillRect/>
-          </a:stretch>
-        </p:blipFill>
-        <p:spPr>
-          <a:xfrm>
-            <a:off x="4647543" y="6655753"/>
-            <a:ext cx="647369" cy="375474"/>
-          </a:xfrm>
-          <a:prstGeom prst="rect">
-            <a:avLst/>
-          </a:prstGeom>
-        </p:spPr>
-      </p:pic>
-      <p:sp>
-        <p:nvSpPr>
-          <p:cNvPr id="111" name="テキスト ボックス 110"/>
-          <p:cNvSpPr txBox="1"/>
-          <p:nvPr/>
-        </p:nvSpPr>
-        <p:spPr>
-          <a:xfrm>
-            <a:off x="5936186" y="6427277"/>
-            <a:ext cx="649567" cy="369332"/>
-          </a:xfrm>
-          <a:prstGeom prst="rect">
-            <a:avLst/>
-          </a:prstGeom>
-          <a:noFill/>
-        </p:spPr>
-        <p:txBody>
-          <a:bodyPr wrap="square" rtlCol="0">
-            <a:spAutoFit/>
-          </a:bodyPr>
-          <a:lstStyle/>
-          <a:p>
-            <a:r>
-              <a:rPr lang="en-US" altLang="ja-JP" smtClean="0">
-                <a:solidFill>
-                  <a:schemeClr val="bg1">
-                    <a:lumMod val="50000"/>
-                  </a:schemeClr>
-                </a:solidFill>
+              <a:rPr lang="en-US" sz="1000" smtClean="0">
+                <a:latin typeface="Helvetica Neue"/>
+                <a:cs typeface="Helvetica Neue"/>
               </a:rPr>
-              <a:t>OR</a:t>
-            </a:r>
-            <a:endParaRPr kumimoji="1" lang="ja-JP" altLang="en-US" dirty="0">
-              <a:solidFill>
-                <a:schemeClr val="bg1">
-                  <a:lumMod val="50000"/>
-                </a:schemeClr>
-              </a:solidFill>
+              <a:t>SQS Web </a:t>
+            </a:r>
+            <a:r>
+              <a:rPr lang="en-US" sz="1000" smtClean="0">
+                <a:latin typeface="Helvetica Neue"/>
+                <a:cs typeface="Helvetica Neue"/>
+              </a:rPr>
+              <a:t>Console</a:t>
+            </a:r>
+            <a:endParaRPr lang="en-US" sz="1000" dirty="0">
+              <a:latin typeface="Helvetica Neue"/>
+              <a:cs typeface="Helvetica Neue"/>
             </a:endParaRPr>
           </a:p>
         </p:txBody>
       </p:sp>
-      <p:pic>
-        <p:nvPicPr>
-          <p:cNvPr id="107" name="図 106"/>
-          <p:cNvPicPr>
-            <a:picLocks noChangeAspect="1"/>
-          </p:cNvPicPr>
-          <p:nvPr/>
-        </p:nvPicPr>
-        <p:blipFill>
-          <a:blip r:embed="rId8"/>
-          <a:stretch>
-            <a:fillRect/>
-          </a:stretch>
-        </p:blipFill>
-        <p:spPr>
-          <a:xfrm>
-            <a:off x="377971" y="776518"/>
-            <a:ext cx="1096979" cy="1171833"/>
-          </a:xfrm>
-          <a:prstGeom prst="rect">
-            <a:avLst/>
-          </a:prstGeom>
-          <a:solidFill>
-            <a:schemeClr val="accent4">
-              <a:lumMod val="20000"/>
-              <a:lumOff val="80000"/>
-            </a:schemeClr>
-          </a:solidFill>
-          <a:ln>
-            <a:solidFill>
-              <a:schemeClr val="accent4">
-                <a:lumMod val="20000"/>
-                <a:lumOff val="80000"/>
-              </a:schemeClr>
-            </a:solidFill>
-          </a:ln>
-        </p:spPr>
-      </p:pic>
-      <p:pic>
-        <p:nvPicPr>
-          <p:cNvPr id="116" name="図 115"/>
-          <p:cNvPicPr>
-            <a:picLocks noChangeAspect="1"/>
-          </p:cNvPicPr>
-          <p:nvPr/>
-        </p:nvPicPr>
-        <p:blipFill>
-          <a:blip r:embed="rId9"/>
-          <a:stretch>
-            <a:fillRect/>
-          </a:stretch>
-        </p:blipFill>
-        <p:spPr>
-          <a:xfrm>
-            <a:off x="388422" y="5978395"/>
-            <a:ext cx="1065224" cy="1310615"/>
-          </a:xfrm>
-          <a:prstGeom prst="rect">
-            <a:avLst/>
-          </a:prstGeom>
-        </p:spPr>
-      </p:pic>
-      <p:pic>
-        <p:nvPicPr>
-          <p:cNvPr id="136" name="図 135"/>
-          <p:cNvPicPr>
-            <a:picLocks noChangeAspect="1"/>
-          </p:cNvPicPr>
-          <p:nvPr/>
-        </p:nvPicPr>
-        <p:blipFill>
-          <a:blip r:embed="rId10"/>
-          <a:stretch>
-            <a:fillRect/>
-          </a:stretch>
-        </p:blipFill>
-        <p:spPr>
-          <a:xfrm>
-            <a:off x="487124" y="440156"/>
-            <a:ext cx="877000" cy="456040"/>
-          </a:xfrm>
-          <a:prstGeom prst="rect">
-            <a:avLst/>
-          </a:prstGeom>
-        </p:spPr>
-      </p:pic>
-      <p:pic>
-        <p:nvPicPr>
-          <p:cNvPr id="140" name="図 139"/>
-          <p:cNvPicPr>
-            <a:picLocks noChangeAspect="1"/>
-          </p:cNvPicPr>
-          <p:nvPr/>
-        </p:nvPicPr>
-        <p:blipFill>
-          <a:blip r:embed="rId10"/>
-          <a:stretch>
-            <a:fillRect/>
-          </a:stretch>
-        </p:blipFill>
-        <p:spPr>
-          <a:xfrm>
-            <a:off x="490727" y="5546014"/>
-            <a:ext cx="877000" cy="456040"/>
-          </a:xfrm>
-          <a:prstGeom prst="rect">
-            <a:avLst/>
-          </a:prstGeom>
-        </p:spPr>
-      </p:pic>
     </p:spTree>
     <p:extLst>
       <p:ext uri="{BB962C8B-B14F-4D97-AF65-F5344CB8AC3E}">

--- a/images.pptx
+++ b/images.pptx
@@ -7515,11 +7515,6 @@
               </a:rPr>
               <a:t>-consumer</a:t>
             </a:r>
-            <a:endParaRPr lang="en-US" altLang="ja-JP" dirty="0" smtClean="0">
-              <a:solidFill>
-                <a:schemeClr val="bg1"/>
-              </a:solidFill>
-            </a:endParaRPr>
           </a:p>
           <a:p>
             <a:pPr algn="ctr"/>
@@ -7547,11 +7542,6 @@
               </a:rPr>
               <a:t>-c)</a:t>
             </a:r>
-            <a:endParaRPr lang="en-US" altLang="ja-JP" dirty="0" smtClean="0">
-              <a:solidFill>
-                <a:schemeClr val="bg1"/>
-              </a:solidFill>
-            </a:endParaRPr>
           </a:p>
         </p:txBody>
       </p:sp>
@@ -8424,14 +8414,7 @@
                 <a:latin typeface="Helvetica Neue"/>
                 <a:cs typeface="Helvetica Neue"/>
               </a:rPr>
-              <a:t>SQS Web </a:t>
-            </a:r>
-            <a:r>
-              <a:rPr lang="en-US" sz="1000" smtClean="0">
-                <a:latin typeface="Helvetica Neue"/>
-                <a:cs typeface="Helvetica Neue"/>
-              </a:rPr>
-              <a:t>Console</a:t>
+              <a:t>SQS Web Console</a:t>
             </a:r>
             <a:endParaRPr lang="en-US" sz="1000" dirty="0">
               <a:latin typeface="Helvetica Neue"/>
@@ -8440,6 +8423,49 @@
           </a:p>
         </p:txBody>
       </p:sp>
+      <p:pic>
+        <p:nvPicPr>
+          <p:cNvPr id="116" name="Picture 6" descr="omcat Home">
+            <a:hlinkClick r:id="rId3"/>
+          </p:cNvPr>
+          <p:cNvPicPr>
+            <a:picLocks noChangeAspect="1" noChangeArrowheads="1"/>
+          </p:cNvPicPr>
+          <p:nvPr/>
+        </p:nvPicPr>
+        <p:blipFill>
+          <a:blip r:embed="rId4">
+            <a:extLst>
+              <a:ext uri="{28A0092B-C50C-407E-A947-70E740481C1C}">
+                <a14:useLocalDpi xmlns:a14="http://schemas.microsoft.com/office/drawing/2010/main" val="0"/>
+              </a:ext>
+            </a:extLst>
+          </a:blip>
+          <a:srcRect/>
+          <a:stretch>
+            <a:fillRect/>
+          </a:stretch>
+        </p:blipFill>
+        <p:spPr bwMode="auto">
+          <a:xfrm>
+            <a:off x="12915527" y="3435147"/>
+            <a:ext cx="475335" cy="338999"/>
+          </a:xfrm>
+          <a:prstGeom prst="rect">
+            <a:avLst/>
+          </a:prstGeom>
+          <a:noFill/>
+          <a:extLst>
+            <a:ext uri="{909E8E84-426E-40DD-AFC4-6F175D3DCCD1}">
+              <a14:hiddenFill xmlns:a14="http://schemas.microsoft.com/office/drawing/2010/main">
+                <a:solidFill>
+                  <a:srgbClr val="FFFFFF"/>
+                </a:solidFill>
+              </a14:hiddenFill>
+            </a:ext>
+          </a:extLst>
+        </p:spPr>
+      </p:pic>
     </p:spTree>
     <p:extLst>
       <p:ext uri="{BB962C8B-B14F-4D97-AF65-F5344CB8AC3E}">
